--- a/assets/files/project_introduction.pptx
+++ b/assets/files/project_introduction.pptx
@@ -1,14 +1,15 @@
 
 <file path=ppt/presentation.xml><?xml version="1.0" encoding="utf-8"?>
-<p:presentation xmlns:a="http://schemas.openxmlformats.org/drawingml/2006/main" xmlns:r="http://schemas.openxmlformats.org/officeDocument/2006/relationships" xmlns:p="http://schemas.openxmlformats.org/presentationml/2006/main" xmlns:m="http://schemas.openxmlformats.org/officeDocument/2006/math" xmlns:a14="http://schemas.microsoft.com/office/drawing/2010/main">
+<p:presentation xmlns:a="http://schemas.openxmlformats.org/drawingml/2006/main" xmlns:r="http://schemas.openxmlformats.org/officeDocument/2006/relationships" xmlns:p="http://schemas.openxmlformats.org/presentationml/2006/main">
   <p:sldMasterIdLst>
-    <p:sldMasterId id="2147483648" r:id="rId5"/>
+    <p:sldMasterId id="2147483648" r:id="rId1"/>
   </p:sldMasterIdLst>
   <p:notesMasterIdLst>
-    <p:notesMasterId r:id="rId7"/>
+    <p:notesMasterId r:id="rId4"/>
   </p:notesMasterIdLst>
   <p:sldIdLst>
-    <p:sldId id="256" r:id="rId8"/>
+    <p:sldId id="256" r:id="rId2"/>
+    <p:sldId id="258" r:id="rId3"/>
   </p:sldIdLst>
   <p:sldSz cx="13004800" cy="9753600"/>
   <p:notesSz cx="6858000" cy="9144000"/>
@@ -28,7 +29,7 @@
       <a:buFontTx/>
       <a:buNone/>
       <a:tabLst/>
-      <a:defRPr b="0" baseline="0" cap="none" i="0" spc="0" strike="noStrike" sz="1800" u="none" kumimoji="0" normalizeH="0">
+      <a:defRPr kumimoji="0" sz="1800" b="0" i="0" u="none" strike="noStrike" cap="none" spc="0" normalizeH="0" baseline="0">
         <a:ln>
           <a:noFill/>
         </a:ln>
@@ -54,7 +55,7 @@
       <a:buFontTx/>
       <a:buNone/>
       <a:tabLst/>
-      <a:defRPr b="1" baseline="0" cap="none" i="0" spc="0" strike="noStrike" sz="2400" u="none" kumimoji="0" normalizeH="0">
+      <a:defRPr kumimoji="0" sz="2400" b="1" i="0" u="none" strike="noStrike" cap="none" spc="0" normalizeH="0" baseline="0">
         <a:ln>
           <a:noFill/>
         </a:ln>
@@ -84,7 +85,7 @@
       <a:buFontTx/>
       <a:buNone/>
       <a:tabLst/>
-      <a:defRPr b="1" baseline="0" cap="none" i="0" spc="0" strike="noStrike" sz="2400" u="none" kumimoji="0" normalizeH="0">
+      <a:defRPr kumimoji="0" sz="2400" b="1" i="0" u="none" strike="noStrike" cap="none" spc="0" normalizeH="0" baseline="0">
         <a:ln>
           <a:noFill/>
         </a:ln>
@@ -114,7 +115,7 @@
       <a:buFontTx/>
       <a:buNone/>
       <a:tabLst/>
-      <a:defRPr b="1" baseline="0" cap="none" i="0" spc="0" strike="noStrike" sz="2400" u="none" kumimoji="0" normalizeH="0">
+      <a:defRPr kumimoji="0" sz="2400" b="1" i="0" u="none" strike="noStrike" cap="none" spc="0" normalizeH="0" baseline="0">
         <a:ln>
           <a:noFill/>
         </a:ln>
@@ -144,7 +145,7 @@
       <a:buFontTx/>
       <a:buNone/>
       <a:tabLst/>
-      <a:defRPr b="1" baseline="0" cap="none" i="0" spc="0" strike="noStrike" sz="2400" u="none" kumimoji="0" normalizeH="0">
+      <a:defRPr kumimoji="0" sz="2400" b="1" i="0" u="none" strike="noStrike" cap="none" spc="0" normalizeH="0" baseline="0">
         <a:ln>
           <a:noFill/>
         </a:ln>
@@ -174,7 +175,7 @@
       <a:buFontTx/>
       <a:buNone/>
       <a:tabLst/>
-      <a:defRPr b="1" baseline="0" cap="none" i="0" spc="0" strike="noStrike" sz="2400" u="none" kumimoji="0" normalizeH="0">
+      <a:defRPr kumimoji="0" sz="2400" b="1" i="0" u="none" strike="noStrike" cap="none" spc="0" normalizeH="0" baseline="0">
         <a:ln>
           <a:noFill/>
         </a:ln>
@@ -204,7 +205,7 @@
       <a:buFontTx/>
       <a:buNone/>
       <a:tabLst/>
-      <a:defRPr b="1" baseline="0" cap="none" i="0" spc="0" strike="noStrike" sz="2400" u="none" kumimoji="0" normalizeH="0">
+      <a:defRPr kumimoji="0" sz="2400" b="1" i="0" u="none" strike="noStrike" cap="none" spc="0" normalizeH="0" baseline="0">
         <a:ln>
           <a:noFill/>
         </a:ln>
@@ -234,7 +235,7 @@
       <a:buFontTx/>
       <a:buNone/>
       <a:tabLst/>
-      <a:defRPr b="1" baseline="0" cap="none" i="0" spc="0" strike="noStrike" sz="2400" u="none" kumimoji="0" normalizeH="0">
+      <a:defRPr kumimoji="0" sz="2400" b="1" i="0" u="none" strike="noStrike" cap="none" spc="0" normalizeH="0" baseline="0">
         <a:ln>
           <a:noFill/>
         </a:ln>
@@ -264,7 +265,7 @@
       <a:buFontTx/>
       <a:buNone/>
       <a:tabLst/>
-      <a:defRPr b="1" baseline="0" cap="none" i="0" spc="0" strike="noStrike" sz="2400" u="none" kumimoji="0" normalizeH="0">
+      <a:defRPr kumimoji="0" sz="2400" b="1" i="0" u="none" strike="noStrike" cap="none" spc="0" normalizeH="0" baseline="0">
         <a:ln>
           <a:noFill/>
         </a:ln>
@@ -294,7 +295,7 @@
       <a:buFontTx/>
       <a:buNone/>
       <a:tabLst/>
-      <a:defRPr b="1" baseline="0" cap="none" i="0" spc="0" strike="noStrike" sz="2400" u="none" kumimoji="0" normalizeH="0">
+      <a:defRPr kumimoji="0" sz="2400" b="1" i="0" u="none" strike="noStrike" cap="none" spc="0" normalizeH="0" baseline="0">
         <a:ln>
           <a:noFill/>
         </a:ln>
@@ -310,16 +311,33 @@
       </a:defRPr>
     </a:lvl9pPr>
   </p:defaultTextStyle>
+  <p:extLst>
+    <p:ext uri="{EFAFB233-063F-42B5-8137-9DF3F51BA10A}">
+      <p15:sldGuideLst xmlns:p15="http://schemas.microsoft.com/office/powerpoint/2012/main">
+        <p15:guide id="1" orient="horz" pos="3072" userDrawn="1">
+          <p15:clr>
+            <a:srgbClr val="A4A3A4"/>
+          </p15:clr>
+        </p15:guide>
+        <p15:guide id="2" pos="4096" userDrawn="1">
+          <p15:clr>
+            <a:srgbClr val="A4A3A4"/>
+          </p15:clr>
+        </p15:guide>
+      </p15:sldGuideLst>
+    </p:ext>
+  </p:extLst>
 </p:presentation>
 </file>
 
-<file path=ppt/commentAuthors.xml><?xml version="1.0" encoding="utf-8"?>
-<p:cmAuthorLst xmlns:a="http://schemas.openxmlformats.org/drawingml/2006/main" xmlns:r="http://schemas.openxmlformats.org/officeDocument/2006/relationships" xmlns:p="http://schemas.openxmlformats.org/presentationml/2006/main" xmlns:m="http://schemas.openxmlformats.org/officeDocument/2006/math" xmlns:a14="http://schemas.microsoft.com/office/drawing/2010/main"/>
-</file>
-
 <file path=ppt/notesMasters/notesMaster1.xml><?xml version="1.0" encoding="utf-8"?>
-<p:notesMaster xmlns:a="http://schemas.openxmlformats.org/drawingml/2006/main" xmlns:r="http://schemas.openxmlformats.org/officeDocument/2006/relationships" xmlns:p="http://schemas.openxmlformats.org/presentationml/2006/main" xmlns:m="http://schemas.openxmlformats.org/officeDocument/2006/math" xmlns:a14="http://schemas.microsoft.com/office/drawing/2010/main">
+<p:notesMaster xmlns:a="http://schemas.openxmlformats.org/drawingml/2006/main" xmlns:r="http://schemas.openxmlformats.org/officeDocument/2006/relationships" xmlns:p="http://schemas.openxmlformats.org/presentationml/2006/main">
   <p:cSld>
+    <p:bg>
+      <p:bgRef idx="1001">
+        <a:schemeClr val="bg1"/>
+      </p:bgRef>
+    </p:bg>
     <p:spTree>
       <p:nvGrpSpPr>
         <p:cNvPr id="1" name=""/>
@@ -337,7 +355,9 @@
       <p:sp>
         <p:nvSpPr>
           <p:cNvPr id="116" name="Shape 116"/>
-          <p:cNvSpPr/>
+          <p:cNvSpPr>
+            <a:spLocks noGrp="1" noRot="1" noChangeAspect="1"/>
+          </p:cNvSpPr>
           <p:nvPr>
             <p:ph type="sldImg"/>
           </p:nvPr>
@@ -355,14 +375,16 @@
           <a:bodyPr/>
           <a:lstStyle/>
           <a:p>
-            <a:pPr/>
+            <a:endParaRPr/>
           </a:p>
         </p:txBody>
       </p:sp>
       <p:sp>
         <p:nvSpPr>
           <p:cNvPr id="117" name="Shape 117"/>
-          <p:cNvSpPr/>
+          <p:cNvSpPr>
+            <a:spLocks noGrp="1"/>
+          </p:cNvSpPr>
           <p:nvPr>
             <p:ph type="body" sz="quarter" idx="1"/>
           </p:nvPr>
@@ -380,7 +402,7 @@
           <a:bodyPr/>
           <a:lstStyle/>
           <a:p>
-            <a:pPr/>
+            <a:endParaRPr/>
           </a:p>
         </p:txBody>
       </p:sp>
@@ -492,7 +514,7 @@
 </file>
 
 <file path=ppt/slideLayouts/slideLayout1.xml><?xml version="1.0" encoding="utf-8"?>
-<p:sldLayout xmlns:a="http://schemas.openxmlformats.org/drawingml/2006/main" xmlns:r="http://schemas.openxmlformats.org/officeDocument/2006/relationships" xmlns:p="http://schemas.openxmlformats.org/presentationml/2006/main" xmlns:m="http://schemas.openxmlformats.org/officeDocument/2006/math" xmlns:a14="http://schemas.microsoft.com/office/drawing/2010/main" type="title" showMasterSp="1" showMasterPhAnim="1">
+<p:sldLayout xmlns:a="http://schemas.openxmlformats.org/drawingml/2006/main" xmlns:r="http://schemas.openxmlformats.org/officeDocument/2006/relationships" xmlns:p="http://schemas.openxmlformats.org/presentationml/2006/main" type="title">
   <p:cSld name="Title &amp; Subtitle">
     <p:spTree>
       <p:nvGrpSpPr>
@@ -511,7 +533,9 @@
       <p:sp>
         <p:nvSpPr>
           <p:cNvPr id="11" name="Title Text"/>
-          <p:cNvSpPr txBox="1"/>
+          <p:cNvSpPr txBox="1">
+            <a:spLocks noGrp="1"/>
+          </p:cNvSpPr>
           <p:nvPr>
             <p:ph type="title"/>
           </p:nvPr>
@@ -529,7 +553,6 @@
           <a:bodyPr anchor="b"/>
           <a:lstStyle/>
           <a:p>
-            <a:pPr/>
             <a:r>
               <a:t>Title Text</a:t>
             </a:r>
@@ -539,7 +562,9 @@
       <p:sp>
         <p:nvSpPr>
           <p:cNvPr id="12" name="Body Level One…"/>
-          <p:cNvSpPr txBox="1"/>
+          <p:cNvSpPr txBox="1">
+            <a:spLocks noGrp="1"/>
+          </p:cNvSpPr>
           <p:nvPr>
             <p:ph type="body" sz="quarter" idx="1"/>
           </p:nvPr>
@@ -598,7 +623,6 @@
             </a:lvl5pPr>
           </a:lstStyle>
           <a:p>
-            <a:pPr/>
             <a:r>
               <a:t>Body Level One</a:t>
             </a:r>
@@ -632,7 +656,9 @@
       <p:sp>
         <p:nvSpPr>
           <p:cNvPr id="13" name="Slide Number"/>
-          <p:cNvSpPr txBox="1"/>
+          <p:cNvSpPr txBox="1">
+            <a:spLocks noGrp="1"/>
+          </p:cNvSpPr>
           <p:nvPr>
             <p:ph type="sldNum" sz="quarter" idx="2"/>
           </p:nvPr>
@@ -655,8 +681,10 @@
             </a:lvl1pPr>
           </a:lstStyle>
           <a:p>
-            <a:pPr/>
-            <a:fld id="{86CB4B4D-7CA3-9044-876B-883B54F8677D}" type="slidenum"/>
+            <a:fld id="{86CB4B4D-7CA3-9044-876B-883B54F8677D}" type="slidenum">
+              <a:t>‹#›</a:t>
+            </a:fld>
+            <a:endParaRPr/>
           </a:p>
         </p:txBody>
       </p:sp>
@@ -665,12 +693,12 @@
   <p:clrMapOvr>
     <a:masterClrMapping/>
   </p:clrMapOvr>
-  <p:transition xmlns:p14="http://schemas.microsoft.com/office/powerpoint/2010/main" spd="med" advClick="1"/>
+  <p:transition spd="med"/>
 </p:sldLayout>
 </file>
 
 <file path=ppt/slideLayouts/slideLayout10.xml><?xml version="1.0" encoding="utf-8"?>
-<p:sldLayout xmlns:a="http://schemas.openxmlformats.org/drawingml/2006/main" xmlns:r="http://schemas.openxmlformats.org/officeDocument/2006/relationships" xmlns:p="http://schemas.openxmlformats.org/presentationml/2006/main" xmlns:m="http://schemas.openxmlformats.org/officeDocument/2006/math" xmlns:a14="http://schemas.microsoft.com/office/drawing/2010/main" type="tx" showMasterSp="1" showMasterPhAnim="1">
+<p:sldLayout xmlns:a="http://schemas.openxmlformats.org/drawingml/2006/main" xmlns:r="http://schemas.openxmlformats.org/officeDocument/2006/relationships" xmlns:p="http://schemas.openxmlformats.org/presentationml/2006/main" type="tx">
   <p:cSld name="Quote">
     <p:spTree>
       <p:nvGrpSpPr>
@@ -689,7 +717,9 @@
       <p:sp>
         <p:nvSpPr>
           <p:cNvPr id="93" name="–Johnny Appleseed"/>
-          <p:cNvSpPr txBox="1"/>
+          <p:cNvSpPr txBox="1">
+            <a:spLocks noGrp="1"/>
+          </p:cNvSpPr>
           <p:nvPr>
             <p:ph type="body" sz="quarter" idx="13"/>
           </p:nvPr>
@@ -714,11 +744,10 @@
               </a:spcBef>
               <a:buSzTx/>
               <a:buNone/>
-              <a:defRPr i="1" sz="2400"/>
+              <a:defRPr sz="2400" i="1"/>
             </a:lvl1pPr>
           </a:lstStyle>
           <a:p>
-            <a:pPr/>
             <a:r>
               <a:t>–Johnny Appleseed</a:t>
             </a:r>
@@ -728,7 +757,9 @@
       <p:sp>
         <p:nvSpPr>
           <p:cNvPr id="94" name="“Type a quote here.”"/>
-          <p:cNvSpPr txBox="1"/>
+          <p:cNvSpPr txBox="1">
+            <a:spLocks noGrp="1"/>
+          </p:cNvSpPr>
           <p:nvPr>
             <p:ph type="body" sz="quarter" idx="14"/>
           </p:nvPr>
@@ -762,7 +793,6 @@
             </a:lvl1pPr>
           </a:lstStyle>
           <a:p>
-            <a:pPr/>
             <a:r>
               <a:t>“Type a quote here.” </a:t>
             </a:r>
@@ -772,7 +802,9 @@
       <p:sp>
         <p:nvSpPr>
           <p:cNvPr id="95" name="Slide Number"/>
-          <p:cNvSpPr txBox="1"/>
+          <p:cNvSpPr txBox="1">
+            <a:spLocks noGrp="1"/>
+          </p:cNvSpPr>
           <p:nvPr>
             <p:ph type="sldNum" sz="quarter" idx="2"/>
           </p:nvPr>
@@ -786,8 +818,10 @@
           <a:bodyPr/>
           <a:lstStyle/>
           <a:p>
-            <a:pPr/>
-            <a:fld id="{86CB4B4D-7CA3-9044-876B-883B54F8677D}" type="slidenum"/>
+            <a:fld id="{86CB4B4D-7CA3-9044-876B-883B54F8677D}" type="slidenum">
+              <a:t>‹#›</a:t>
+            </a:fld>
+            <a:endParaRPr/>
           </a:p>
         </p:txBody>
       </p:sp>
@@ -796,12 +830,12 @@
   <p:clrMapOvr>
     <a:masterClrMapping/>
   </p:clrMapOvr>
-  <p:transition xmlns:p14="http://schemas.microsoft.com/office/powerpoint/2010/main" spd="med" advClick="1"/>
+  <p:transition spd="med"/>
 </p:sldLayout>
 </file>
 
 <file path=ppt/slideLayouts/slideLayout11.xml><?xml version="1.0" encoding="utf-8"?>
-<p:sldLayout xmlns:a="http://schemas.openxmlformats.org/drawingml/2006/main" xmlns:r="http://schemas.openxmlformats.org/officeDocument/2006/relationships" xmlns:p="http://schemas.openxmlformats.org/presentationml/2006/main" xmlns:m="http://schemas.openxmlformats.org/officeDocument/2006/math" xmlns:a14="http://schemas.microsoft.com/office/drawing/2010/main" type="tx" showMasterSp="1" showMasterPhAnim="1">
+<p:sldLayout xmlns:a="http://schemas.openxmlformats.org/drawingml/2006/main" xmlns:r="http://schemas.openxmlformats.org/officeDocument/2006/relationships" xmlns:p="http://schemas.openxmlformats.org/presentationml/2006/main" type="tx">
   <p:cSld name="Photo">
     <p:spTree>
       <p:nvGrpSpPr>
@@ -820,7 +854,9 @@
       <p:sp>
         <p:nvSpPr>
           <p:cNvPr id="102" name="Image"/>
-          <p:cNvSpPr/>
+          <p:cNvSpPr>
+            <a:spLocks noGrp="1"/>
+          </p:cNvSpPr>
           <p:nvPr>
             <p:ph type="pic" idx="13"/>
           </p:nvPr>
@@ -840,14 +876,16 @@
           </a:bodyPr>
           <a:lstStyle/>
           <a:p>
-            <a:pPr/>
+            <a:endParaRPr/>
           </a:p>
         </p:txBody>
       </p:sp>
       <p:sp>
         <p:nvSpPr>
           <p:cNvPr id="103" name="Slide Number"/>
-          <p:cNvSpPr txBox="1"/>
+          <p:cNvSpPr txBox="1">
+            <a:spLocks noGrp="1"/>
+          </p:cNvSpPr>
           <p:nvPr>
             <p:ph type="sldNum" sz="quarter" idx="2"/>
           </p:nvPr>
@@ -861,8 +899,10 @@
           <a:bodyPr/>
           <a:lstStyle/>
           <a:p>
-            <a:pPr/>
-            <a:fld id="{86CB4B4D-7CA3-9044-876B-883B54F8677D}" type="slidenum"/>
+            <a:fld id="{86CB4B4D-7CA3-9044-876B-883B54F8677D}" type="slidenum">
+              <a:t>‹#›</a:t>
+            </a:fld>
+            <a:endParaRPr/>
           </a:p>
         </p:txBody>
       </p:sp>
@@ -871,12 +911,12 @@
   <p:clrMapOvr>
     <a:masterClrMapping/>
   </p:clrMapOvr>
-  <p:transition xmlns:p14="http://schemas.microsoft.com/office/powerpoint/2010/main" spd="med" advClick="1"/>
+  <p:transition spd="med"/>
 </p:sldLayout>
 </file>
 
 <file path=ppt/slideLayouts/slideLayout12.xml><?xml version="1.0" encoding="utf-8"?>
-<p:sldLayout xmlns:a="http://schemas.openxmlformats.org/drawingml/2006/main" xmlns:r="http://schemas.openxmlformats.org/officeDocument/2006/relationships" xmlns:p="http://schemas.openxmlformats.org/presentationml/2006/main" xmlns:m="http://schemas.openxmlformats.org/officeDocument/2006/math" xmlns:a14="http://schemas.microsoft.com/office/drawing/2010/main" type="tx" showMasterSp="1" showMasterPhAnim="1">
+<p:sldLayout xmlns:a="http://schemas.openxmlformats.org/drawingml/2006/main" xmlns:r="http://schemas.openxmlformats.org/officeDocument/2006/relationships" xmlns:p="http://schemas.openxmlformats.org/presentationml/2006/main" type="tx">
   <p:cSld name="Blank">
     <p:spTree>
       <p:nvGrpSpPr>
@@ -895,7 +935,9 @@
       <p:sp>
         <p:nvSpPr>
           <p:cNvPr id="110" name="Slide Number"/>
-          <p:cNvSpPr txBox="1"/>
+          <p:cNvSpPr txBox="1">
+            <a:spLocks noGrp="1"/>
+          </p:cNvSpPr>
           <p:nvPr>
             <p:ph type="sldNum" sz="quarter" idx="2"/>
           </p:nvPr>
@@ -909,8 +951,10 @@
           <a:bodyPr/>
           <a:lstStyle/>
           <a:p>
-            <a:pPr/>
-            <a:fld id="{86CB4B4D-7CA3-9044-876B-883B54F8677D}" type="slidenum"/>
+            <a:fld id="{86CB4B4D-7CA3-9044-876B-883B54F8677D}" type="slidenum">
+              <a:t>‹#›</a:t>
+            </a:fld>
+            <a:endParaRPr/>
           </a:p>
         </p:txBody>
       </p:sp>
@@ -919,12 +963,12 @@
   <p:clrMapOvr>
     <a:masterClrMapping/>
   </p:clrMapOvr>
-  <p:transition xmlns:p14="http://schemas.microsoft.com/office/powerpoint/2010/main" spd="med" advClick="1"/>
+  <p:transition spd="med"/>
 </p:sldLayout>
 </file>
 
 <file path=ppt/slideLayouts/slideLayout2.xml><?xml version="1.0" encoding="utf-8"?>
-<p:sldLayout xmlns:a="http://schemas.openxmlformats.org/drawingml/2006/main" xmlns:r="http://schemas.openxmlformats.org/officeDocument/2006/relationships" xmlns:p="http://schemas.openxmlformats.org/presentationml/2006/main" xmlns:m="http://schemas.openxmlformats.org/officeDocument/2006/math" xmlns:a14="http://schemas.microsoft.com/office/drawing/2010/main" type="tx" showMasterSp="1" showMasterPhAnim="1">
+<p:sldLayout xmlns:a="http://schemas.openxmlformats.org/drawingml/2006/main" xmlns:r="http://schemas.openxmlformats.org/officeDocument/2006/relationships" xmlns:p="http://schemas.openxmlformats.org/presentationml/2006/main" type="tx">
   <p:cSld name="Photo - Horizontal">
     <p:spTree>
       <p:nvGrpSpPr>
@@ -943,7 +987,9 @@
       <p:sp>
         <p:nvSpPr>
           <p:cNvPr id="20" name="Image"/>
-          <p:cNvSpPr/>
+          <p:cNvSpPr>
+            <a:spLocks noGrp="1"/>
+          </p:cNvSpPr>
           <p:nvPr>
             <p:ph type="pic" idx="13"/>
           </p:nvPr>
@@ -963,14 +1009,16 @@
           </a:bodyPr>
           <a:lstStyle/>
           <a:p>
-            <a:pPr/>
+            <a:endParaRPr/>
           </a:p>
         </p:txBody>
       </p:sp>
       <p:sp>
         <p:nvSpPr>
           <p:cNvPr id="21" name="Title Text"/>
-          <p:cNvSpPr txBox="1"/>
+          <p:cNvSpPr txBox="1">
+            <a:spLocks noGrp="1"/>
+          </p:cNvSpPr>
           <p:nvPr>
             <p:ph type="title"/>
           </p:nvPr>
@@ -988,7 +1036,6 @@
           <a:bodyPr anchor="b"/>
           <a:lstStyle/>
           <a:p>
-            <a:pPr/>
             <a:r>
               <a:t>Title Text</a:t>
             </a:r>
@@ -998,7 +1045,9 @@
       <p:sp>
         <p:nvSpPr>
           <p:cNvPr id="22" name="Body Level One…"/>
-          <p:cNvSpPr txBox="1"/>
+          <p:cNvSpPr txBox="1">
+            <a:spLocks noGrp="1"/>
+          </p:cNvSpPr>
           <p:nvPr>
             <p:ph type="body" sz="quarter" idx="1"/>
           </p:nvPr>
@@ -1057,7 +1106,6 @@
             </a:lvl5pPr>
           </a:lstStyle>
           <a:p>
-            <a:pPr/>
             <a:r>
               <a:t>Body Level One</a:t>
             </a:r>
@@ -1091,7 +1139,9 @@
       <p:sp>
         <p:nvSpPr>
           <p:cNvPr id="23" name="Slide Number"/>
-          <p:cNvSpPr txBox="1"/>
+          <p:cNvSpPr txBox="1">
+            <a:spLocks noGrp="1"/>
+          </p:cNvSpPr>
           <p:nvPr>
             <p:ph type="sldNum" sz="quarter" idx="2"/>
           </p:nvPr>
@@ -1105,8 +1155,10 @@
           <a:bodyPr/>
           <a:lstStyle/>
           <a:p>
-            <a:pPr/>
-            <a:fld id="{86CB4B4D-7CA3-9044-876B-883B54F8677D}" type="slidenum"/>
+            <a:fld id="{86CB4B4D-7CA3-9044-876B-883B54F8677D}" type="slidenum">
+              <a:t>‹#›</a:t>
+            </a:fld>
+            <a:endParaRPr/>
           </a:p>
         </p:txBody>
       </p:sp>
@@ -1115,12 +1167,12 @@
   <p:clrMapOvr>
     <a:masterClrMapping/>
   </p:clrMapOvr>
-  <p:transition xmlns:p14="http://schemas.microsoft.com/office/powerpoint/2010/main" spd="med" advClick="1"/>
+  <p:transition spd="med"/>
 </p:sldLayout>
 </file>
 
 <file path=ppt/slideLayouts/slideLayout3.xml><?xml version="1.0" encoding="utf-8"?>
-<p:sldLayout xmlns:a="http://schemas.openxmlformats.org/drawingml/2006/main" xmlns:r="http://schemas.openxmlformats.org/officeDocument/2006/relationships" xmlns:p="http://schemas.openxmlformats.org/presentationml/2006/main" xmlns:m="http://schemas.openxmlformats.org/officeDocument/2006/math" xmlns:a14="http://schemas.microsoft.com/office/drawing/2010/main" type="tx" showMasterSp="1" showMasterPhAnim="1">
+<p:sldLayout xmlns:a="http://schemas.openxmlformats.org/drawingml/2006/main" xmlns:r="http://schemas.openxmlformats.org/officeDocument/2006/relationships" xmlns:p="http://schemas.openxmlformats.org/presentationml/2006/main" type="tx">
   <p:cSld name="Title - Center">
     <p:spTree>
       <p:nvGrpSpPr>
@@ -1139,7 +1191,9 @@
       <p:sp>
         <p:nvSpPr>
           <p:cNvPr id="30" name="Title Text"/>
-          <p:cNvSpPr txBox="1"/>
+          <p:cNvSpPr txBox="1">
+            <a:spLocks noGrp="1"/>
+          </p:cNvSpPr>
           <p:nvPr>
             <p:ph type="title"/>
           </p:nvPr>
@@ -1157,7 +1211,6 @@
           <a:bodyPr/>
           <a:lstStyle/>
           <a:p>
-            <a:pPr/>
             <a:r>
               <a:t>Title Text</a:t>
             </a:r>
@@ -1167,7 +1220,9 @@
       <p:sp>
         <p:nvSpPr>
           <p:cNvPr id="31" name="Slide Number"/>
-          <p:cNvSpPr txBox="1"/>
+          <p:cNvSpPr txBox="1">
+            <a:spLocks noGrp="1"/>
+          </p:cNvSpPr>
           <p:nvPr>
             <p:ph type="sldNum" sz="quarter" idx="2"/>
           </p:nvPr>
@@ -1181,8 +1236,10 @@
           <a:bodyPr/>
           <a:lstStyle/>
           <a:p>
-            <a:pPr/>
-            <a:fld id="{86CB4B4D-7CA3-9044-876B-883B54F8677D}" type="slidenum"/>
+            <a:fld id="{86CB4B4D-7CA3-9044-876B-883B54F8677D}" type="slidenum">
+              <a:t>‹#›</a:t>
+            </a:fld>
+            <a:endParaRPr/>
           </a:p>
         </p:txBody>
       </p:sp>
@@ -1191,12 +1248,12 @@
   <p:clrMapOvr>
     <a:masterClrMapping/>
   </p:clrMapOvr>
-  <p:transition xmlns:p14="http://schemas.microsoft.com/office/powerpoint/2010/main" spd="med" advClick="1"/>
+  <p:transition spd="med"/>
 </p:sldLayout>
 </file>
 
 <file path=ppt/slideLayouts/slideLayout4.xml><?xml version="1.0" encoding="utf-8"?>
-<p:sldLayout xmlns:a="http://schemas.openxmlformats.org/drawingml/2006/main" xmlns:r="http://schemas.openxmlformats.org/officeDocument/2006/relationships" xmlns:p="http://schemas.openxmlformats.org/presentationml/2006/main" xmlns:m="http://schemas.openxmlformats.org/officeDocument/2006/math" xmlns:a14="http://schemas.microsoft.com/office/drawing/2010/main" type="tx" showMasterSp="1" showMasterPhAnim="1">
+<p:sldLayout xmlns:a="http://schemas.openxmlformats.org/drawingml/2006/main" xmlns:r="http://schemas.openxmlformats.org/officeDocument/2006/relationships" xmlns:p="http://schemas.openxmlformats.org/presentationml/2006/main" type="tx">
   <p:cSld name="Photo - Vertical">
     <p:spTree>
       <p:nvGrpSpPr>
@@ -1215,7 +1272,9 @@
       <p:sp>
         <p:nvSpPr>
           <p:cNvPr id="38" name="Image"/>
-          <p:cNvSpPr/>
+          <p:cNvSpPr>
+            <a:spLocks noGrp="1"/>
+          </p:cNvSpPr>
           <p:nvPr>
             <p:ph type="pic" sz="half" idx="13"/>
           </p:nvPr>
@@ -1235,14 +1294,16 @@
           </a:bodyPr>
           <a:lstStyle/>
           <a:p>
-            <a:pPr/>
+            <a:endParaRPr/>
           </a:p>
         </p:txBody>
       </p:sp>
       <p:sp>
         <p:nvSpPr>
           <p:cNvPr id="39" name="Title Text"/>
-          <p:cNvSpPr txBox="1"/>
+          <p:cNvSpPr txBox="1">
+            <a:spLocks noGrp="1"/>
+          </p:cNvSpPr>
           <p:nvPr>
             <p:ph type="title"/>
           </p:nvPr>
@@ -1264,7 +1325,6 @@
             </a:lvl1pPr>
           </a:lstStyle>
           <a:p>
-            <a:pPr/>
             <a:r>
               <a:t>Title Text</a:t>
             </a:r>
@@ -1274,7 +1334,9 @@
       <p:sp>
         <p:nvSpPr>
           <p:cNvPr id="40" name="Body Level One…"/>
-          <p:cNvSpPr txBox="1"/>
+          <p:cNvSpPr txBox="1">
+            <a:spLocks noGrp="1"/>
+          </p:cNvSpPr>
           <p:nvPr>
             <p:ph type="body" sz="quarter" idx="1"/>
           </p:nvPr>
@@ -1333,7 +1395,6 @@
             </a:lvl5pPr>
           </a:lstStyle>
           <a:p>
-            <a:pPr/>
             <a:r>
               <a:t>Body Level One</a:t>
             </a:r>
@@ -1367,7 +1428,9 @@
       <p:sp>
         <p:nvSpPr>
           <p:cNvPr id="41" name="Slide Number"/>
-          <p:cNvSpPr txBox="1"/>
+          <p:cNvSpPr txBox="1">
+            <a:spLocks noGrp="1"/>
+          </p:cNvSpPr>
           <p:nvPr>
             <p:ph type="sldNum" sz="quarter" idx="2"/>
           </p:nvPr>
@@ -1381,8 +1444,10 @@
           <a:bodyPr/>
           <a:lstStyle/>
           <a:p>
-            <a:pPr/>
-            <a:fld id="{86CB4B4D-7CA3-9044-876B-883B54F8677D}" type="slidenum"/>
+            <a:fld id="{86CB4B4D-7CA3-9044-876B-883B54F8677D}" type="slidenum">
+              <a:t>‹#›</a:t>
+            </a:fld>
+            <a:endParaRPr/>
           </a:p>
         </p:txBody>
       </p:sp>
@@ -1391,12 +1456,12 @@
   <p:clrMapOvr>
     <a:masterClrMapping/>
   </p:clrMapOvr>
-  <p:transition xmlns:p14="http://schemas.microsoft.com/office/powerpoint/2010/main" spd="med" advClick="1"/>
+  <p:transition spd="med"/>
 </p:sldLayout>
 </file>
 
 <file path=ppt/slideLayouts/slideLayout5.xml><?xml version="1.0" encoding="utf-8"?>
-<p:sldLayout xmlns:a="http://schemas.openxmlformats.org/drawingml/2006/main" xmlns:r="http://schemas.openxmlformats.org/officeDocument/2006/relationships" xmlns:p="http://schemas.openxmlformats.org/presentationml/2006/main" xmlns:m="http://schemas.openxmlformats.org/officeDocument/2006/math" xmlns:a14="http://schemas.microsoft.com/office/drawing/2010/main" type="tx" showMasterSp="1" showMasterPhAnim="1">
+<p:sldLayout xmlns:a="http://schemas.openxmlformats.org/drawingml/2006/main" xmlns:r="http://schemas.openxmlformats.org/officeDocument/2006/relationships" xmlns:p="http://schemas.openxmlformats.org/presentationml/2006/main" type="tx">
   <p:cSld name="Title - Top">
     <p:spTree>
       <p:nvGrpSpPr>
@@ -1415,7 +1480,9 @@
       <p:sp>
         <p:nvSpPr>
           <p:cNvPr id="48" name="Title Text"/>
-          <p:cNvSpPr txBox="1"/>
+          <p:cNvSpPr txBox="1">
+            <a:spLocks noGrp="1"/>
+          </p:cNvSpPr>
           <p:nvPr>
             <p:ph type="title"/>
           </p:nvPr>
@@ -1429,7 +1496,6 @@
           <a:bodyPr/>
           <a:lstStyle/>
           <a:p>
-            <a:pPr/>
             <a:r>
               <a:t>Title Text</a:t>
             </a:r>
@@ -1439,7 +1505,9 @@
       <p:sp>
         <p:nvSpPr>
           <p:cNvPr id="49" name="Slide Number"/>
-          <p:cNvSpPr txBox="1"/>
+          <p:cNvSpPr txBox="1">
+            <a:spLocks noGrp="1"/>
+          </p:cNvSpPr>
           <p:nvPr>
             <p:ph type="sldNum" sz="quarter" idx="2"/>
           </p:nvPr>
@@ -1453,8 +1521,10 @@
           <a:bodyPr/>
           <a:lstStyle/>
           <a:p>
-            <a:pPr/>
-            <a:fld id="{86CB4B4D-7CA3-9044-876B-883B54F8677D}" type="slidenum"/>
+            <a:fld id="{86CB4B4D-7CA3-9044-876B-883B54F8677D}" type="slidenum">
+              <a:t>‹#›</a:t>
+            </a:fld>
+            <a:endParaRPr/>
           </a:p>
         </p:txBody>
       </p:sp>
@@ -1463,12 +1533,12 @@
   <p:clrMapOvr>
     <a:masterClrMapping/>
   </p:clrMapOvr>
-  <p:transition xmlns:p14="http://schemas.microsoft.com/office/powerpoint/2010/main" spd="med" advClick="1"/>
+  <p:transition spd="med"/>
 </p:sldLayout>
 </file>
 
 <file path=ppt/slideLayouts/slideLayout6.xml><?xml version="1.0" encoding="utf-8"?>
-<p:sldLayout xmlns:a="http://schemas.openxmlformats.org/drawingml/2006/main" xmlns:r="http://schemas.openxmlformats.org/officeDocument/2006/relationships" xmlns:p="http://schemas.openxmlformats.org/presentationml/2006/main" xmlns:m="http://schemas.openxmlformats.org/officeDocument/2006/math" xmlns:a14="http://schemas.microsoft.com/office/drawing/2010/main" type="tx" showMasterSp="1" showMasterPhAnim="1">
+<p:sldLayout xmlns:a="http://schemas.openxmlformats.org/drawingml/2006/main" xmlns:r="http://schemas.openxmlformats.org/officeDocument/2006/relationships" xmlns:p="http://schemas.openxmlformats.org/presentationml/2006/main" type="tx">
   <p:cSld name="Title &amp; Bullets">
     <p:spTree>
       <p:nvGrpSpPr>
@@ -1487,7 +1557,9 @@
       <p:sp>
         <p:nvSpPr>
           <p:cNvPr id="56" name="Title Text"/>
-          <p:cNvSpPr txBox="1"/>
+          <p:cNvSpPr txBox="1">
+            <a:spLocks noGrp="1"/>
+          </p:cNvSpPr>
           <p:nvPr>
             <p:ph type="title"/>
           </p:nvPr>
@@ -1501,7 +1573,6 @@
           <a:bodyPr/>
           <a:lstStyle/>
           <a:p>
-            <a:pPr/>
             <a:r>
               <a:t>Title Text</a:t>
             </a:r>
@@ -1511,7 +1582,9 @@
       <p:sp>
         <p:nvSpPr>
           <p:cNvPr id="57" name="Body Level One…"/>
-          <p:cNvSpPr txBox="1"/>
+          <p:cNvSpPr txBox="1">
+            <a:spLocks noGrp="1"/>
+          </p:cNvSpPr>
           <p:nvPr>
             <p:ph type="body" idx="1"/>
           </p:nvPr>
@@ -1525,7 +1598,6 @@
           <a:bodyPr/>
           <a:lstStyle/>
           <a:p>
-            <a:pPr/>
             <a:r>
               <a:t>Body Level One</a:t>
             </a:r>
@@ -1559,7 +1631,9 @@
       <p:sp>
         <p:nvSpPr>
           <p:cNvPr id="58" name="Slide Number"/>
-          <p:cNvSpPr txBox="1"/>
+          <p:cNvSpPr txBox="1">
+            <a:spLocks noGrp="1"/>
+          </p:cNvSpPr>
           <p:nvPr>
             <p:ph type="sldNum" sz="quarter" idx="2"/>
           </p:nvPr>
@@ -1573,8 +1647,10 @@
           <a:bodyPr/>
           <a:lstStyle/>
           <a:p>
-            <a:pPr/>
-            <a:fld id="{86CB4B4D-7CA3-9044-876B-883B54F8677D}" type="slidenum"/>
+            <a:fld id="{86CB4B4D-7CA3-9044-876B-883B54F8677D}" type="slidenum">
+              <a:t>‹#›</a:t>
+            </a:fld>
+            <a:endParaRPr/>
           </a:p>
         </p:txBody>
       </p:sp>
@@ -1583,12 +1659,12 @@
   <p:clrMapOvr>
     <a:masterClrMapping/>
   </p:clrMapOvr>
-  <p:transition xmlns:p14="http://schemas.microsoft.com/office/powerpoint/2010/main" spd="med" advClick="1"/>
+  <p:transition spd="med"/>
 </p:sldLayout>
 </file>
 
 <file path=ppt/slideLayouts/slideLayout7.xml><?xml version="1.0" encoding="utf-8"?>
-<p:sldLayout xmlns:a="http://schemas.openxmlformats.org/drawingml/2006/main" xmlns:r="http://schemas.openxmlformats.org/officeDocument/2006/relationships" xmlns:p="http://schemas.openxmlformats.org/presentationml/2006/main" xmlns:m="http://schemas.openxmlformats.org/officeDocument/2006/math" xmlns:a14="http://schemas.microsoft.com/office/drawing/2010/main" type="tx" showMasterSp="1" showMasterPhAnim="1">
+<p:sldLayout xmlns:a="http://schemas.openxmlformats.org/drawingml/2006/main" xmlns:r="http://schemas.openxmlformats.org/officeDocument/2006/relationships" xmlns:p="http://schemas.openxmlformats.org/presentationml/2006/main" type="tx">
   <p:cSld name="Title, Bullets &amp; Photo">
     <p:spTree>
       <p:nvGrpSpPr>
@@ -1607,7 +1683,9 @@
       <p:sp>
         <p:nvSpPr>
           <p:cNvPr id="65" name="Image"/>
-          <p:cNvSpPr/>
+          <p:cNvSpPr>
+            <a:spLocks noGrp="1"/>
+          </p:cNvSpPr>
           <p:nvPr>
             <p:ph type="pic" sz="half" idx="13"/>
           </p:nvPr>
@@ -1627,14 +1705,16 @@
           </a:bodyPr>
           <a:lstStyle/>
           <a:p>
-            <a:pPr/>
+            <a:endParaRPr/>
           </a:p>
         </p:txBody>
       </p:sp>
       <p:sp>
         <p:nvSpPr>
           <p:cNvPr id="66" name="Title Text"/>
-          <p:cNvSpPr txBox="1"/>
+          <p:cNvSpPr txBox="1">
+            <a:spLocks noGrp="1"/>
+          </p:cNvSpPr>
           <p:nvPr>
             <p:ph type="title"/>
           </p:nvPr>
@@ -1648,7 +1728,6 @@
           <a:bodyPr/>
           <a:lstStyle/>
           <a:p>
-            <a:pPr/>
             <a:r>
               <a:t>Title Text</a:t>
             </a:r>
@@ -1658,7 +1737,9 @@
       <p:sp>
         <p:nvSpPr>
           <p:cNvPr id="67" name="Body Level One…"/>
-          <p:cNvSpPr txBox="1"/>
+          <p:cNvSpPr txBox="1">
+            <a:spLocks noGrp="1"/>
+          </p:cNvSpPr>
           <p:nvPr>
             <p:ph type="body" sz="half" idx="1"/>
           </p:nvPr>
@@ -1707,7 +1788,6 @@
             </a:lvl5pPr>
           </a:lstStyle>
           <a:p>
-            <a:pPr/>
             <a:r>
               <a:t>Body Level One</a:t>
             </a:r>
@@ -1741,7 +1821,9 @@
       <p:sp>
         <p:nvSpPr>
           <p:cNvPr id="68" name="Slide Number"/>
-          <p:cNvSpPr txBox="1"/>
+          <p:cNvSpPr txBox="1">
+            <a:spLocks noGrp="1"/>
+          </p:cNvSpPr>
           <p:nvPr>
             <p:ph type="sldNum" sz="quarter" idx="2"/>
           </p:nvPr>
@@ -1768,8 +1850,10 @@
             </a:lvl1pPr>
           </a:lstStyle>
           <a:p>
-            <a:pPr/>
-            <a:fld id="{86CB4B4D-7CA3-9044-876B-883B54F8677D}" type="slidenum"/>
+            <a:fld id="{86CB4B4D-7CA3-9044-876B-883B54F8677D}" type="slidenum">
+              <a:t>‹#›</a:t>
+            </a:fld>
+            <a:endParaRPr/>
           </a:p>
         </p:txBody>
       </p:sp>
@@ -1778,12 +1862,12 @@
   <p:clrMapOvr>
     <a:masterClrMapping/>
   </p:clrMapOvr>
-  <p:transition xmlns:p14="http://schemas.microsoft.com/office/powerpoint/2010/main" spd="med" advClick="1"/>
+  <p:transition spd="med"/>
 </p:sldLayout>
 </file>
 
 <file path=ppt/slideLayouts/slideLayout8.xml><?xml version="1.0" encoding="utf-8"?>
-<p:sldLayout xmlns:a="http://schemas.openxmlformats.org/drawingml/2006/main" xmlns:r="http://schemas.openxmlformats.org/officeDocument/2006/relationships" xmlns:p="http://schemas.openxmlformats.org/presentationml/2006/main" xmlns:m="http://schemas.openxmlformats.org/officeDocument/2006/math" xmlns:a14="http://schemas.microsoft.com/office/drawing/2010/main" type="tx" showMasterSp="1" showMasterPhAnim="1">
+<p:sldLayout xmlns:a="http://schemas.openxmlformats.org/drawingml/2006/main" xmlns:r="http://schemas.openxmlformats.org/officeDocument/2006/relationships" xmlns:p="http://schemas.openxmlformats.org/presentationml/2006/main" type="tx">
   <p:cSld name="Bullets">
     <p:spTree>
       <p:nvGrpSpPr>
@@ -1802,7 +1886,9 @@
       <p:sp>
         <p:nvSpPr>
           <p:cNvPr id="75" name="Body Level One…"/>
-          <p:cNvSpPr txBox="1"/>
+          <p:cNvSpPr txBox="1">
+            <a:spLocks noGrp="1"/>
+          </p:cNvSpPr>
           <p:nvPr>
             <p:ph type="body" idx="1"/>
           </p:nvPr>
@@ -1820,7 +1906,6 @@
           <a:bodyPr/>
           <a:lstStyle/>
           <a:p>
-            <a:pPr/>
             <a:r>
               <a:t>Body Level One</a:t>
             </a:r>
@@ -1854,7 +1939,9 @@
       <p:sp>
         <p:nvSpPr>
           <p:cNvPr id="76" name="Slide Number"/>
-          <p:cNvSpPr txBox="1"/>
+          <p:cNvSpPr txBox="1">
+            <a:spLocks noGrp="1"/>
+          </p:cNvSpPr>
           <p:nvPr>
             <p:ph type="sldNum" sz="quarter" idx="2"/>
           </p:nvPr>
@@ -1868,8 +1955,10 @@
           <a:bodyPr/>
           <a:lstStyle/>
           <a:p>
-            <a:pPr/>
-            <a:fld id="{86CB4B4D-7CA3-9044-876B-883B54F8677D}" type="slidenum"/>
+            <a:fld id="{86CB4B4D-7CA3-9044-876B-883B54F8677D}" type="slidenum">
+              <a:t>‹#›</a:t>
+            </a:fld>
+            <a:endParaRPr/>
           </a:p>
         </p:txBody>
       </p:sp>
@@ -1878,12 +1967,12 @@
   <p:clrMapOvr>
     <a:masterClrMapping/>
   </p:clrMapOvr>
-  <p:transition xmlns:p14="http://schemas.microsoft.com/office/powerpoint/2010/main" spd="med" advClick="1"/>
+  <p:transition spd="med"/>
 </p:sldLayout>
 </file>
 
 <file path=ppt/slideLayouts/slideLayout9.xml><?xml version="1.0" encoding="utf-8"?>
-<p:sldLayout xmlns:a="http://schemas.openxmlformats.org/drawingml/2006/main" xmlns:r="http://schemas.openxmlformats.org/officeDocument/2006/relationships" xmlns:p="http://schemas.openxmlformats.org/presentationml/2006/main" xmlns:m="http://schemas.openxmlformats.org/officeDocument/2006/math" xmlns:a14="http://schemas.microsoft.com/office/drawing/2010/main" type="tx" showMasterSp="1" showMasterPhAnim="1">
+<p:sldLayout xmlns:a="http://schemas.openxmlformats.org/drawingml/2006/main" xmlns:r="http://schemas.openxmlformats.org/officeDocument/2006/relationships" xmlns:p="http://schemas.openxmlformats.org/presentationml/2006/main" type="tx">
   <p:cSld name="Photo - 3 Up">
     <p:spTree>
       <p:nvGrpSpPr>
@@ -1902,7 +1991,9 @@
       <p:sp>
         <p:nvSpPr>
           <p:cNvPr id="83" name="Image"/>
-          <p:cNvSpPr/>
+          <p:cNvSpPr>
+            <a:spLocks noGrp="1"/>
+          </p:cNvSpPr>
           <p:nvPr>
             <p:ph type="pic" sz="quarter" idx="13"/>
           </p:nvPr>
@@ -1922,14 +2013,16 @@
           </a:bodyPr>
           <a:lstStyle/>
           <a:p>
-            <a:pPr/>
+            <a:endParaRPr/>
           </a:p>
         </p:txBody>
       </p:sp>
       <p:sp>
         <p:nvSpPr>
           <p:cNvPr id="84" name="Image"/>
-          <p:cNvSpPr/>
+          <p:cNvSpPr>
+            <a:spLocks noGrp="1"/>
+          </p:cNvSpPr>
           <p:nvPr>
             <p:ph type="pic" sz="quarter" idx="14"/>
           </p:nvPr>
@@ -1949,14 +2042,16 @@
           </a:bodyPr>
           <a:lstStyle/>
           <a:p>
-            <a:pPr/>
+            <a:endParaRPr/>
           </a:p>
         </p:txBody>
       </p:sp>
       <p:sp>
         <p:nvSpPr>
           <p:cNvPr id="85" name="Image"/>
-          <p:cNvSpPr/>
+          <p:cNvSpPr>
+            <a:spLocks noGrp="1"/>
+          </p:cNvSpPr>
           <p:nvPr>
             <p:ph type="pic" sz="half" idx="15"/>
           </p:nvPr>
@@ -1976,14 +2071,16 @@
           </a:bodyPr>
           <a:lstStyle/>
           <a:p>
-            <a:pPr/>
+            <a:endParaRPr/>
           </a:p>
         </p:txBody>
       </p:sp>
       <p:sp>
         <p:nvSpPr>
           <p:cNvPr id="86" name="Slide Number"/>
-          <p:cNvSpPr txBox="1"/>
+          <p:cNvSpPr txBox="1">
+            <a:spLocks noGrp="1"/>
+          </p:cNvSpPr>
           <p:nvPr>
             <p:ph type="sldNum" sz="quarter" idx="2"/>
           </p:nvPr>
@@ -1997,8 +2094,10 @@
           <a:bodyPr/>
           <a:lstStyle/>
           <a:p>
-            <a:pPr/>
-            <a:fld id="{86CB4B4D-7CA3-9044-876B-883B54F8677D}" type="slidenum"/>
+            <a:fld id="{86CB4B4D-7CA3-9044-876B-883B54F8677D}" type="slidenum">
+              <a:t>‹#›</a:t>
+            </a:fld>
+            <a:endParaRPr/>
           </a:p>
         </p:txBody>
       </p:sp>
@@ -2007,18 +2106,19 @@
   <p:clrMapOvr>
     <a:masterClrMapping/>
   </p:clrMapOvr>
-  <p:transition xmlns:p14="http://schemas.microsoft.com/office/powerpoint/2010/main" spd="med" advClick="1"/>
+  <p:transition spd="med"/>
 </p:sldLayout>
 </file>
 
 <file path=ppt/slideMasters/slideMaster1.xml><?xml version="1.0" encoding="utf-8"?>
-<p:sldMaster xmlns:a="http://schemas.openxmlformats.org/drawingml/2006/main" xmlns:r="http://schemas.openxmlformats.org/officeDocument/2006/relationships" xmlns:p="http://schemas.openxmlformats.org/presentationml/2006/main" xmlns:m="http://schemas.openxmlformats.org/officeDocument/2006/math" xmlns:a14="http://schemas.microsoft.com/office/drawing/2010/main">
+<p:sldMaster xmlns:a="http://schemas.openxmlformats.org/drawingml/2006/main" xmlns:r="http://schemas.openxmlformats.org/officeDocument/2006/relationships" xmlns:p="http://schemas.openxmlformats.org/presentationml/2006/main">
   <p:cSld>
     <p:bg>
       <p:bgPr>
         <a:solidFill>
           <a:srgbClr val="FFFFFF"/>
         </a:solidFill>
+        <a:effectLst/>
       </p:bgPr>
     </p:bg>
     <p:spTree>
@@ -2038,7 +2138,9 @@
       <p:sp>
         <p:nvSpPr>
           <p:cNvPr id="2" name="Title Text"/>
-          <p:cNvSpPr txBox="1"/>
+          <p:cNvSpPr txBox="1">
+            <a:spLocks noGrp="1"/>
+          </p:cNvSpPr>
           <p:nvPr>
             <p:ph type="title"/>
           </p:nvPr>
@@ -2056,17 +2158,16 @@
           </a:ln>
           <a:extLst>
             <a:ext uri="{C572A759-6A51-4108-AA02-DFA0A04FC94B}">
-              <ma14:wrappingTextBoxFlag xmlns:ma14="http://schemas.microsoft.com/office/mac/drawingml/2011/main" val="1"/>
+              <ma14:wrappingTextBoxFlag xmlns:ma14="http://schemas.microsoft.com/office/mac/drawingml/2011/main" xmlns:a14="http://schemas.microsoft.com/office/drawing/2010/main" xmlns:m="http://schemas.openxmlformats.org/officeDocument/2006/math" xmlns="" val="1"/>
             </a:ext>
           </a:extLst>
         </p:spPr>
         <p:txBody>
           <a:bodyPr lIns="50800" tIns="50800" rIns="50800" bIns="50800" anchor="ctr">
-            <a:normAutofit fontScale="100000" lnSpcReduction="0"/>
+            <a:normAutofit/>
           </a:bodyPr>
           <a:lstStyle/>
           <a:p>
-            <a:pPr/>
             <a:r>
               <a:t>Title Text</a:t>
             </a:r>
@@ -2076,7 +2177,9 @@
       <p:sp>
         <p:nvSpPr>
           <p:cNvPr id="3" name="Body Level One…"/>
-          <p:cNvSpPr txBox="1"/>
+          <p:cNvSpPr txBox="1">
+            <a:spLocks noGrp="1"/>
+          </p:cNvSpPr>
           <p:nvPr>
             <p:ph type="body" idx="1"/>
           </p:nvPr>
@@ -2094,17 +2197,16 @@
           </a:ln>
           <a:extLst>
             <a:ext uri="{C572A759-6A51-4108-AA02-DFA0A04FC94B}">
-              <ma14:wrappingTextBoxFlag xmlns:ma14="http://schemas.microsoft.com/office/mac/drawingml/2011/main" val="1"/>
+              <ma14:wrappingTextBoxFlag xmlns:ma14="http://schemas.microsoft.com/office/mac/drawingml/2011/main" xmlns:a14="http://schemas.microsoft.com/office/drawing/2010/main" xmlns:m="http://schemas.openxmlformats.org/officeDocument/2006/math" xmlns="" val="1"/>
             </a:ext>
           </a:extLst>
         </p:spPr>
         <p:txBody>
           <a:bodyPr lIns="50800" tIns="50800" rIns="50800" bIns="50800" anchor="ctr">
-            <a:normAutofit fontScale="100000" lnSpcReduction="0"/>
+            <a:normAutofit/>
           </a:bodyPr>
           <a:lstStyle/>
           <a:p>
-            <a:pPr/>
             <a:r>
               <a:t>Body Level One</a:t>
             </a:r>
@@ -2138,7 +2240,9 @@
       <p:sp>
         <p:nvSpPr>
           <p:cNvPr id="4" name="Slide Number"/>
-          <p:cNvSpPr txBox="1"/>
+          <p:cNvSpPr txBox="1">
+            <a:spLocks noGrp="1"/>
+          </p:cNvSpPr>
           <p:nvPr>
             <p:ph type="sldNum" sz="quarter" idx="2"/>
           </p:nvPr>
@@ -2161,7 +2265,7 @@
           </a:bodyPr>
           <a:lstStyle>
             <a:lvl1pPr>
-              <a:defRPr b="0" sz="1600">
+              <a:defRPr sz="1600" b="0">
                 <a:latin typeface="Helvetica Neue Light"/>
                 <a:ea typeface="Helvetica Neue Light"/>
                 <a:cs typeface="Helvetica Neue Light"/>
@@ -2170,8 +2274,10 @@
             </a:lvl1pPr>
           </a:lstStyle>
           <a:p>
-            <a:pPr/>
-            <a:fld id="{86CB4B4D-7CA3-9044-876B-883B54F8677D}" type="slidenum"/>
+            <a:fld id="{86CB4B4D-7CA3-9044-876B-883B54F8677D}" type="slidenum">
+              <a:t>‹#›</a:t>
+            </a:fld>
+            <a:endParaRPr/>
           </a:p>
         </p:txBody>
       </p:sp>
@@ -2179,20 +2285,20 @@
   </p:cSld>
   <p:clrMap bg1="lt1" tx1="dk1" bg2="lt2" tx2="dk2" accent1="accent1" accent2="accent2" accent3="accent3" accent4="accent4" accent5="accent5" accent6="accent6" hlink="hlink" folHlink="folHlink"/>
   <p:sldLayoutIdLst>
-    <p:sldLayoutId id="2147483649" r:id="rId2"/>
-    <p:sldLayoutId id="2147483650" r:id="rId3"/>
-    <p:sldLayoutId id="2147483651" r:id="rId4"/>
-    <p:sldLayoutId id="2147483652" r:id="rId5"/>
-    <p:sldLayoutId id="2147483653" r:id="rId6"/>
-    <p:sldLayoutId id="2147483654" r:id="rId7"/>
-    <p:sldLayoutId id="2147483655" r:id="rId8"/>
-    <p:sldLayoutId id="2147483656" r:id="rId9"/>
-    <p:sldLayoutId id="2147483657" r:id="rId10"/>
-    <p:sldLayoutId id="2147483658" r:id="rId11"/>
-    <p:sldLayoutId id="2147483659" r:id="rId12"/>
-    <p:sldLayoutId id="2147483660" r:id="rId13"/>
+    <p:sldLayoutId id="2147483649" r:id="rId1"/>
+    <p:sldLayoutId id="2147483650" r:id="rId2"/>
+    <p:sldLayoutId id="2147483651" r:id="rId3"/>
+    <p:sldLayoutId id="2147483652" r:id="rId4"/>
+    <p:sldLayoutId id="2147483653" r:id="rId5"/>
+    <p:sldLayoutId id="2147483654" r:id="rId6"/>
+    <p:sldLayoutId id="2147483655" r:id="rId7"/>
+    <p:sldLayoutId id="2147483656" r:id="rId8"/>
+    <p:sldLayoutId id="2147483657" r:id="rId9"/>
+    <p:sldLayoutId id="2147483658" r:id="rId10"/>
+    <p:sldLayoutId id="2147483659" r:id="rId11"/>
+    <p:sldLayoutId id="2147483660" r:id="rId12"/>
   </p:sldLayoutIdLst>
-  <p:transition xmlns:p14="http://schemas.microsoft.com/office/powerpoint/2010/main" spd="med" advClick="1"/>
+  <p:transition spd="med"/>
   <p:txStyles>
     <p:titleStyle>
       <a:lvl1pPr marL="0" marR="0" indent="0" algn="ctr" defTabSz="584200" rtl="0" latinLnBrk="0">
@@ -2210,7 +2316,7 @@
         <a:buFontTx/>
         <a:buNone/>
         <a:tabLst/>
-        <a:defRPr b="0" baseline="0" cap="none" i="0" spc="0" strike="noStrike" sz="8000" u="none">
+        <a:defRPr sz="8000" b="0" i="0" u="none" strike="noStrike" cap="none" spc="0" baseline="0">
           <a:ln>
             <a:noFill/>
           </a:ln>
@@ -2239,7 +2345,7 @@
         <a:buFontTx/>
         <a:buNone/>
         <a:tabLst/>
-        <a:defRPr b="0" baseline="0" cap="none" i="0" spc="0" strike="noStrike" sz="8000" u="none">
+        <a:defRPr sz="8000" b="0" i="0" u="none" strike="noStrike" cap="none" spc="0" baseline="0">
           <a:ln>
             <a:noFill/>
           </a:ln>
@@ -2268,7 +2374,7 @@
         <a:buFontTx/>
         <a:buNone/>
         <a:tabLst/>
-        <a:defRPr b="0" baseline="0" cap="none" i="0" spc="0" strike="noStrike" sz="8000" u="none">
+        <a:defRPr sz="8000" b="0" i="0" u="none" strike="noStrike" cap="none" spc="0" baseline="0">
           <a:ln>
             <a:noFill/>
           </a:ln>
@@ -2297,7 +2403,7 @@
         <a:buFontTx/>
         <a:buNone/>
         <a:tabLst/>
-        <a:defRPr b="0" baseline="0" cap="none" i="0" spc="0" strike="noStrike" sz="8000" u="none">
+        <a:defRPr sz="8000" b="0" i="0" u="none" strike="noStrike" cap="none" spc="0" baseline="0">
           <a:ln>
             <a:noFill/>
           </a:ln>
@@ -2326,7 +2432,7 @@
         <a:buFontTx/>
         <a:buNone/>
         <a:tabLst/>
-        <a:defRPr b="0" baseline="0" cap="none" i="0" spc="0" strike="noStrike" sz="8000" u="none">
+        <a:defRPr sz="8000" b="0" i="0" u="none" strike="noStrike" cap="none" spc="0" baseline="0">
           <a:ln>
             <a:noFill/>
           </a:ln>
@@ -2355,7 +2461,7 @@
         <a:buFontTx/>
         <a:buNone/>
         <a:tabLst/>
-        <a:defRPr b="0" baseline="0" cap="none" i="0" spc="0" strike="noStrike" sz="8000" u="none">
+        <a:defRPr sz="8000" b="0" i="0" u="none" strike="noStrike" cap="none" spc="0" baseline="0">
           <a:ln>
             <a:noFill/>
           </a:ln>
@@ -2384,7 +2490,7 @@
         <a:buFontTx/>
         <a:buNone/>
         <a:tabLst/>
-        <a:defRPr b="0" baseline="0" cap="none" i="0" spc="0" strike="noStrike" sz="8000" u="none">
+        <a:defRPr sz="8000" b="0" i="0" u="none" strike="noStrike" cap="none" spc="0" baseline="0">
           <a:ln>
             <a:noFill/>
           </a:ln>
@@ -2413,7 +2519,7 @@
         <a:buFontTx/>
         <a:buNone/>
         <a:tabLst/>
-        <a:defRPr b="0" baseline="0" cap="none" i="0" spc="0" strike="noStrike" sz="8000" u="none">
+        <a:defRPr sz="8000" b="0" i="0" u="none" strike="noStrike" cap="none" spc="0" baseline="0">
           <a:ln>
             <a:noFill/>
           </a:ln>
@@ -2442,7 +2548,7 @@
         <a:buFontTx/>
         <a:buNone/>
         <a:tabLst/>
-        <a:defRPr b="0" baseline="0" cap="none" i="0" spc="0" strike="noStrike" sz="8000" u="none">
+        <a:defRPr sz="8000" b="0" i="0" u="none" strike="noStrike" cap="none" spc="0" baseline="0">
           <a:ln>
             <a:noFill/>
           </a:ln>
@@ -2473,7 +2579,7 @@
         <a:buFontTx/>
         <a:buChar char="•"/>
         <a:tabLst/>
-        <a:defRPr b="0" baseline="0" cap="none" i="0" spc="0" strike="noStrike" sz="3200" u="none">
+        <a:defRPr sz="3200" b="0" i="0" u="none" strike="noStrike" cap="none" spc="0" baseline="0">
           <a:ln>
             <a:noFill/>
           </a:ln>
@@ -2502,7 +2608,7 @@
         <a:buFontTx/>
         <a:buChar char="•"/>
         <a:tabLst/>
-        <a:defRPr b="0" baseline="0" cap="none" i="0" spc="0" strike="noStrike" sz="3200" u="none">
+        <a:defRPr sz="3200" b="0" i="0" u="none" strike="noStrike" cap="none" spc="0" baseline="0">
           <a:ln>
             <a:noFill/>
           </a:ln>
@@ -2531,7 +2637,7 @@
         <a:buFontTx/>
         <a:buChar char="•"/>
         <a:tabLst/>
-        <a:defRPr b="0" baseline="0" cap="none" i="0" spc="0" strike="noStrike" sz="3200" u="none">
+        <a:defRPr sz="3200" b="0" i="0" u="none" strike="noStrike" cap="none" spc="0" baseline="0">
           <a:ln>
             <a:noFill/>
           </a:ln>
@@ -2560,7 +2666,7 @@
         <a:buFontTx/>
         <a:buChar char="•"/>
         <a:tabLst/>
-        <a:defRPr b="0" baseline="0" cap="none" i="0" spc="0" strike="noStrike" sz="3200" u="none">
+        <a:defRPr sz="3200" b="0" i="0" u="none" strike="noStrike" cap="none" spc="0" baseline="0">
           <a:ln>
             <a:noFill/>
           </a:ln>
@@ -2589,7 +2695,7 @@
         <a:buFontTx/>
         <a:buChar char="•"/>
         <a:tabLst/>
-        <a:defRPr b="0" baseline="0" cap="none" i="0" spc="0" strike="noStrike" sz="3200" u="none">
+        <a:defRPr sz="3200" b="0" i="0" u="none" strike="noStrike" cap="none" spc="0" baseline="0">
           <a:ln>
             <a:noFill/>
           </a:ln>
@@ -2618,7 +2724,7 @@
         <a:buFontTx/>
         <a:buChar char="•"/>
         <a:tabLst/>
-        <a:defRPr b="0" baseline="0" cap="none" i="0" spc="0" strike="noStrike" sz="3200" u="none">
+        <a:defRPr sz="3200" b="0" i="0" u="none" strike="noStrike" cap="none" spc="0" baseline="0">
           <a:ln>
             <a:noFill/>
           </a:ln>
@@ -2647,7 +2753,7 @@
         <a:buFontTx/>
         <a:buChar char="•"/>
         <a:tabLst/>
-        <a:defRPr b="0" baseline="0" cap="none" i="0" spc="0" strike="noStrike" sz="3200" u="none">
+        <a:defRPr sz="3200" b="0" i="0" u="none" strike="noStrike" cap="none" spc="0" baseline="0">
           <a:ln>
             <a:noFill/>
           </a:ln>
@@ -2676,7 +2782,7 @@
         <a:buFontTx/>
         <a:buChar char="•"/>
         <a:tabLst/>
-        <a:defRPr b="0" baseline="0" cap="none" i="0" spc="0" strike="noStrike" sz="3200" u="none">
+        <a:defRPr sz="3200" b="0" i="0" u="none" strike="noStrike" cap="none" spc="0" baseline="0">
           <a:ln>
             <a:noFill/>
           </a:ln>
@@ -2705,7 +2811,7 @@
         <a:buFontTx/>
         <a:buChar char="•"/>
         <a:tabLst/>
-        <a:defRPr b="0" baseline="0" cap="none" i="0" spc="0" strike="noStrike" sz="3200" u="none">
+        <a:defRPr sz="3200" b="0" i="0" u="none" strike="noStrike" cap="none" spc="0" baseline="0">
           <a:ln>
             <a:noFill/>
           </a:ln>
@@ -2736,7 +2842,7 @@
         <a:buFontTx/>
         <a:buNone/>
         <a:tabLst/>
-        <a:defRPr b="0" baseline="0" cap="none" i="0" spc="0" strike="noStrike" sz="1600" u="none">
+        <a:defRPr sz="1600" b="0" i="0" u="none" strike="noStrike" cap="none" spc="0" baseline="0">
           <a:ln>
             <a:noFill/>
           </a:ln>
@@ -2765,7 +2871,7 @@
         <a:buFontTx/>
         <a:buNone/>
         <a:tabLst/>
-        <a:defRPr b="0" baseline="0" cap="none" i="0" spc="0" strike="noStrike" sz="1600" u="none">
+        <a:defRPr sz="1600" b="0" i="0" u="none" strike="noStrike" cap="none" spc="0" baseline="0">
           <a:ln>
             <a:noFill/>
           </a:ln>
@@ -2794,7 +2900,7 @@
         <a:buFontTx/>
         <a:buNone/>
         <a:tabLst/>
-        <a:defRPr b="0" baseline="0" cap="none" i="0" spc="0" strike="noStrike" sz="1600" u="none">
+        <a:defRPr sz="1600" b="0" i="0" u="none" strike="noStrike" cap="none" spc="0" baseline="0">
           <a:ln>
             <a:noFill/>
           </a:ln>
@@ -2823,7 +2929,7 @@
         <a:buFontTx/>
         <a:buNone/>
         <a:tabLst/>
-        <a:defRPr b="0" baseline="0" cap="none" i="0" spc="0" strike="noStrike" sz="1600" u="none">
+        <a:defRPr sz="1600" b="0" i="0" u="none" strike="noStrike" cap="none" spc="0" baseline="0">
           <a:ln>
             <a:noFill/>
           </a:ln>
@@ -2852,7 +2958,7 @@
         <a:buFontTx/>
         <a:buNone/>
         <a:tabLst/>
-        <a:defRPr b="0" baseline="0" cap="none" i="0" spc="0" strike="noStrike" sz="1600" u="none">
+        <a:defRPr sz="1600" b="0" i="0" u="none" strike="noStrike" cap="none" spc="0" baseline="0">
           <a:ln>
             <a:noFill/>
           </a:ln>
@@ -2881,7 +2987,7 @@
         <a:buFontTx/>
         <a:buNone/>
         <a:tabLst/>
-        <a:defRPr b="0" baseline="0" cap="none" i="0" spc="0" strike="noStrike" sz="1600" u="none">
+        <a:defRPr sz="1600" b="0" i="0" u="none" strike="noStrike" cap="none" spc="0" baseline="0">
           <a:ln>
             <a:noFill/>
           </a:ln>
@@ -2910,7 +3016,7 @@
         <a:buFontTx/>
         <a:buNone/>
         <a:tabLst/>
-        <a:defRPr b="0" baseline="0" cap="none" i="0" spc="0" strike="noStrike" sz="1600" u="none">
+        <a:defRPr sz="1600" b="0" i="0" u="none" strike="noStrike" cap="none" spc="0" baseline="0">
           <a:ln>
             <a:noFill/>
           </a:ln>
@@ -2939,7 +3045,7 @@
         <a:buFontTx/>
         <a:buNone/>
         <a:tabLst/>
-        <a:defRPr b="0" baseline="0" cap="none" i="0" spc="0" strike="noStrike" sz="1600" u="none">
+        <a:defRPr sz="1600" b="0" i="0" u="none" strike="noStrike" cap="none" spc="0" baseline="0">
           <a:ln>
             <a:noFill/>
           </a:ln>
@@ -2968,7 +3074,7 @@
         <a:buFontTx/>
         <a:buNone/>
         <a:tabLst/>
-        <a:defRPr b="0" baseline="0" cap="none" i="0" spc="0" strike="noStrike" sz="1600" u="none">
+        <a:defRPr sz="1600" b="0" i="0" u="none" strike="noStrike" cap="none" spc="0" baseline="0">
           <a:ln>
             <a:noFill/>
           </a:ln>
@@ -2988,7 +3094,7 @@
 </file>
 
 <file path=ppt/slides/slide1.xml><?xml version="1.0" encoding="utf-8"?>
-<p:sld xmlns:a="http://schemas.openxmlformats.org/drawingml/2006/main" xmlns:r="http://schemas.openxmlformats.org/officeDocument/2006/relationships" xmlns:p="http://schemas.openxmlformats.org/presentationml/2006/main" xmlns:m="http://schemas.openxmlformats.org/officeDocument/2006/math" xmlns:a14="http://schemas.microsoft.com/office/drawing/2010/main" showMasterSp="1" showMasterPhAnim="1">
+<p:sld xmlns:a="http://schemas.openxmlformats.org/drawingml/2006/main" xmlns:r="http://schemas.openxmlformats.org/officeDocument/2006/relationships" xmlns:p="http://schemas.openxmlformats.org/presentationml/2006/main">
   <p:cSld>
     <p:spTree>
       <p:nvGrpSpPr>
@@ -3006,23 +3112,29 @@
       </p:grpSpPr>
       <p:grpSp>
         <p:nvGrpSpPr>
-          <p:cNvPr id="135" name="Group"/>
+          <p:cNvPr id="8" name="Group 7">
+            <a:extLst>
+              <a:ext uri="{FF2B5EF4-FFF2-40B4-BE49-F238E27FC236}">
+                <a16:creationId xmlns:a16="http://schemas.microsoft.com/office/drawing/2014/main" id="{2CA9B77E-E78A-4636-BFD2-B2F710749826}"/>
+              </a:ext>
+            </a:extLst>
+          </p:cNvPr>
           <p:cNvGrpSpPr/>
           <p:nvPr/>
         </p:nvGrpSpPr>
         <p:grpSpPr>
           <a:xfrm>
-            <a:off x="968168" y="1825401"/>
-            <a:ext cx="11106564" cy="6525491"/>
-            <a:chOff x="0" y="0"/>
-            <a:chExt cx="11106563" cy="6525489"/>
+            <a:off x="968060" y="685893"/>
+            <a:ext cx="11068679" cy="8701257"/>
+            <a:chOff x="1025593" y="126056"/>
+            <a:chExt cx="11068679" cy="8701257"/>
           </a:xfrm>
         </p:grpSpPr>
         <p:pic>
           <p:nvPicPr>
-            <p:cNvPr id="119" name="Screen Shot 2019-02-27 at 8.42.42 PM.png" descr="Screen Shot 2019-02-27 at 8.42.42 PM.png"/>
+            <p:cNvPr id="130" name="Rounded Rectangle" descr="Rounded Rectangle"/>
             <p:cNvPicPr>
-              <a:picLocks noChangeAspect="1"/>
+              <a:picLocks/>
             </p:cNvPicPr>
             <p:nvPr/>
           </p:nvPicPr>
@@ -3036,24 +3148,20 @@
           </p:blipFill>
           <p:spPr>
             <a:xfrm>
-              <a:off x="-1" y="2100984"/>
-              <a:ext cx="5464927" cy="835547"/>
+              <a:off x="1025593" y="6557572"/>
+              <a:ext cx="11049140" cy="1907649"/>
             </a:xfrm>
             <a:prstGeom prst="rect">
               <a:avLst/>
             </a:prstGeom>
-            <a:ln w="12700" cap="flat">
-              <a:noFill/>
-              <a:miter lim="400000"/>
-            </a:ln>
             <a:effectLst/>
           </p:spPr>
         </p:pic>
         <p:pic>
           <p:nvPicPr>
-            <p:cNvPr id="120" name="Screen Shot 2019-02-27 at 8.26.30 PM.png" descr="Screen Shot 2019-02-27 at 8.26.30 PM.png"/>
+            <p:cNvPr id="121" name="Rounded Rectangle" descr="Rounded Rectangle"/>
             <p:cNvPicPr>
-              <a:picLocks noChangeAspect="1"/>
+              <a:picLocks/>
             </p:cNvPicPr>
             <p:nvPr/>
           </p:nvPicPr>
@@ -3061,31 +3169,26 @@
             <a:blip r:embed="rId3">
               <a:extLst/>
             </a:blip>
-            <a:srcRect l="0" t="0" r="0" b="0"/>
             <a:stretch>
               <a:fillRect/>
             </a:stretch>
           </p:blipFill>
           <p:spPr>
             <a:xfrm>
-              <a:off x="2629554" y="4832444"/>
-              <a:ext cx="5831793" cy="650428"/>
+              <a:off x="1025593" y="340931"/>
+              <a:ext cx="11049140" cy="4953322"/>
             </a:xfrm>
             <a:prstGeom prst="rect">
               <a:avLst/>
             </a:prstGeom>
-            <a:ln w="12700" cap="flat">
-              <a:noFill/>
-              <a:miter lim="400000"/>
-            </a:ln>
             <a:effectLst/>
           </p:spPr>
         </p:pic>
         <p:pic>
           <p:nvPicPr>
-            <p:cNvPr id="121" name="Rounded Rectangle" descr="Rounded Rectangle"/>
+            <p:cNvPr id="125" name="Image" descr="Image"/>
             <p:cNvPicPr>
-              <a:picLocks noChangeAspect="0"/>
+              <a:picLocks noChangeAspect="1"/>
             </p:cNvPicPr>
             <p:nvPr/>
           </p:nvPicPr>
@@ -3099,12 +3202,16 @@
           </p:blipFill>
           <p:spPr>
             <a:xfrm>
-              <a:off x="57425" y="310722"/>
-              <a:ext cx="11049139" cy="3377035"/>
+              <a:off x="2246055" y="1945363"/>
+              <a:ext cx="3600000" cy="1843201"/>
             </a:xfrm>
             <a:prstGeom prst="rect">
               <a:avLst/>
             </a:prstGeom>
+            <a:ln w="12700" cap="flat">
+              <a:noFill/>
+              <a:miter lim="400000"/>
+            </a:ln>
             <a:effectLst/>
           </p:spPr>
         </p:pic>
@@ -3116,7 +3223,7 @@
           </p:nvSpPr>
           <p:spPr>
             <a:xfrm>
-              <a:off x="3905896" y="0"/>
+              <a:off x="4823924" y="126056"/>
               <a:ext cx="3278999" cy="664347"/>
             </a:xfrm>
             <a:prstGeom prst="rect">
@@ -3132,7 +3239,7 @@
             <a:effectLst/>
             <a:extLst>
               <a:ext uri="{C572A759-6A51-4108-AA02-DFA0A04FC94B}">
-                <ma14:wrappingTextBoxFlag xmlns:ma14="http://schemas.microsoft.com/office/mac/drawingml/2011/main" val="1"/>
+                <ma14:wrappingTextBoxFlag xmlns:ma14="http://schemas.microsoft.com/office/mac/drawingml/2011/main" xmlns:a14="http://schemas.microsoft.com/office/drawing/2010/main" xmlns:m="http://schemas.openxmlformats.org/officeDocument/2006/math" xmlns="" val="1"/>
               </a:ext>
             </a:extLst>
           </p:spPr>
@@ -3142,75 +3249,13 @@
             </a:bodyPr>
             <a:lstStyle/>
             <a:p>
-              <a:pPr/>
               <a:r>
+                <a:rPr sz="2800" dirty="0"/>
                 <a:t>Demonstration</a:t>
               </a:r>
             </a:p>
           </p:txBody>
         </p:sp>
-        <p:pic>
-          <p:nvPicPr>
-            <p:cNvPr id="124" name="Image" descr="Image"/>
-            <p:cNvPicPr>
-              <a:picLocks noChangeAspect="1"/>
-            </p:cNvPicPr>
-            <p:nvPr/>
-          </p:nvPicPr>
-          <p:blipFill>
-            <a:blip r:embed="rId5">
-              <a:extLst/>
-            </a:blip>
-            <a:stretch>
-              <a:fillRect/>
-            </a:stretch>
-          </p:blipFill>
-          <p:spPr>
-            <a:xfrm>
-              <a:off x="5167729" y="756326"/>
-              <a:ext cx="5781085" cy="2292682"/>
-            </a:xfrm>
-            <a:prstGeom prst="rect">
-              <a:avLst/>
-            </a:prstGeom>
-            <a:ln w="12700" cap="flat">
-              <a:noFill/>
-              <a:miter lim="400000"/>
-            </a:ln>
-            <a:effectLst/>
-          </p:spPr>
-        </p:pic>
-        <p:pic>
-          <p:nvPicPr>
-            <p:cNvPr id="125" name="Image" descr="Image"/>
-            <p:cNvPicPr>
-              <a:picLocks noChangeAspect="1"/>
-            </p:cNvPicPr>
-            <p:nvPr/>
-          </p:nvPicPr>
-          <p:blipFill>
-            <a:blip r:embed="rId6">
-              <a:extLst/>
-            </a:blip>
-            <a:stretch>
-              <a:fillRect/>
-            </a:stretch>
-          </p:blipFill>
-          <p:spPr>
-            <a:xfrm>
-              <a:off x="1122824" y="582791"/>
-              <a:ext cx="3441827" cy="1762215"/>
-            </a:xfrm>
-            <a:prstGeom prst="rect">
-              <a:avLst/>
-            </a:prstGeom>
-            <a:ln w="12700" cap="flat">
-              <a:noFill/>
-              <a:miter lim="400000"/>
-            </a:ln>
-            <a:effectLst/>
-          </p:spPr>
-        </p:pic>
         <p:sp>
           <p:nvSpPr>
             <p:cNvPr id="126" name="acceleration feedback"/>
@@ -3219,7 +3264,7 @@
           </p:nvSpPr>
           <p:spPr>
             <a:xfrm>
-              <a:off x="2765818" y="2787483"/>
+              <a:off x="2219714" y="4574475"/>
               <a:ext cx="3477874" cy="635231"/>
             </a:xfrm>
             <a:prstGeom prst="rect">
@@ -3233,7 +3278,7 @@
             <a:effectLst/>
             <a:extLst>
               <a:ext uri="{C572A759-6A51-4108-AA02-DFA0A04FC94B}">
-                <ma14:wrappingTextBoxFlag xmlns:ma14="http://schemas.microsoft.com/office/mac/drawingml/2011/main" val="1"/>
+                <ma14:wrappingTextBoxFlag xmlns:ma14="http://schemas.microsoft.com/office/mac/drawingml/2011/main" xmlns:a14="http://schemas.microsoft.com/office/drawing/2010/main" xmlns:m="http://schemas.openxmlformats.org/officeDocument/2006/math" xmlns="" val="1"/>
               </a:ext>
             </a:extLst>
           </p:spPr>
@@ -3255,8 +3300,8 @@
               </a:lvl1pPr>
             </a:lstStyle>
             <a:p>
-              <a:pPr/>
               <a:r>
+                <a:rPr sz="2400" dirty="0"/>
                 <a:t>acceleration feedback</a:t>
               </a:r>
             </a:p>
@@ -3270,8 +3315,8 @@
           </p:nvSpPr>
           <p:spPr>
             <a:xfrm>
-              <a:off x="3823994" y="2870393"/>
-              <a:ext cx="1361522" cy="1"/>
+              <a:off x="2983177" y="4636598"/>
+              <a:ext cx="1950949" cy="1"/>
             </a:xfrm>
             <a:prstGeom prst="line">
               <a:avLst/>
@@ -3299,7 +3344,7 @@
             <a:lstStyle/>
             <a:p>
               <a:pPr>
-                <a:defRPr b="0" sz="2200">
+                <a:defRPr sz="2200" b="0">
                   <a:solidFill>
                     <a:srgbClr val="FFFFFF"/>
                   </a:solidFill>
@@ -3309,6 +3354,7 @@
                   <a:sym typeface="Helvetica Neue Medium"/>
                 </a:defRPr>
               </a:pPr>
+              <a:endParaRPr/>
             </a:p>
           </p:txBody>
         </p:sp>
@@ -3316,12 +3362,12 @@
           <p:nvPicPr>
             <p:cNvPr id="128" name="Line" descr="Line"/>
             <p:cNvPicPr>
-              <a:picLocks noChangeAspect="0"/>
+              <a:picLocks/>
             </p:cNvPicPr>
             <p:nvPr/>
           </p:nvPicPr>
           <p:blipFill>
-            <a:blip r:embed="rId7">
+            <a:blip r:embed="rId5">
               <a:extLst/>
             </a:blip>
             <a:stretch>
@@ -3330,35 +3376,8 @@
           </p:blipFill>
           <p:spPr>
             <a:xfrm rot="5400000">
-              <a:off x="5044320" y="4017408"/>
+              <a:off x="6099226" y="5704242"/>
               <a:ext cx="901872" cy="352235"/>
-            </a:xfrm>
-            <a:prstGeom prst="rect">
-              <a:avLst/>
-            </a:prstGeom>
-            <a:effectLst/>
-          </p:spPr>
-        </p:pic>
-        <p:pic>
-          <p:nvPicPr>
-            <p:cNvPr id="130" name="Rounded Rectangle" descr="Rounded Rectangle"/>
-            <p:cNvPicPr>
-              <a:picLocks noChangeAspect="0"/>
-            </p:cNvPicPr>
-            <p:nvPr/>
-          </p:nvPicPr>
-          <p:blipFill>
-            <a:blip r:embed="rId8">
-              <a:extLst/>
-            </a:blip>
-            <a:stretch>
-              <a:fillRect/>
-            </a:stretch>
-          </p:blipFill>
-          <p:spPr>
-            <a:xfrm>
-              <a:off x="57425" y="4732170"/>
-              <a:ext cx="11049139" cy="1327185"/>
             </a:xfrm>
             <a:prstGeom prst="rect">
               <a:avLst/>
@@ -3374,7 +3393,7 @@
           </p:nvSpPr>
           <p:spPr>
             <a:xfrm>
-              <a:off x="2800175" y="5861143"/>
+              <a:off x="3739146" y="8162966"/>
               <a:ext cx="5490324" cy="664347"/>
             </a:xfrm>
             <a:prstGeom prst="rect">
@@ -3390,7 +3409,7 @@
             <a:effectLst/>
             <a:extLst>
               <a:ext uri="{C572A759-6A51-4108-AA02-DFA0A04FC94B}">
-                <ma14:wrappingTextBoxFlag xmlns:ma14="http://schemas.microsoft.com/office/mac/drawingml/2011/main" val="1"/>
+                <ma14:wrappingTextBoxFlag xmlns:ma14="http://schemas.microsoft.com/office/mac/drawingml/2011/main" xmlns:a14="http://schemas.microsoft.com/office/drawing/2010/main" xmlns:m="http://schemas.openxmlformats.org/officeDocument/2006/math" xmlns="" val="1"/>
               </a:ext>
             </a:extLst>
           </p:spPr>
@@ -3400,8 +3419,8 @@
             </a:bodyPr>
             <a:lstStyle/>
             <a:p>
-              <a:pPr/>
               <a:r>
+                <a:rPr dirty="0"/>
                 <a:t>Optimal Reward Function</a:t>
               </a:r>
             </a:p>
@@ -3415,7 +3434,7 @@
           </p:nvSpPr>
           <p:spPr>
             <a:xfrm>
-              <a:off x="5752229" y="3830943"/>
+              <a:off x="6726280" y="5509128"/>
               <a:ext cx="734182" cy="593272"/>
             </a:xfrm>
             <a:prstGeom prst="rect">
@@ -3429,7 +3448,7 @@
             <a:effectLst/>
             <a:extLst>
               <a:ext uri="{C572A759-6A51-4108-AA02-DFA0A04FC94B}">
-                <ma14:wrappingTextBoxFlag xmlns:ma14="http://schemas.microsoft.com/office/mac/drawingml/2011/main" val="1"/>
+                <ma14:wrappingTextBoxFlag xmlns:ma14="http://schemas.microsoft.com/office/mac/drawingml/2011/main" xmlns:a14="http://schemas.microsoft.com/office/drawing/2010/main" xmlns:m="http://schemas.openxmlformats.org/officeDocument/2006/math" xmlns="" val="1"/>
               </a:ext>
             </a:extLst>
           </p:spPr>
@@ -3439,7 +3458,7 @@
             </a:bodyPr>
             <a:lstStyle>
               <a:lvl1pPr>
-                <a:defRPr b="0" sz="2000">
+                <a:defRPr sz="2000" b="0">
                   <a:latin typeface="+mn-lt"/>
                   <a:ea typeface="+mn-ea"/>
                   <a:cs typeface="+mn-cs"/>
@@ -3448,308 +3467,2393 @@
               </a:lvl1pPr>
             </a:lstStyle>
             <a:p>
-              <a:pPr/>
               <a:r>
+                <a:rPr sz="2800" dirty="0"/>
                 <a:t>IRL</a:t>
               </a:r>
             </a:p>
           </p:txBody>
         </p:sp>
-        <p:sp>
-          <p:nvSpPr>
-            <p:cNvPr id="134" name="Equation"/>
-            <p:cNvSpPr txBox="1"/>
+        <mc:AlternateContent xmlns:mc="http://schemas.openxmlformats.org/markup-compatibility/2006">
+          <mc:Choice xmlns:a14="http://schemas.microsoft.com/office/drawing/2010/main" Requires="a14">
+            <p:sp>
+              <p:nvSpPr>
+                <p:cNvPr id="134" name="Equation"/>
+                <p:cNvSpPr txBox="1"/>
+                <p:nvPr/>
+              </p:nvSpPr>
+              <p:spPr>
+                <a:xfrm>
+                  <a:off x="3150153" y="7694140"/>
+                  <a:ext cx="6626540" cy="430887"/>
+                </a:xfrm>
+                <a:prstGeom prst="rect">
+                  <a:avLst/>
+                </a:prstGeom>
+                <a:noFill/>
+                <a:ln w="12700" cap="flat">
+                  <a:noFill/>
+                  <a:miter lim="400000"/>
+                </a:ln>
+                <a:effectLst/>
+              </p:spPr>
+              <p:txBody>
+                <a:bodyPr wrap="square" lIns="0" tIns="0" rIns="0" bIns="0">
+                  <a:spAutoFit/>
+                </a:bodyPr>
+                <a:lstStyle/>
+                <a:p>
+                  <a:pPr algn="l" defTabSz="914400" latinLnBrk="1">
+                    <a:defRPr sz="1800" b="0"/>
+                  </a:pPr>
+                  <a14:m>
+                    <m:oMathPara xmlns:m="http://schemas.openxmlformats.org/officeDocument/2006/math">
+                      <m:oMathParaPr>
+                        <m:jc m:val="centerGroup"/>
+                      </m:oMathParaPr>
+                      <m:oMath xmlns:m="http://schemas.openxmlformats.org/officeDocument/2006/math">
+                        <m:r>
+                          <a:rPr sz="2800" b="0" i="1">
+                            <a:latin typeface="Cambria Math" panose="02040503050406030204" pitchFamily="18" charset="0"/>
+                          </a:rPr>
+                          <m:t>𝜙</m:t>
+                        </m:r>
+                        <m:r>
+                          <a:rPr sz="2800" b="0" i="1">
+                            <a:latin typeface="Cambria Math" panose="02040503050406030204" pitchFamily="18" charset="0"/>
+                          </a:rPr>
+                          <m:t>=−[|</m:t>
+                        </m:r>
+                        <m:sSup>
+                          <m:sSupPr>
+                            <m:ctrlPr>
+                              <a:rPr sz="2800" b="0" i="1">
+                                <a:latin typeface="Cambria Math" panose="02040503050406030204" pitchFamily="18" charset="0"/>
+                              </a:rPr>
+                            </m:ctrlPr>
+                          </m:sSupPr>
+                          <m:e>
+                            <m:r>
+                              <a:rPr sz="2800" b="0" i="1">
+                                <a:latin typeface="Cambria Math" panose="02040503050406030204" pitchFamily="18" charset="0"/>
+                              </a:rPr>
+                              <m:t>𝑣</m:t>
+                            </m:r>
+                          </m:e>
+                          <m:sup>
+                            <m:r>
+                              <a:rPr sz="2800" b="0" i="1">
+                                <a:latin typeface="Cambria Math" panose="02040503050406030204" pitchFamily="18" charset="0"/>
+                              </a:rPr>
+                              <m:t>𝑡</m:t>
+                            </m:r>
+                          </m:sup>
+                        </m:sSup>
+                        <m:r>
+                          <a:rPr sz="2800" b="0" i="1">
+                            <a:latin typeface="Cambria Math" panose="02040503050406030204" pitchFamily="18" charset="0"/>
+                          </a:rPr>
+                          <m:t>−</m:t>
+                        </m:r>
+                        <m:sSup>
+                          <m:sSupPr>
+                            <m:ctrlPr>
+                              <a:rPr sz="2800" b="0" i="1">
+                                <a:latin typeface="Cambria Math" panose="02040503050406030204" pitchFamily="18" charset="0"/>
+                              </a:rPr>
+                            </m:ctrlPr>
+                          </m:sSupPr>
+                          <m:e>
+                            <m:r>
+                              <a:rPr sz="2800" b="0" i="1">
+                                <a:latin typeface="Cambria Math" panose="02040503050406030204" pitchFamily="18" charset="0"/>
+                              </a:rPr>
+                              <m:t>𝑣</m:t>
+                            </m:r>
+                          </m:e>
+                          <m:sup>
+                            <m:r>
+                              <a:rPr sz="2800" b="0" i="1">
+                                <a:latin typeface="Cambria Math" panose="02040503050406030204" pitchFamily="18" charset="0"/>
+                              </a:rPr>
+                              <m:t>𝑡</m:t>
+                            </m:r>
+                            <m:r>
+                              <a:rPr sz="2800" b="0" i="1">
+                                <a:latin typeface="Cambria Math" panose="02040503050406030204" pitchFamily="18" charset="0"/>
+                              </a:rPr>
+                              <m:t>−1</m:t>
+                            </m:r>
+                          </m:sup>
+                        </m:sSup>
+                        <m:r>
+                          <a:rPr sz="2800" b="0" i="1">
+                            <a:latin typeface="Cambria Math" panose="02040503050406030204" pitchFamily="18" charset="0"/>
+                          </a:rPr>
+                          <m:t>|,|</m:t>
+                        </m:r>
+                        <m:sSup>
+                          <m:sSupPr>
+                            <m:ctrlPr>
+                              <a:rPr sz="2800" b="0" i="1">
+                                <a:latin typeface="Cambria Math" panose="02040503050406030204" pitchFamily="18" charset="0"/>
+                              </a:rPr>
+                            </m:ctrlPr>
+                          </m:sSupPr>
+                          <m:e>
+                            <m:r>
+                              <a:rPr sz="2800" b="0" i="1">
+                                <a:latin typeface="Cambria Math" panose="02040503050406030204" pitchFamily="18" charset="0"/>
+                              </a:rPr>
+                              <m:t>h</m:t>
+                            </m:r>
+                          </m:e>
+                          <m:sup>
+                            <m:r>
+                              <a:rPr sz="2800" b="0" i="1">
+                                <a:latin typeface="Cambria Math" panose="02040503050406030204" pitchFamily="18" charset="0"/>
+                              </a:rPr>
+                              <m:t>𝑡</m:t>
+                            </m:r>
+                            <m:r>
+                              <a:rPr sz="2800" b="0" i="1">
+                                <a:latin typeface="Cambria Math" panose="02040503050406030204" pitchFamily="18" charset="0"/>
+                              </a:rPr>
+                              <m:t>−</m:t>
+                            </m:r>
+                            <m:r>
+                              <a:rPr sz="2800" b="0" i="1">
+                                <a:latin typeface="Cambria Math" panose="02040503050406030204" pitchFamily="18" charset="0"/>
+                              </a:rPr>
+                              <m:t>𝜏</m:t>
+                            </m:r>
+                          </m:sup>
+                        </m:sSup>
+                        <m:r>
+                          <a:rPr sz="2800" b="0" i="1">
+                            <a:latin typeface="Cambria Math" panose="02040503050406030204" pitchFamily="18" charset="0"/>
+                          </a:rPr>
+                          <m:t>−</m:t>
+                        </m:r>
+                        <m:sSup>
+                          <m:sSupPr>
+                            <m:ctrlPr>
+                              <a:rPr sz="2800" b="0" i="1">
+                                <a:latin typeface="Cambria Math" panose="02040503050406030204" pitchFamily="18" charset="0"/>
+                              </a:rPr>
+                            </m:ctrlPr>
+                          </m:sSupPr>
+                          <m:e>
+                            <m:r>
+                              <a:rPr sz="2800" b="0" i="1">
+                                <a:latin typeface="Cambria Math" panose="02040503050406030204" pitchFamily="18" charset="0"/>
+                              </a:rPr>
+                              <m:t>h</m:t>
+                            </m:r>
+                          </m:e>
+                          <m:sup>
+                            <m:r>
+                              <a:rPr sz="2800" b="0" i="1">
+                                <a:latin typeface="Cambria Math" panose="02040503050406030204" pitchFamily="18" charset="0"/>
+                              </a:rPr>
+                              <m:t>0</m:t>
+                            </m:r>
+                          </m:sup>
+                        </m:sSup>
+                        <m:r>
+                          <a:rPr sz="2800" b="0" i="1">
+                            <a:latin typeface="Cambria Math" panose="02040503050406030204" pitchFamily="18" charset="0"/>
+                          </a:rPr>
+                          <m:t>|]</m:t>
+                        </m:r>
+                      </m:oMath>
+                    </m:oMathPara>
+                  </a14:m>
+                  <a:endParaRPr sz="2800" b="0" i="1" dirty="0">
+                    <a:latin typeface="Cambria Math" panose="02040503050406030204" pitchFamily="18" charset="0"/>
+                  </a:endParaRPr>
+                </a:p>
+              </p:txBody>
+            </p:sp>
+          </mc:Choice>
+          <mc:Fallback>
+            <p:sp>
+              <p:nvSpPr>
+                <p:cNvPr id="134" name="Equation"/>
+                <p:cNvSpPr txBox="1">
+                  <a:spLocks noRot="1" noChangeAspect="1" noMove="1" noResize="1" noEditPoints="1" noAdjustHandles="1" noChangeArrowheads="1" noChangeShapeType="1" noTextEdit="1"/>
+                </p:cNvSpPr>
+                <p:nvPr/>
+              </p:nvSpPr>
+              <p:spPr>
+                <a:xfrm>
+                  <a:off x="3150153" y="7694140"/>
+                  <a:ext cx="6626540" cy="430887"/>
+                </a:xfrm>
+                <a:prstGeom prst="rect">
+                  <a:avLst/>
+                </a:prstGeom>
+                <a:blipFill>
+                  <a:blip r:embed="rId6"/>
+                  <a:stretch>
+                    <a:fillRect/>
+                  </a:stretch>
+                </a:blipFill>
+                <a:ln w="12700" cap="flat">
+                  <a:noFill/>
+                  <a:miter lim="400000"/>
+                </a:ln>
+                <a:effectLst/>
+              </p:spPr>
+              <p:txBody>
+                <a:bodyPr/>
+                <a:lstStyle/>
+                <a:p>
+                  <a:r>
+                    <a:rPr lang="zh-CN" altLang="en-US">
+                      <a:noFill/>
+                    </a:rPr>
+                    <a:t> </a:t>
+                  </a:r>
+                </a:p>
+              </p:txBody>
+            </p:sp>
+          </mc:Fallback>
+        </mc:AlternateContent>
+        <p:pic>
+          <p:nvPicPr>
+            <p:cNvPr id="22" name="Picture 2">
+              <a:extLst>
+                <a:ext uri="{FF2B5EF4-FFF2-40B4-BE49-F238E27FC236}">
+                  <a16:creationId xmlns:a16="http://schemas.microsoft.com/office/drawing/2014/main" id="{D7C6AB41-DBDA-41EC-A601-0454C3F37EF8}"/>
+                </a:ext>
+              </a:extLst>
+            </p:cNvPr>
+            <p:cNvPicPr>
+              <a:picLocks noChangeAspect="1" noChangeArrowheads="1"/>
+            </p:cNvPicPr>
             <p:nvPr/>
-          </p:nvSpPr>
-          <p:spPr>
+          </p:nvPicPr>
+          <p:blipFill rotWithShape="1">
+            <a:blip r:embed="rId7">
+              <a:extLst>
+                <a:ext uri="{28A0092B-C50C-407E-A947-70E740481C1C}">
+                  <a14:useLocalDpi xmlns:a14="http://schemas.microsoft.com/office/drawing/2010/main" val="0"/>
+                </a:ext>
+              </a:extLst>
+            </a:blip>
+            <a:srcRect r="22625"/>
+            <a:stretch/>
+          </p:blipFill>
+          <p:spPr bwMode="auto">
             <a:xfrm>
-              <a:off x="3772201" y="5517013"/>
-              <a:ext cx="3619586" cy="295036"/>
+              <a:off x="1211605" y="1140916"/>
+              <a:ext cx="4931985" cy="1159598"/>
             </a:xfrm>
             <a:prstGeom prst="rect">
               <a:avLst/>
             </a:prstGeom>
             <a:noFill/>
-            <a:ln w="12700" cap="flat">
+            <a:ln>
               <a:noFill/>
-              <a:miter lim="400000"/>
             </a:ln>
-            <a:effectLst/>
+            <a:extLst>
+              <a:ext uri="{909E8E84-426E-40DD-AFC4-6F175D3DCCD1}">
+                <a14:hiddenFill xmlns:a14="http://schemas.microsoft.com/office/drawing/2010/main">
+                  <a:solidFill>
+                    <a:schemeClr val="accent1"/>
+                  </a:solidFill>
+                </a14:hiddenFill>
+              </a:ext>
+              <a:ext uri="{91240B29-F687-4F45-9708-019B960494DF}">
+                <a14:hiddenLine xmlns:a14="http://schemas.microsoft.com/office/drawing/2010/main" w="9525">
+                  <a:solidFill>
+                    <a:schemeClr val="tx1"/>
+                  </a:solidFill>
+                  <a:miter lim="800000"/>
+                  <a:headEnd/>
+                  <a:tailEnd/>
+                </a14:hiddenLine>
+              </a:ext>
+            </a:extLst>
           </p:spPr>
-          <p:txBody>
-            <a:bodyPr wrap="none" lIns="0" tIns="0" rIns="0" bIns="0">
-              <a:spAutoFit/>
-            </a:bodyPr>
-            <a:lstStyle/>
-            <a:p>
-              <a:pPr algn="l" defTabSz="914400" latinLnBrk="1">
-                <a:defRPr b="0" sz="1800"/>
-              </a:pPr>
-              <a14:m>
-                <m:oMathPara>
-                  <m:oMathParaPr>
-                    <m:jc m:val="centerGroup"/>
-                  </m:oMathParaPr>
-                  <m:oMath>
-                    <m:r>
-                      <a:rPr xmlns:a="http://schemas.openxmlformats.org/drawingml/2006/main" sz="2200" i="1">
-                        <a:solidFill>
-                          <a:srgbClr val="000000"/>
-                        </a:solidFill>
-                        <a:latin typeface="Cambria Math" panose="02040503050406030204" pitchFamily="18" charset="0"/>
-                      </a:rPr>
-                      <m:t>ϕ</m:t>
-                    </m:r>
-                    <m:r>
-                      <a:rPr xmlns:a="http://schemas.openxmlformats.org/drawingml/2006/main" sz="2200" i="1">
-                        <a:solidFill>
-                          <a:srgbClr val="000000"/>
-                        </a:solidFill>
-                        <a:latin typeface="Cambria Math" panose="02040503050406030204" pitchFamily="18" charset="0"/>
-                      </a:rPr>
-                      <m:t>=</m:t>
-                    </m:r>
-                    <m:r>
-                      <a:rPr xmlns:a="http://schemas.openxmlformats.org/drawingml/2006/main" sz="2200" i="1">
-                        <a:solidFill>
-                          <a:srgbClr val="000000"/>
-                        </a:solidFill>
-                        <a:latin typeface="Cambria Math" panose="02040503050406030204" pitchFamily="18" charset="0"/>
-                      </a:rPr>
-                      <m:t>-</m:t>
-                    </m:r>
-                    <m:r>
-                      <a:rPr xmlns:a="http://schemas.openxmlformats.org/drawingml/2006/main" sz="2200" i="1">
-                        <a:solidFill>
-                          <a:srgbClr val="000000"/>
-                        </a:solidFill>
-                        <a:latin typeface="Cambria Math" panose="02040503050406030204" pitchFamily="18" charset="0"/>
-                      </a:rPr>
-                      <m:t>[</m:t>
-                    </m:r>
-                    <m:r>
-                      <a:rPr xmlns:a="http://schemas.openxmlformats.org/drawingml/2006/main" sz="2200" i="1">
-                        <a:solidFill>
-                          <a:srgbClr val="000000"/>
-                        </a:solidFill>
-                        <a:latin typeface="Cambria Math" panose="02040503050406030204" pitchFamily="18" charset="0"/>
-                      </a:rPr>
-                      <m:t>|</m:t>
-                    </m:r>
-                    <m:sSup>
-                      <m:e>
+        </p:pic>
+        <mc:AlternateContent xmlns:mc="http://schemas.openxmlformats.org/markup-compatibility/2006">
+          <mc:Choice xmlns:a14="http://schemas.microsoft.com/office/drawing/2010/main" Requires="a14">
+            <p:sp>
+              <p:nvSpPr>
+                <p:cNvPr id="21" name="TextBox 20">
+                  <a:extLst>
+                    <a:ext uri="{FF2B5EF4-FFF2-40B4-BE49-F238E27FC236}">
+                      <a16:creationId xmlns:a16="http://schemas.microsoft.com/office/drawing/2014/main" id="{770CC5D6-2F44-4618-8784-43E3FDC2E552}"/>
+                    </a:ext>
+                  </a:extLst>
+                </p:cNvPr>
+                <p:cNvSpPr txBox="1"/>
+                <p:nvPr/>
+              </p:nvSpPr>
+              <p:spPr>
+                <a:xfrm>
+                  <a:off x="2360785" y="6912005"/>
+                  <a:ext cx="8283230" cy="555858"/>
+                </a:xfrm>
+                <a:prstGeom prst="rect">
+                  <a:avLst/>
+                </a:prstGeom>
+                <a:noFill/>
+              </p:spPr>
+              <p:txBody>
+                <a:bodyPr wrap="none" lIns="0" tIns="0" rIns="0" bIns="0" rtlCol="0">
+                  <a:spAutoFit/>
+                </a:bodyPr>
+                <a:lstStyle/>
+                <a:p>
+                  <a:pPr/>
+                  <a14:m>
+                    <m:oMathPara xmlns:m="http://schemas.openxmlformats.org/officeDocument/2006/math">
+                      <m:oMathParaPr>
+                        <m:jc m:val="centerGroup"/>
+                      </m:oMathParaPr>
+                      <m:oMath xmlns:m="http://schemas.openxmlformats.org/officeDocument/2006/math">
+                        <m:sSub>
+                          <m:sSubPr>
+                            <m:ctrlPr>
+                              <a:rPr lang="en-US" altLang="zh-CN" sz="3200" b="1" i="1" smtClean="0">
+                                <a:latin typeface="Cambria Math" panose="02040503050406030204" pitchFamily="18" charset="0"/>
+                              </a:rPr>
+                            </m:ctrlPr>
+                          </m:sSubPr>
+                          <m:e>
+                            <m:r>
+                              <a:rPr lang="en-US" altLang="zh-CN" sz="3200" b="1" i="1" smtClean="0">
+                                <a:latin typeface="Cambria Math" panose="02040503050406030204" pitchFamily="18" charset="0"/>
+                              </a:rPr>
+                              <m:t>𝒓</m:t>
+                            </m:r>
+                          </m:e>
+                          <m:sub>
+                            <m:r>
+                              <a:rPr lang="en-US" altLang="zh-CN" sz="3200" b="1" i="1" smtClean="0">
+                                <a:latin typeface="Cambria Math" panose="02040503050406030204" pitchFamily="18" charset="0"/>
+                              </a:rPr>
+                              <m:t>𝑭</m:t>
+                            </m:r>
+                          </m:sub>
+                        </m:sSub>
+                        <m:d>
+                          <m:dPr>
+                            <m:ctrlPr>
+                              <a:rPr lang="en-US" altLang="zh-CN" sz="3200" b="0" i="1" smtClean="0">
+                                <a:latin typeface="Cambria Math" panose="02040503050406030204" pitchFamily="18" charset="0"/>
+                              </a:rPr>
+                            </m:ctrlPr>
+                          </m:dPr>
+                          <m:e>
+                            <m:sSubSup>
+                              <m:sSubSupPr>
+                                <m:ctrlPr>
+                                  <a:rPr lang="en-US" altLang="zh-CN" sz="3200" b="0" i="1" smtClean="0">
+                                    <a:latin typeface="Cambria Math" panose="02040503050406030204" pitchFamily="18" charset="0"/>
+                                  </a:rPr>
+                                </m:ctrlPr>
+                              </m:sSubSupPr>
+                              <m:e>
+                                <m:sSubSup>
+                                  <m:sSubSupPr>
+                                    <m:ctrlPr>
+                                      <a:rPr lang="en-US" altLang="zh-CN" sz="3200" b="0" i="1" smtClean="0">
+                                        <a:latin typeface="Cambria Math" panose="02040503050406030204" pitchFamily="18" charset="0"/>
+                                      </a:rPr>
+                                    </m:ctrlPr>
+                                  </m:sSubSupPr>
+                                  <m:e>
+                                    <m:r>
+                                      <a:rPr lang="en-US" altLang="zh-CN" sz="3200" b="0" i="1" smtClean="0">
+                                        <a:latin typeface="Cambria Math" panose="02040503050406030204" pitchFamily="18" charset="0"/>
+                                      </a:rPr>
+                                      <m:t>𝑎</m:t>
+                                    </m:r>
+                                  </m:e>
+                                  <m:sub>
+                                    <m:r>
+                                      <a:rPr lang="en-US" altLang="zh-CN" sz="3200" b="0" i="1" smtClean="0">
+                                        <a:latin typeface="Cambria Math" panose="02040503050406030204" pitchFamily="18" charset="0"/>
+                                      </a:rPr>
+                                      <m:t>𝐹</m:t>
+                                    </m:r>
+                                  </m:sub>
+                                  <m:sup>
+                                    <m:r>
+                                      <a:rPr lang="en-US" altLang="zh-CN" sz="3200" b="0" i="1" smtClean="0">
+                                        <a:latin typeface="Cambria Math" panose="02040503050406030204" pitchFamily="18" charset="0"/>
+                                      </a:rPr>
+                                      <m:t>𝑡</m:t>
+                                    </m:r>
+                                  </m:sup>
+                                </m:sSubSup>
+                                <m:r>
+                                  <a:rPr lang="en-US" altLang="zh-CN" sz="3200" b="0" i="1" smtClean="0">
+                                    <a:latin typeface="Cambria Math" panose="02040503050406030204" pitchFamily="18" charset="0"/>
+                                  </a:rPr>
+                                  <m:t>, </m:t>
+                                </m:r>
+                                <m:r>
+                                  <a:rPr lang="en-US" altLang="zh-CN" sz="3200" b="0" i="1" smtClean="0">
+                                    <a:latin typeface="Cambria Math" panose="02040503050406030204" pitchFamily="18" charset="0"/>
+                                  </a:rPr>
+                                  <m:t>𝑣</m:t>
+                                </m:r>
+                              </m:e>
+                              <m:sub>
+                                <m:r>
+                                  <a:rPr lang="en-US" altLang="zh-CN" sz="3200" b="0" i="1" smtClean="0">
+                                    <a:latin typeface="Cambria Math" panose="02040503050406030204" pitchFamily="18" charset="0"/>
+                                  </a:rPr>
+                                  <m:t>𝐹</m:t>
+                                </m:r>
+                              </m:sub>
+                              <m:sup>
+                                <m:r>
+                                  <a:rPr lang="en-US" altLang="zh-CN" sz="3200" b="0" i="1" smtClean="0">
+                                    <a:latin typeface="Cambria Math" panose="02040503050406030204" pitchFamily="18" charset="0"/>
+                                  </a:rPr>
+                                  <m:t>0</m:t>
+                                </m:r>
+                              </m:sup>
+                            </m:sSubSup>
+                            <m:r>
+                              <a:rPr lang="en-US" altLang="zh-CN" sz="3200" b="0" i="1" smtClean="0">
+                                <a:latin typeface="Cambria Math" panose="02040503050406030204" pitchFamily="18" charset="0"/>
+                              </a:rPr>
+                              <m:t>,</m:t>
+                            </m:r>
+                            <m:sSubSup>
+                              <m:sSubSupPr>
+                                <m:ctrlPr>
+                                  <a:rPr lang="en-US" altLang="zh-CN" sz="3200" b="0" i="1" smtClean="0">
+                                    <a:latin typeface="Cambria Math" panose="02040503050406030204" pitchFamily="18" charset="0"/>
+                                  </a:rPr>
+                                </m:ctrlPr>
+                              </m:sSubSupPr>
+                              <m:e>
+                                <m:r>
+                                  <a:rPr lang="en-US" altLang="zh-CN" sz="3200" b="0" i="1" smtClean="0">
+                                    <a:latin typeface="Cambria Math" panose="02040503050406030204" pitchFamily="18" charset="0"/>
+                                  </a:rPr>
+                                  <m:t>𝑣</m:t>
+                                </m:r>
+                              </m:e>
+                              <m:sub>
+                                <m:r>
+                                  <a:rPr lang="en-US" altLang="zh-CN" sz="3200" b="0" i="1" smtClean="0">
+                                    <a:latin typeface="Cambria Math" panose="02040503050406030204" pitchFamily="18" charset="0"/>
+                                  </a:rPr>
+                                  <m:t>𝐿</m:t>
+                                </m:r>
+                              </m:sub>
+                              <m:sup>
+                                <m:r>
+                                  <a:rPr lang="en-US" altLang="zh-CN" sz="3200" b="0" i="1" smtClean="0">
+                                    <a:latin typeface="Cambria Math" panose="02040503050406030204" pitchFamily="18" charset="0"/>
+                                  </a:rPr>
+                                  <m:t>𝑡</m:t>
+                                </m:r>
+                                <m:r>
+                                  <a:rPr lang="en-US" altLang="zh-CN" sz="3200" b="0" i="1" smtClean="0">
+                                    <a:latin typeface="Cambria Math" panose="02040503050406030204" pitchFamily="18" charset="0"/>
+                                  </a:rPr>
+                                  <m:t>−</m:t>
+                                </m:r>
+                                <m:r>
+                                  <a:rPr lang="en-US" altLang="zh-CN" sz="3200" b="0" i="1" smtClean="0">
+                                    <a:latin typeface="Cambria Math" panose="02040503050406030204" pitchFamily="18" charset="0"/>
+                                  </a:rPr>
+                                  <m:t>𝜏</m:t>
+                                </m:r>
+                              </m:sup>
+                            </m:sSubSup>
+                            <m:r>
+                              <a:rPr lang="en-US" altLang="zh-CN" sz="3200" b="0" i="1" smtClean="0">
+                                <a:latin typeface="Cambria Math" panose="02040503050406030204" pitchFamily="18" charset="0"/>
+                              </a:rPr>
+                              <m:t>,</m:t>
+                            </m:r>
+                            <m:sSup>
+                              <m:sSupPr>
+                                <m:ctrlPr>
+                                  <a:rPr lang="en-US" altLang="zh-CN" sz="3200" b="0" i="1" smtClean="0">
+                                    <a:latin typeface="Cambria Math" panose="02040503050406030204" pitchFamily="18" charset="0"/>
+                                  </a:rPr>
+                                </m:ctrlPr>
+                              </m:sSupPr>
+                              <m:e>
+                                <m:r>
+                                  <a:rPr lang="en-US" altLang="zh-CN" sz="3200" b="0" i="1" smtClean="0">
+                                    <a:latin typeface="Cambria Math" panose="02040503050406030204" pitchFamily="18" charset="0"/>
+                                  </a:rPr>
+                                  <m:t>h</m:t>
+                                </m:r>
+                              </m:e>
+                              <m:sup>
+                                <m:r>
+                                  <a:rPr lang="en-US" altLang="zh-CN" sz="3200" b="0" i="1" smtClean="0">
+                                    <a:latin typeface="Cambria Math" panose="02040503050406030204" pitchFamily="18" charset="0"/>
+                                  </a:rPr>
+                                  <m:t>𝑡</m:t>
+                                </m:r>
+                                <m:r>
+                                  <a:rPr lang="en-US" altLang="zh-CN" sz="3200" b="0" i="1" smtClean="0">
+                                    <a:latin typeface="Cambria Math" panose="02040503050406030204" pitchFamily="18" charset="0"/>
+                                  </a:rPr>
+                                  <m:t>−</m:t>
+                                </m:r>
+                                <m:r>
+                                  <a:rPr lang="en-US" altLang="zh-CN" sz="3200" b="0" i="1" smtClean="0">
+                                    <a:latin typeface="Cambria Math" panose="02040503050406030204" pitchFamily="18" charset="0"/>
+                                  </a:rPr>
+                                  <m:t>𝜏</m:t>
+                                </m:r>
+                              </m:sup>
+                            </m:sSup>
+                          </m:e>
+                        </m:d>
                         <m:r>
-                          <a:rPr xmlns:a="http://schemas.openxmlformats.org/drawingml/2006/main" sz="2200" i="1">
+                          <a:rPr lang="en-US" altLang="zh-CN" sz="3200" b="0" i="1" smtClean="0">
+                            <a:latin typeface="Cambria Math" panose="02040503050406030204" pitchFamily="18" charset="0"/>
+                          </a:rPr>
+                          <m:t>=</m:t>
+                        </m:r>
+                        <m:sSubSup>
+                          <m:sSubSupPr>
+                            <m:ctrlPr>
+                              <a:rPr lang="en-US" altLang="zh-CN" sz="3200" b="0" i="1" smtClean="0">
+                                <a:latin typeface="Cambria Math" panose="02040503050406030204" pitchFamily="18" charset="0"/>
+                              </a:rPr>
+                            </m:ctrlPr>
+                          </m:sSubSupPr>
+                          <m:e>
+                            <m:r>
+                              <a:rPr lang="en-US" altLang="zh-CN" sz="3200" b="0" i="1" smtClean="0">
+                                <a:latin typeface="Cambria Math" panose="02040503050406030204" pitchFamily="18" charset="0"/>
+                              </a:rPr>
+                              <m:t>𝜃</m:t>
+                            </m:r>
+                          </m:e>
+                          <m:sub>
+                            <m:r>
+                              <a:rPr lang="en-US" altLang="zh-CN" sz="3200" b="0" i="1" smtClean="0">
+                                <a:latin typeface="Cambria Math" panose="02040503050406030204" pitchFamily="18" charset="0"/>
+                              </a:rPr>
+                              <m:t>𝐹</m:t>
+                            </m:r>
+                          </m:sub>
+                          <m:sup>
+                            <m:r>
+                              <a:rPr lang="en-US" altLang="zh-CN" sz="3200" b="0" i="1" smtClean="0">
+                                <a:latin typeface="Cambria Math" panose="02040503050406030204" pitchFamily="18" charset="0"/>
+                                <a:ea typeface="Cambria Math" panose="02040503050406030204" pitchFamily="18" charset="0"/>
+                              </a:rPr>
+                              <m:t>⊺</m:t>
+                            </m:r>
+                          </m:sup>
+                        </m:sSubSup>
+                        <m:r>
+                          <a:rPr lang="en-US" altLang="zh-CN" sz="3200" b="1" i="1" smtClean="0">
+                            <a:latin typeface="Cambria Math" panose="02040503050406030204" pitchFamily="18" charset="0"/>
+                          </a:rPr>
+                          <m:t>𝝓</m:t>
+                        </m:r>
+                        <m:r>
+                          <a:rPr lang="en-US" altLang="zh-CN" sz="3200" b="0" i="1" smtClean="0">
+                            <a:latin typeface="Cambria Math" panose="02040503050406030204" pitchFamily="18" charset="0"/>
+                          </a:rPr>
+                          <m:t>(</m:t>
+                        </m:r>
+                        <m:sSubSup>
+                          <m:sSubSupPr>
+                            <m:ctrlPr>
+                              <a:rPr lang="en-US" altLang="zh-CN" sz="3200" i="1">
+                                <a:latin typeface="Cambria Math" panose="02040503050406030204" pitchFamily="18" charset="0"/>
+                              </a:rPr>
+                            </m:ctrlPr>
+                          </m:sSubSupPr>
+                          <m:e>
+                            <m:sSubSup>
+                              <m:sSubSupPr>
+                                <m:ctrlPr>
+                                  <a:rPr lang="en-US" altLang="zh-CN" sz="3200" i="1">
+                                    <a:latin typeface="Cambria Math" panose="02040503050406030204" pitchFamily="18" charset="0"/>
+                                  </a:rPr>
+                                </m:ctrlPr>
+                              </m:sSubSupPr>
+                              <m:e>
+                                <m:r>
+                                  <a:rPr lang="en-US" altLang="zh-CN" sz="3200" i="1">
+                                    <a:latin typeface="Cambria Math" panose="02040503050406030204" pitchFamily="18" charset="0"/>
+                                  </a:rPr>
+                                  <m:t>𝑎</m:t>
+                                </m:r>
+                              </m:e>
+                              <m:sub>
+                                <m:r>
+                                  <a:rPr lang="en-US" altLang="zh-CN" sz="3200" i="1">
+                                    <a:latin typeface="Cambria Math" panose="02040503050406030204" pitchFamily="18" charset="0"/>
+                                  </a:rPr>
+                                  <m:t>𝐹</m:t>
+                                </m:r>
+                              </m:sub>
+                              <m:sup>
+                                <m:r>
+                                  <a:rPr lang="en-US" altLang="zh-CN" sz="3200" i="1">
+                                    <a:latin typeface="Cambria Math" panose="02040503050406030204" pitchFamily="18" charset="0"/>
+                                  </a:rPr>
+                                  <m:t>𝑡</m:t>
+                                </m:r>
+                              </m:sup>
+                            </m:sSubSup>
+                            <m:r>
+                              <a:rPr lang="en-US" altLang="zh-CN" sz="3200" i="1">
+                                <a:latin typeface="Cambria Math" panose="02040503050406030204" pitchFamily="18" charset="0"/>
+                              </a:rPr>
+                              <m:t>, </m:t>
+                            </m:r>
+                            <m:r>
+                              <a:rPr lang="en-US" altLang="zh-CN" sz="3200" i="1">
+                                <a:latin typeface="Cambria Math" panose="02040503050406030204" pitchFamily="18" charset="0"/>
+                              </a:rPr>
+                              <m:t>𝑣</m:t>
+                            </m:r>
+                          </m:e>
+                          <m:sub>
+                            <m:r>
+                              <a:rPr lang="en-US" altLang="zh-CN" sz="3200" i="1">
+                                <a:latin typeface="Cambria Math" panose="02040503050406030204" pitchFamily="18" charset="0"/>
+                              </a:rPr>
+                              <m:t>𝐹</m:t>
+                            </m:r>
+                          </m:sub>
+                          <m:sup>
+                            <m:r>
+                              <a:rPr lang="en-US" altLang="zh-CN" sz="3200" i="1">
+                                <a:latin typeface="Cambria Math" panose="02040503050406030204" pitchFamily="18" charset="0"/>
+                              </a:rPr>
+                              <m:t>0</m:t>
+                            </m:r>
+                          </m:sup>
+                        </m:sSubSup>
+                        <m:r>
+                          <a:rPr lang="en-US" altLang="zh-CN" sz="3200" i="1">
+                            <a:latin typeface="Cambria Math" panose="02040503050406030204" pitchFamily="18" charset="0"/>
+                          </a:rPr>
+                          <m:t>,</m:t>
+                        </m:r>
+                        <m:sSubSup>
+                          <m:sSubSupPr>
+                            <m:ctrlPr>
+                              <a:rPr lang="en-US" altLang="zh-CN" sz="3200" i="1">
+                                <a:latin typeface="Cambria Math" panose="02040503050406030204" pitchFamily="18" charset="0"/>
+                              </a:rPr>
+                            </m:ctrlPr>
+                          </m:sSubSupPr>
+                          <m:e>
+                            <m:r>
+                              <a:rPr lang="en-US" altLang="zh-CN" sz="3200" i="1">
+                                <a:latin typeface="Cambria Math" panose="02040503050406030204" pitchFamily="18" charset="0"/>
+                              </a:rPr>
+                              <m:t>𝑣</m:t>
+                            </m:r>
+                          </m:e>
+                          <m:sub>
+                            <m:r>
+                              <a:rPr lang="en-US" altLang="zh-CN" sz="3200" i="1">
+                                <a:latin typeface="Cambria Math" panose="02040503050406030204" pitchFamily="18" charset="0"/>
+                              </a:rPr>
+                              <m:t>𝐿</m:t>
+                            </m:r>
+                          </m:sub>
+                          <m:sup>
+                            <m:r>
+                              <a:rPr lang="en-US" altLang="zh-CN" sz="3200" i="1">
+                                <a:latin typeface="Cambria Math" panose="02040503050406030204" pitchFamily="18" charset="0"/>
+                              </a:rPr>
+                              <m:t>𝑡</m:t>
+                            </m:r>
+                            <m:r>
+                              <a:rPr lang="en-US" altLang="zh-CN" sz="3200" i="1">
+                                <a:latin typeface="Cambria Math" panose="02040503050406030204" pitchFamily="18" charset="0"/>
+                              </a:rPr>
+                              <m:t>−</m:t>
+                            </m:r>
+                            <m:r>
+                              <a:rPr lang="en-US" altLang="zh-CN" sz="3200" i="1">
+                                <a:latin typeface="Cambria Math" panose="02040503050406030204" pitchFamily="18" charset="0"/>
+                              </a:rPr>
+                              <m:t>𝜏</m:t>
+                            </m:r>
+                          </m:sup>
+                        </m:sSubSup>
+                        <m:r>
+                          <a:rPr lang="en-US" altLang="zh-CN" sz="3200" i="1">
+                            <a:latin typeface="Cambria Math" panose="02040503050406030204" pitchFamily="18" charset="0"/>
+                          </a:rPr>
+                          <m:t>,</m:t>
+                        </m:r>
+                        <m:sSup>
+                          <m:sSupPr>
+                            <m:ctrlPr>
+                              <a:rPr lang="en-US" altLang="zh-CN" sz="3200" i="1">
+                                <a:latin typeface="Cambria Math" panose="02040503050406030204" pitchFamily="18" charset="0"/>
+                              </a:rPr>
+                            </m:ctrlPr>
+                          </m:sSupPr>
+                          <m:e>
+                            <m:r>
+                              <a:rPr lang="en-US" altLang="zh-CN" sz="3200" i="1">
+                                <a:latin typeface="Cambria Math" panose="02040503050406030204" pitchFamily="18" charset="0"/>
+                              </a:rPr>
+                              <m:t>h</m:t>
+                            </m:r>
+                          </m:e>
+                          <m:sup>
+                            <m:r>
+                              <a:rPr lang="en-US" altLang="zh-CN" sz="3200" i="1">
+                                <a:latin typeface="Cambria Math" panose="02040503050406030204" pitchFamily="18" charset="0"/>
+                              </a:rPr>
+                              <m:t>𝑡</m:t>
+                            </m:r>
+                            <m:r>
+                              <a:rPr lang="en-US" altLang="zh-CN" sz="3200" i="1">
+                                <a:latin typeface="Cambria Math" panose="02040503050406030204" pitchFamily="18" charset="0"/>
+                              </a:rPr>
+                              <m:t>−</m:t>
+                            </m:r>
+                            <m:r>
+                              <a:rPr lang="en-US" altLang="zh-CN" sz="3200" i="1">
+                                <a:latin typeface="Cambria Math" panose="02040503050406030204" pitchFamily="18" charset="0"/>
+                              </a:rPr>
+                              <m:t>𝜏</m:t>
+                            </m:r>
+                          </m:sup>
+                        </m:sSup>
+                        <m:r>
+                          <a:rPr lang="en-US" altLang="zh-CN" sz="3200" b="0" i="1" smtClean="0">
+                            <a:latin typeface="Cambria Math" panose="02040503050406030204" pitchFamily="18" charset="0"/>
+                          </a:rPr>
+                          <m:t>)</m:t>
+                        </m:r>
+                      </m:oMath>
+                    </m:oMathPara>
+                  </a14:m>
+                  <a:endParaRPr lang="zh-CN" altLang="en-US" sz="2800" dirty="0"/>
+                </a:p>
+              </p:txBody>
+            </p:sp>
+          </mc:Choice>
+          <mc:Fallback>
+            <p:sp>
+              <p:nvSpPr>
+                <p:cNvPr id="21" name="TextBox 20">
+                  <a:extLst>
+                    <a:ext uri="{FF2B5EF4-FFF2-40B4-BE49-F238E27FC236}">
+                      <a16:creationId xmlns:a16="http://schemas.microsoft.com/office/drawing/2014/main" id="{770CC5D6-2F44-4618-8784-43E3FDC2E552}"/>
+                    </a:ext>
+                  </a:extLst>
+                </p:cNvPr>
+                <p:cNvSpPr txBox="1">
+                  <a:spLocks noRot="1" noChangeAspect="1" noMove="1" noResize="1" noEditPoints="1" noAdjustHandles="1" noChangeArrowheads="1" noChangeShapeType="1" noTextEdit="1"/>
+                </p:cNvSpPr>
+                <p:nvPr/>
+              </p:nvSpPr>
+              <p:spPr>
+                <a:xfrm>
+                  <a:off x="2360785" y="6912005"/>
+                  <a:ext cx="8283230" cy="555858"/>
+                </a:xfrm>
+                <a:prstGeom prst="rect">
+                  <a:avLst/>
+                </a:prstGeom>
+                <a:blipFill>
+                  <a:blip r:embed="rId8"/>
+                  <a:stretch>
+                    <a:fillRect b="-1099"/>
+                  </a:stretch>
+                </a:blipFill>
+              </p:spPr>
+              <p:txBody>
+                <a:bodyPr/>
+                <a:lstStyle/>
+                <a:p>
+                  <a:r>
+                    <a:rPr lang="zh-CN" altLang="en-US">
+                      <a:noFill/>
+                    </a:rPr>
+                    <a:t> </a:t>
+                  </a:r>
+                </a:p>
+              </p:txBody>
+            </p:sp>
+          </mc:Fallback>
+        </mc:AlternateContent>
+        <p:pic>
+          <p:nvPicPr>
+            <p:cNvPr id="18" name="Picture 17">
+              <a:extLst>
+                <a:ext uri="{FF2B5EF4-FFF2-40B4-BE49-F238E27FC236}">
+                  <a16:creationId xmlns:a16="http://schemas.microsoft.com/office/drawing/2014/main" id="{ACACF873-99A7-43DF-AFFC-6D96C3A2C0B7}"/>
+                </a:ext>
+              </a:extLst>
+            </p:cNvPr>
+            <p:cNvPicPr>
+              <a:picLocks noChangeAspect="1"/>
+            </p:cNvPicPr>
+            <p:nvPr/>
+          </p:nvPicPr>
+          <p:blipFill>
+            <a:blip r:embed="rId9"/>
+            <a:stretch>
+              <a:fillRect/>
+            </a:stretch>
+          </p:blipFill>
+          <p:spPr>
+            <a:xfrm>
+              <a:off x="5994521" y="792739"/>
+              <a:ext cx="6099751" cy="4555651"/>
+            </a:xfrm>
+            <a:prstGeom prst="rect">
+              <a:avLst/>
+            </a:prstGeom>
+          </p:spPr>
+        </p:pic>
+        <p:pic>
+          <p:nvPicPr>
+            <p:cNvPr id="7" name="Graphic 6" descr="Right pointing backhand index ">
+              <a:extLst>
+                <a:ext uri="{FF2B5EF4-FFF2-40B4-BE49-F238E27FC236}">
+                  <a16:creationId xmlns:a16="http://schemas.microsoft.com/office/drawing/2014/main" id="{CC20ECAF-8689-441B-93FA-38A3FD6CE8C8}"/>
+                </a:ext>
+              </a:extLst>
+            </p:cNvPr>
+            <p:cNvPicPr>
+              <a:picLocks noChangeAspect="1"/>
+            </p:cNvPicPr>
+            <p:nvPr/>
+          </p:nvPicPr>
+          <p:blipFill>
+            <a:blip r:embed="rId10">
+              <a:extLst>
+                <a:ext uri="{28A0092B-C50C-407E-A947-70E740481C1C}">
+                  <a14:useLocalDpi xmlns:a14="http://schemas.microsoft.com/office/drawing/2010/main" val="0"/>
+                </a:ext>
+                <a:ext uri="{96DAC541-7B7A-43D3-8B79-37D633B846F1}">
+                  <asvg:svgBlip xmlns:asvg="http://schemas.microsoft.com/office/drawing/2016/SVG/main" r:embed="rId11"/>
+                </a:ext>
+              </a:extLst>
+            </a:blip>
+            <a:stretch>
+              <a:fillRect/>
+            </a:stretch>
+          </p:blipFill>
+          <p:spPr>
+            <a:xfrm rot="1874424">
+              <a:off x="1640390" y="2162262"/>
+              <a:ext cx="914400" cy="914400"/>
+            </a:xfrm>
+            <a:prstGeom prst="rect">
+              <a:avLst/>
+            </a:prstGeom>
+          </p:spPr>
+        </p:pic>
+        <mc:AlternateContent xmlns:mc="http://schemas.openxmlformats.org/markup-compatibility/2006">
+          <mc:Choice xmlns:a14="http://schemas.microsoft.com/office/drawing/2010/main" Requires="a14">
+            <p:sp>
+              <p:nvSpPr>
+                <p:cNvPr id="16" name="Rectangle 15">
+                  <a:extLst>
+                    <a:ext uri="{FF2B5EF4-FFF2-40B4-BE49-F238E27FC236}">
+                      <a16:creationId xmlns:a16="http://schemas.microsoft.com/office/drawing/2014/main" id="{1E634494-AB73-46E0-B4F8-40AB1B4F0906}"/>
+                    </a:ext>
+                  </a:extLst>
+                </p:cNvPr>
+                <p:cNvSpPr/>
+                <p:nvPr/>
+              </p:nvSpPr>
+              <p:spPr>
+                <a:xfrm>
+                  <a:off x="1211605" y="3593679"/>
+                  <a:ext cx="5390963" cy="1009572"/>
+                </a:xfrm>
+                <a:prstGeom prst="rect">
+                  <a:avLst/>
+                </a:prstGeom>
+              </p:spPr>
+              <p:txBody>
+                <a:bodyPr wrap="none">
+                  <a:spAutoFit/>
+                </a:bodyPr>
+                <a:lstStyle/>
+                <a:p>
+                  <a:pPr/>
+                  <a14:m>
+                    <m:oMathPara xmlns:m="http://schemas.openxmlformats.org/officeDocument/2006/math">
+                      <m:oMathParaPr>
+                        <m:jc m:val="centerGroup"/>
+                      </m:oMathParaPr>
+                      <m:oMath xmlns:m="http://schemas.openxmlformats.org/officeDocument/2006/math">
+                        <m:acc>
+                          <m:accPr>
+                            <m:chr m:val="̇"/>
+                            <m:ctrlPr>
+                              <a:rPr lang="en-US" altLang="zh-CN" sz="2800" i="1" smtClean="0">
+                                <a:latin typeface="Cambria Math" panose="02040503050406030204" pitchFamily="18" charset="0"/>
+                              </a:rPr>
+                            </m:ctrlPr>
+                          </m:accPr>
+                          <m:e>
+                            <m:sSub>
+                              <m:sSubPr>
+                                <m:ctrlPr>
+                                  <a:rPr lang="en-US" altLang="zh-CN" sz="2800" b="0" i="1" smtClean="0">
+                                    <a:latin typeface="Cambria Math" panose="02040503050406030204" pitchFamily="18" charset="0"/>
+                                  </a:rPr>
+                                </m:ctrlPr>
+                              </m:sSubPr>
+                              <m:e>
+                                <m:r>
+                                  <a:rPr lang="en-US" altLang="zh-CN" sz="2800" b="0" i="1" smtClean="0">
+                                    <a:latin typeface="Cambria Math" panose="02040503050406030204" pitchFamily="18" charset="0"/>
+                                  </a:rPr>
+                                  <m:t>𝑣</m:t>
+                                </m:r>
+                              </m:e>
+                              <m:sub>
+                                <m:r>
+                                  <a:rPr lang="en-US" altLang="zh-CN" sz="2800" b="0" i="1" smtClean="0">
+                                    <a:latin typeface="Cambria Math" panose="02040503050406030204" pitchFamily="18" charset="0"/>
+                                  </a:rPr>
+                                  <m:t>1</m:t>
+                                </m:r>
+                              </m:sub>
+                            </m:sSub>
+                          </m:e>
+                        </m:acc>
+                        <m:d>
+                          <m:dPr>
+                            <m:ctrlPr>
+                              <a:rPr lang="en-US" altLang="zh-CN" sz="2800" i="1">
+                                <a:latin typeface="Cambria Math" panose="02040503050406030204" pitchFamily="18" charset="0"/>
+                              </a:rPr>
+                            </m:ctrlPr>
+                          </m:dPr>
+                          <m:e>
+                            <m:r>
+                              <a:rPr lang="en-US" altLang="zh-CN" sz="2800" i="1">
+                                <a:latin typeface="Cambria Math"/>
+                              </a:rPr>
+                              <m:t>𝑡</m:t>
+                            </m:r>
+                          </m:e>
+                        </m:d>
+                        <m:r>
+                          <a:rPr lang="en-US" altLang="zh-CN" sz="2800" i="1">
+                            <a:latin typeface="Cambria Math"/>
+                          </a:rPr>
+                          <m:t>=</m:t>
+                        </m:r>
+                        <m:r>
+                          <a:rPr lang="en-US" altLang="zh-CN" sz="2800" i="1">
                             <a:solidFill>
-                              <a:srgbClr val="000000"/>
+                              <a:schemeClr val="tx1"/>
+                            </a:solidFill>
+                            <a:latin typeface="Cambria Math"/>
+                            <a:ea typeface="Cambria Math"/>
+                          </a:rPr>
+                          <m:t>𝛽</m:t>
+                        </m:r>
+                        <m:d>
+                          <m:dPr>
+                            <m:ctrlPr>
+                              <a:rPr lang="en-US" altLang="zh-CN" sz="2800" i="1">
+                                <a:solidFill>
+                                  <a:schemeClr val="tx1"/>
+                                </a:solidFill>
+                                <a:latin typeface="Cambria Math" panose="02040503050406030204" pitchFamily="18" charset="0"/>
+                                <a:ea typeface="Cambria Math"/>
+                              </a:rPr>
+                            </m:ctrlPr>
+                          </m:dPr>
+                          <m:e>
+                            <m:sSub>
+                              <m:sSubPr>
+                                <m:ctrlPr>
+                                  <a:rPr lang="en-US" altLang="zh-CN" sz="2800" i="1">
+                                    <a:solidFill>
+                                      <a:schemeClr val="tx1"/>
+                                    </a:solidFill>
+                                    <a:latin typeface="Cambria Math" panose="02040503050406030204" pitchFamily="18" charset="0"/>
+                                    <a:ea typeface="Cambria Math"/>
+                                  </a:rPr>
+                                </m:ctrlPr>
+                              </m:sSubPr>
+                              <m:e>
+                                <m:r>
+                                  <a:rPr lang="en-US" altLang="zh-CN" sz="2800" i="1">
+                                    <a:solidFill>
+                                      <a:schemeClr val="tx1"/>
+                                    </a:solidFill>
+                                    <a:latin typeface="Cambria Math" panose="02040503050406030204" pitchFamily="18" charset="0"/>
+                                  </a:rPr>
+                                  <m:t>𝑣</m:t>
+                                </m:r>
+                              </m:e>
+                              <m:sub>
+                                <m:r>
+                                  <a:rPr lang="en-US" altLang="zh-CN" sz="2800" b="0" i="1" smtClean="0">
+                                    <a:solidFill>
+                                      <a:schemeClr val="tx1"/>
+                                    </a:solidFill>
+                                    <a:latin typeface="Cambria Math" panose="02040503050406030204" pitchFamily="18" charset="0"/>
+                                  </a:rPr>
+                                  <m:t>2</m:t>
+                                </m:r>
+                              </m:sub>
+                            </m:sSub>
+                            <m:d>
+                              <m:dPr>
+                                <m:ctrlPr>
+                                  <a:rPr lang="en-US" altLang="zh-CN" sz="2800" i="1">
+                                    <a:solidFill>
+                                      <a:schemeClr val="tx1"/>
+                                    </a:solidFill>
+                                    <a:latin typeface="Cambria Math" panose="02040503050406030204" pitchFamily="18" charset="0"/>
+                                  </a:rPr>
+                                </m:ctrlPr>
+                              </m:dPr>
+                              <m:e>
+                                <m:r>
+                                  <a:rPr lang="en-US" altLang="zh-CN" sz="2800" i="1">
+                                    <a:solidFill>
+                                      <a:schemeClr val="tx1"/>
+                                    </a:solidFill>
+                                    <a:latin typeface="Cambria Math"/>
+                                  </a:rPr>
+                                  <m:t>𝑡</m:t>
+                                </m:r>
+                                <m:r>
+                                  <a:rPr lang="en-US" altLang="zh-CN" sz="2800" i="1">
+                                    <a:solidFill>
+                                      <a:schemeClr val="tx1"/>
+                                    </a:solidFill>
+                                    <a:latin typeface="Cambria Math"/>
+                                  </a:rPr>
+                                  <m:t>−</m:t>
+                                </m:r>
+                                <m:r>
+                                  <a:rPr lang="en-US" altLang="zh-CN" sz="2800" i="1">
+                                    <a:solidFill>
+                                      <a:schemeClr val="tx1"/>
+                                    </a:solidFill>
+                                    <a:latin typeface="Cambria Math"/>
+                                    <a:ea typeface="Cambria Math"/>
+                                  </a:rPr>
+                                  <m:t>𝜏</m:t>
+                                </m:r>
+                              </m:e>
+                            </m:d>
+                            <m:sSub>
+                              <m:sSubPr>
+                                <m:ctrlPr>
+                                  <a:rPr lang="en-US" altLang="zh-CN" sz="2800" i="1">
+                                    <a:solidFill>
+                                      <a:schemeClr val="tx1"/>
+                                    </a:solidFill>
+                                    <a:latin typeface="Cambria Math" panose="02040503050406030204" pitchFamily="18" charset="0"/>
+                                  </a:rPr>
+                                </m:ctrlPr>
+                              </m:sSubPr>
+                              <m:e>
+                                <m:r>
+                                  <a:rPr lang="en-US" altLang="zh-CN" sz="2800" i="1">
+                                    <a:solidFill>
+                                      <a:schemeClr val="tx1"/>
+                                    </a:solidFill>
+                                    <a:latin typeface="Cambria Math"/>
+                                  </a:rPr>
+                                  <m:t>−</m:t>
+                                </m:r>
+                                <m:r>
+                                  <a:rPr lang="en-US" altLang="zh-CN" sz="2800" i="1">
+                                    <a:solidFill>
+                                      <a:schemeClr val="tx1"/>
+                                    </a:solidFill>
+                                    <a:latin typeface="Cambria Math" panose="02040503050406030204" pitchFamily="18" charset="0"/>
+                                  </a:rPr>
+                                  <m:t> </m:t>
+                                </m:r>
+                                <m:r>
+                                  <a:rPr lang="en-US" altLang="zh-CN" sz="2800" i="1">
+                                    <a:solidFill>
+                                      <a:schemeClr val="tx1"/>
+                                    </a:solidFill>
+                                    <a:latin typeface="Cambria Math" panose="02040503050406030204" pitchFamily="18" charset="0"/>
+                                  </a:rPr>
+                                  <m:t>𝑣</m:t>
+                                </m:r>
+                              </m:e>
+                              <m:sub>
+                                <m:r>
+                                  <a:rPr lang="en-US" altLang="zh-CN" sz="2800" b="0" i="1" smtClean="0">
+                                    <a:solidFill>
+                                      <a:schemeClr val="tx1"/>
+                                    </a:solidFill>
+                                    <a:latin typeface="Cambria Math" panose="02040503050406030204" pitchFamily="18" charset="0"/>
+                                  </a:rPr>
+                                  <m:t>1</m:t>
+                                </m:r>
+                              </m:sub>
+                            </m:sSub>
+                            <m:d>
+                              <m:dPr>
+                                <m:ctrlPr>
+                                  <a:rPr lang="en-US" altLang="zh-CN" sz="2800" i="1">
+                                    <a:solidFill>
+                                      <a:schemeClr val="tx1"/>
+                                    </a:solidFill>
+                                    <a:latin typeface="Cambria Math" panose="02040503050406030204" pitchFamily="18" charset="0"/>
+                                  </a:rPr>
+                                </m:ctrlPr>
+                              </m:dPr>
+                              <m:e>
+                                <m:r>
+                                  <a:rPr lang="en-US" altLang="zh-CN" sz="2800" i="1">
+                                    <a:solidFill>
+                                      <a:schemeClr val="tx1"/>
+                                    </a:solidFill>
+                                    <a:latin typeface="Cambria Math"/>
+                                  </a:rPr>
+                                  <m:t>𝑡</m:t>
+                                </m:r>
+                                <m:r>
+                                  <a:rPr lang="en-US" altLang="zh-CN" sz="2800" i="1">
+                                    <a:solidFill>
+                                      <a:schemeClr val="tx1"/>
+                                    </a:solidFill>
+                                    <a:latin typeface="Cambria Math"/>
+                                  </a:rPr>
+                                  <m:t>−</m:t>
+                                </m:r>
+                                <m:r>
+                                  <a:rPr lang="en-US" altLang="zh-CN" sz="2800" i="1">
+                                    <a:solidFill>
+                                      <a:schemeClr val="tx1"/>
+                                    </a:solidFill>
+                                    <a:latin typeface="Cambria Math"/>
+                                    <a:ea typeface="Cambria Math"/>
+                                  </a:rPr>
+                                  <m:t>𝜏</m:t>
+                                </m:r>
+                              </m:e>
+                            </m:d>
+                          </m:e>
+                        </m:d>
+                      </m:oMath>
+                    </m:oMathPara>
+                  </a14:m>
+                  <a:endParaRPr lang="en-US" altLang="zh-CN" sz="2800" i="1" dirty="0">
+                    <a:solidFill>
+                      <a:schemeClr val="tx1"/>
+                    </a:solidFill>
+                    <a:latin typeface="Cambria Math" panose="02040503050406030204" pitchFamily="18" charset="0"/>
+                    <a:ea typeface="Cambria Math"/>
+                  </a:endParaRPr>
+                </a:p>
+                <a:p>
+                  <a:pPr/>
+                  <a14:m>
+                    <m:oMathPara xmlns:m="http://schemas.openxmlformats.org/officeDocument/2006/math">
+                      <m:oMathParaPr>
+                        <m:jc m:val="centerGroup"/>
+                      </m:oMathParaPr>
+                      <m:oMath xmlns:m="http://schemas.openxmlformats.org/officeDocument/2006/math">
+                        <m:r>
+                          <a:rPr lang="en-US" altLang="zh-CN" sz="2800" b="1" i="1" smtClean="0">
+                            <a:solidFill>
+                              <a:schemeClr val="tx1"/>
+                            </a:solidFill>
+                            <a:latin typeface="Cambria Math" panose="02040503050406030204" pitchFamily="18" charset="0"/>
+                            <a:ea typeface="Cambria Math"/>
+                          </a:rPr>
+                          <m:t>+</m:t>
+                        </m:r>
+                        <m:acc>
+                          <m:accPr>
+                            <m:chr m:val="̇"/>
+                            <m:ctrlPr>
+                              <a:rPr lang="en-US" altLang="zh-CN" sz="2800" i="1" smtClean="0">
+                                <a:solidFill>
+                                  <a:schemeClr val="tx1"/>
+                                </a:solidFill>
+                                <a:latin typeface="Cambria Math" panose="02040503050406030204" pitchFamily="18" charset="0"/>
+                              </a:rPr>
+                            </m:ctrlPr>
+                          </m:accPr>
+                          <m:e>
+                            <m:r>
+                              <a:rPr lang="en-US" altLang="zh-CN" sz="2800" b="0" i="1" smtClean="0">
+                                <a:solidFill>
+                                  <a:schemeClr val="tx1"/>
+                                </a:solidFill>
+                                <a:latin typeface="Cambria Math" panose="02040503050406030204" pitchFamily="18" charset="0"/>
+                              </a:rPr>
+                              <m:t>𝛾</m:t>
+                            </m:r>
+                            <m:sSub>
+                              <m:sSubPr>
+                                <m:ctrlPr>
+                                  <a:rPr lang="en-US" altLang="zh-CN" sz="2800" i="1" smtClean="0">
+                                    <a:solidFill>
+                                      <a:schemeClr val="tx1"/>
+                                    </a:solidFill>
+                                    <a:latin typeface="Cambria Math" panose="02040503050406030204" pitchFamily="18" charset="0"/>
+                                  </a:rPr>
+                                </m:ctrlPr>
+                              </m:sSubPr>
+                              <m:e>
+                                <m:r>
+                                  <a:rPr lang="en-US" altLang="zh-CN" sz="2800" i="1">
+                                    <a:solidFill>
+                                      <a:schemeClr val="tx1"/>
+                                    </a:solidFill>
+                                    <a:latin typeface="Cambria Math" panose="02040503050406030204" pitchFamily="18" charset="0"/>
+                                  </a:rPr>
+                                  <m:t>𝑣</m:t>
+                                </m:r>
+                              </m:e>
+                              <m:sub>
+                                <m:r>
+                                  <a:rPr lang="en-US" altLang="zh-CN" sz="2800" b="0" i="1" smtClean="0">
+                                    <a:solidFill>
+                                      <a:schemeClr val="tx1"/>
+                                    </a:solidFill>
+                                    <a:latin typeface="Cambria Math" panose="02040503050406030204" pitchFamily="18" charset="0"/>
+                                  </a:rPr>
+                                  <m:t>2</m:t>
+                                </m:r>
+                              </m:sub>
+                            </m:sSub>
+                          </m:e>
+                        </m:acc>
+                        <m:r>
+                          <a:rPr lang="en-US" altLang="zh-CN" sz="2800" b="1" i="1">
+                            <a:solidFill>
+                              <a:schemeClr val="tx1"/>
+                            </a:solidFill>
+                            <a:latin typeface="Cambria Math"/>
+                          </a:rPr>
+                          <m:t>(</m:t>
+                        </m:r>
+                        <m:r>
+                          <a:rPr lang="en-US" altLang="zh-CN" sz="2800" b="0" i="1">
+                            <a:solidFill>
+                              <a:schemeClr val="tx1"/>
+                            </a:solidFill>
+                            <a:latin typeface="Cambria Math"/>
+                          </a:rPr>
+                          <m:t>𝑡</m:t>
+                        </m:r>
+                        <m:r>
+                          <a:rPr lang="en-US" altLang="zh-CN" sz="2800" b="1" i="1">
+                            <a:solidFill>
+                              <a:schemeClr val="tx1"/>
+                            </a:solidFill>
+                            <a:latin typeface="Cambria Math"/>
+                          </a:rPr>
+                          <m:t>−</m:t>
+                        </m:r>
+                        <m:sSub>
+                          <m:sSubPr>
+                            <m:ctrlPr>
+                              <a:rPr lang="en-US" altLang="zh-CN" sz="2800" b="0" i="1" smtClean="0">
+                                <a:solidFill>
+                                  <a:schemeClr val="tx1"/>
+                                </a:solidFill>
+                                <a:latin typeface="Cambria Math" panose="02040503050406030204" pitchFamily="18" charset="0"/>
+                              </a:rPr>
+                            </m:ctrlPr>
+                          </m:sSubPr>
+                          <m:e>
+                            <m:r>
+                              <a:rPr lang="en-US" altLang="zh-CN" sz="2800" b="0" i="1" smtClean="0">
+                                <a:solidFill>
+                                  <a:schemeClr val="tx1"/>
+                                </a:solidFill>
+                                <a:latin typeface="Cambria Math" panose="02040503050406030204" pitchFamily="18" charset="0"/>
+                              </a:rPr>
+                              <m:t>𝜎</m:t>
+                            </m:r>
+                          </m:e>
+                          <m:sub>
+                            <m:r>
+                              <a:rPr lang="en-US" altLang="zh-CN" sz="2800" b="0" i="1" smtClean="0">
+                                <a:solidFill>
+                                  <a:schemeClr val="tx1"/>
+                                </a:solidFill>
+                                <a:latin typeface="Cambria Math" panose="02040503050406030204" pitchFamily="18" charset="0"/>
+                              </a:rPr>
+                              <m:t>2</m:t>
+                            </m:r>
+                          </m:sub>
+                        </m:sSub>
+                        <m:r>
+                          <a:rPr lang="en-US" altLang="zh-CN" sz="2800" b="0" i="0" smtClean="0">
+                            <a:solidFill>
+                              <a:schemeClr val="tx1"/>
                             </a:solidFill>
                             <a:latin typeface="Cambria Math" panose="02040503050406030204" pitchFamily="18" charset="0"/>
                           </a:rPr>
-                          <m:t>v</m:t>
+                          <m:t>)</m:t>
                         </m:r>
-                      </m:e>
-                      <m:sup>
-                        <m:r>
-                          <a:rPr xmlns:a="http://schemas.openxmlformats.org/drawingml/2006/main" sz="2200" i="1">
-                            <a:solidFill>
-                              <a:srgbClr val="000000"/>
-                            </a:solidFill>
-                            <a:latin typeface="Cambria Math" panose="02040503050406030204" pitchFamily="18" charset="0"/>
-                          </a:rPr>
-                          <m:t>t</m:t>
-                        </m:r>
-                      </m:sup>
-                    </m:sSup>
-                    <m:r>
-                      <a:rPr xmlns:a="http://schemas.openxmlformats.org/drawingml/2006/main" sz="2200" i="1">
-                        <a:solidFill>
-                          <a:srgbClr val="000000"/>
-                        </a:solidFill>
-                        <a:latin typeface="Cambria Math" panose="02040503050406030204" pitchFamily="18" charset="0"/>
-                      </a:rPr>
-                      <m:t>-</m:t>
-                    </m:r>
-                    <m:sSup>
-                      <m:e>
-                        <m:r>
-                          <a:rPr xmlns:a="http://schemas.openxmlformats.org/drawingml/2006/main" sz="2200" i="1">
-                            <a:solidFill>
-                              <a:srgbClr val="000000"/>
-                            </a:solidFill>
-                            <a:latin typeface="Cambria Math" panose="02040503050406030204" pitchFamily="18" charset="0"/>
-                          </a:rPr>
-                          <m:t>v</m:t>
-                        </m:r>
-                      </m:e>
-                      <m:sup>
-                        <m:r>
-                          <a:rPr xmlns:a="http://schemas.openxmlformats.org/drawingml/2006/main" sz="2200" i="1">
-                            <a:solidFill>
-                              <a:srgbClr val="000000"/>
-                            </a:solidFill>
-                            <a:latin typeface="Cambria Math" panose="02040503050406030204" pitchFamily="18" charset="0"/>
-                          </a:rPr>
-                          <m:t>t</m:t>
-                        </m:r>
-                        <m:r>
-                          <a:rPr xmlns:a="http://schemas.openxmlformats.org/drawingml/2006/main" sz="2200" i="1">
-                            <a:solidFill>
-                              <a:srgbClr val="000000"/>
-                            </a:solidFill>
-                            <a:latin typeface="Cambria Math" panose="02040503050406030204" pitchFamily="18" charset="0"/>
-                          </a:rPr>
-                          <m:t>-</m:t>
-                        </m:r>
-                        <m:r>
-                          <a:rPr xmlns:a="http://schemas.openxmlformats.org/drawingml/2006/main" sz="2200" i="1">
-                            <a:solidFill>
-                              <a:srgbClr val="000000"/>
-                            </a:solidFill>
-                            <a:latin typeface="Cambria Math" panose="02040503050406030204" pitchFamily="18" charset="0"/>
-                          </a:rPr>
-                          <m:t>1</m:t>
-                        </m:r>
-                      </m:sup>
-                    </m:sSup>
-                    <m:r>
-                      <a:rPr xmlns:a="http://schemas.openxmlformats.org/drawingml/2006/main" sz="2200" i="1">
-                        <a:solidFill>
-                          <a:srgbClr val="000000"/>
-                        </a:solidFill>
-                        <a:latin typeface="Cambria Math" panose="02040503050406030204" pitchFamily="18" charset="0"/>
-                      </a:rPr>
-                      <m:t>|</m:t>
-                    </m:r>
-                    <m:r>
-                      <a:rPr xmlns:a="http://schemas.openxmlformats.org/drawingml/2006/main" sz="2200" i="1">
-                        <a:solidFill>
-                          <a:srgbClr val="000000"/>
-                        </a:solidFill>
-                        <a:latin typeface="Cambria Math" panose="02040503050406030204" pitchFamily="18" charset="0"/>
-                      </a:rPr>
-                      <m:t>,</m:t>
-                    </m:r>
-                    <m:r>
-                      <a:rPr xmlns:a="http://schemas.openxmlformats.org/drawingml/2006/main" sz="2200" i="1">
-                        <a:solidFill>
-                          <a:srgbClr val="000000"/>
-                        </a:solidFill>
-                        <a:latin typeface="Cambria Math" panose="02040503050406030204" pitchFamily="18" charset="0"/>
-                      </a:rPr>
-                      <m:t>|</m:t>
-                    </m:r>
-                    <m:sSup>
-                      <m:e>
-                        <m:r>
-                          <a:rPr xmlns:a="http://schemas.openxmlformats.org/drawingml/2006/main" sz="2200" i="1">
-                            <a:solidFill>
-                              <a:srgbClr val="000000"/>
-                            </a:solidFill>
-                            <a:latin typeface="Cambria Math" panose="02040503050406030204" pitchFamily="18" charset="0"/>
-                          </a:rPr>
-                          <m:t>h</m:t>
-                        </m:r>
-                      </m:e>
-                      <m:sup>
-                        <m:r>
-                          <a:rPr xmlns:a="http://schemas.openxmlformats.org/drawingml/2006/main" sz="2200" i="1">
-                            <a:solidFill>
-                              <a:srgbClr val="000000"/>
-                            </a:solidFill>
-                            <a:latin typeface="Cambria Math" panose="02040503050406030204" pitchFamily="18" charset="0"/>
-                          </a:rPr>
-                          <m:t>t</m:t>
-                        </m:r>
-                        <m:r>
-                          <a:rPr xmlns:a="http://schemas.openxmlformats.org/drawingml/2006/main" sz="2200" i="1">
-                            <a:solidFill>
-                              <a:srgbClr val="000000"/>
-                            </a:solidFill>
-                            <a:latin typeface="Cambria Math" panose="02040503050406030204" pitchFamily="18" charset="0"/>
-                          </a:rPr>
-                          <m:t>-</m:t>
-                        </m:r>
-                        <m:r>
-                          <a:rPr xmlns:a="http://schemas.openxmlformats.org/drawingml/2006/main" sz="2200" i="1">
-                            <a:solidFill>
-                              <a:srgbClr val="000000"/>
-                            </a:solidFill>
-                            <a:latin typeface="Cambria Math" panose="02040503050406030204" pitchFamily="18" charset="0"/>
-                          </a:rPr>
-                          <m:t>τ</m:t>
-                        </m:r>
-                      </m:sup>
-                    </m:sSup>
-                    <m:r>
-                      <a:rPr xmlns:a="http://schemas.openxmlformats.org/drawingml/2006/main" sz="2200" i="1">
-                        <a:solidFill>
-                          <a:srgbClr val="000000"/>
-                        </a:solidFill>
-                        <a:latin typeface="Cambria Math" panose="02040503050406030204" pitchFamily="18" charset="0"/>
-                      </a:rPr>
-                      <m:t>-</m:t>
-                    </m:r>
-                    <m:sSup>
-                      <m:e>
-                        <m:r>
-                          <a:rPr xmlns:a="http://schemas.openxmlformats.org/drawingml/2006/main" sz="2200" i="1">
-                            <a:solidFill>
-                              <a:srgbClr val="000000"/>
-                            </a:solidFill>
-                            <a:latin typeface="Cambria Math" panose="02040503050406030204" pitchFamily="18" charset="0"/>
-                          </a:rPr>
-                          <m:t>h</m:t>
-                        </m:r>
-                      </m:e>
-                      <m:sup>
-                        <m:r>
-                          <a:rPr xmlns:a="http://schemas.openxmlformats.org/drawingml/2006/main" sz="2200" i="1">
-                            <a:solidFill>
-                              <a:srgbClr val="000000"/>
-                            </a:solidFill>
-                            <a:latin typeface="Cambria Math" panose="02040503050406030204" pitchFamily="18" charset="0"/>
-                          </a:rPr>
-                          <m:t>0</m:t>
-                        </m:r>
-                      </m:sup>
-                    </m:sSup>
-                    <m:r>
-                      <a:rPr xmlns:a="http://schemas.openxmlformats.org/drawingml/2006/main" sz="2200" i="1">
-                        <a:solidFill>
-                          <a:srgbClr val="000000"/>
-                        </a:solidFill>
-                        <a:latin typeface="Cambria Math" panose="02040503050406030204" pitchFamily="18" charset="0"/>
-                      </a:rPr>
-                      <m:t>|</m:t>
-                    </m:r>
-                    <m:r>
-                      <a:rPr xmlns:a="http://schemas.openxmlformats.org/drawingml/2006/main" sz="2200" i="1">
-                        <a:solidFill>
-                          <a:srgbClr val="000000"/>
-                        </a:solidFill>
-                        <a:latin typeface="Cambria Math" panose="02040503050406030204" pitchFamily="18" charset="0"/>
-                      </a:rPr>
-                      <m:t>]</m:t>
-                    </m:r>
-                  </m:oMath>
-                </m:oMathPara>
-              </a14:m>
-              <a:endParaRPr sz="2200"/>
-            </a:p>
-          </p:txBody>
-        </p:sp>
+                      </m:oMath>
+                    </m:oMathPara>
+                  </a14:m>
+                  <a:endParaRPr lang="zh-CN" altLang="en-US" sz="2800" dirty="0"/>
+                </a:p>
+              </p:txBody>
+            </p:sp>
+          </mc:Choice>
+          <mc:Fallback>
+            <p:sp>
+              <p:nvSpPr>
+                <p:cNvPr id="16" name="Rectangle 15">
+                  <a:extLst>
+                    <a:ext uri="{FF2B5EF4-FFF2-40B4-BE49-F238E27FC236}">
+                      <a16:creationId xmlns:a16="http://schemas.microsoft.com/office/drawing/2014/main" id="{1E634494-AB73-46E0-B4F8-40AB1B4F0906}"/>
+                    </a:ext>
+                  </a:extLst>
+                </p:cNvPr>
+                <p:cNvSpPr>
+                  <a:spLocks noRot="1" noChangeAspect="1" noMove="1" noResize="1" noEditPoints="1" noAdjustHandles="1" noChangeArrowheads="1" noChangeShapeType="1" noTextEdit="1"/>
+                </p:cNvSpPr>
+                <p:nvPr/>
+              </p:nvSpPr>
+              <p:spPr>
+                <a:xfrm>
+                  <a:off x="1211605" y="3593679"/>
+                  <a:ext cx="5390963" cy="1009572"/>
+                </a:xfrm>
+                <a:prstGeom prst="rect">
+                  <a:avLst/>
+                </a:prstGeom>
+                <a:blipFill>
+                  <a:blip r:embed="rId12"/>
+                  <a:stretch>
+                    <a:fillRect/>
+                  </a:stretch>
+                </a:blipFill>
+              </p:spPr>
+              <p:txBody>
+                <a:bodyPr/>
+                <a:lstStyle/>
+                <a:p>
+                  <a:r>
+                    <a:rPr lang="zh-CN" altLang="en-US">
+                      <a:noFill/>
+                    </a:rPr>
+                    <a:t> </a:t>
+                  </a:r>
+                </a:p>
+              </p:txBody>
+            </p:sp>
+          </mc:Fallback>
+        </mc:AlternateContent>
       </p:grpSp>
     </p:spTree>
   </p:cSld>
   <p:clrMapOvr>
     <a:masterClrMapping/>
   </p:clrMapOvr>
-  <p:transition xmlns:p14="http://schemas.microsoft.com/office/powerpoint/2010/main" spd="med" advClick="1"/>
+  <p:transition spd="med"/>
+</p:sld>
+</file>
+
+<file path=ppt/slides/slide2.xml><?xml version="1.0" encoding="utf-8"?>
+<p:sld xmlns:a="http://schemas.openxmlformats.org/drawingml/2006/main" xmlns:r="http://schemas.openxmlformats.org/officeDocument/2006/relationships" xmlns:p="http://schemas.openxmlformats.org/presentationml/2006/main">
+  <p:cSld>
+    <p:spTree>
+      <p:nvGrpSpPr>
+        <p:cNvPr id="1" name=""/>
+        <p:cNvGrpSpPr/>
+        <p:nvPr/>
+      </p:nvGrpSpPr>
+      <p:grpSpPr>
+        <a:xfrm>
+          <a:off x="0" y="0"/>
+          <a:ext cx="0" cy="0"/>
+          <a:chOff x="0" y="0"/>
+          <a:chExt cx="0" cy="0"/>
+        </a:xfrm>
+      </p:grpSpPr>
+      <p:pic>
+        <p:nvPicPr>
+          <p:cNvPr id="28" name="图片 20">
+            <a:extLst>
+              <a:ext uri="{FF2B5EF4-FFF2-40B4-BE49-F238E27FC236}">
+                <a16:creationId xmlns:a16="http://schemas.microsoft.com/office/drawing/2014/main" id="{9F2A410D-124C-430B-A1B2-55E725D35C0C}"/>
+              </a:ext>
+            </a:extLst>
+          </p:cNvPr>
+          <p:cNvPicPr>
+            <a:picLocks noChangeAspect="1"/>
+          </p:cNvPicPr>
+          <p:nvPr/>
+        </p:nvPicPr>
+        <p:blipFill>
+          <a:blip r:embed="rId2">
+            <a:extLst>
+              <a:ext uri="{28A0092B-C50C-407E-A947-70E740481C1C}">
+                <a14:useLocalDpi xmlns:a14="http://schemas.microsoft.com/office/drawing/2010/main" val="0"/>
+              </a:ext>
+            </a:extLst>
+          </a:blip>
+          <a:stretch>
+            <a:fillRect/>
+          </a:stretch>
+        </p:blipFill>
+        <p:spPr>
+          <a:xfrm>
+            <a:off x="3964634" y="6765280"/>
+            <a:ext cx="3840190" cy="2880000"/>
+          </a:xfrm>
+          <a:prstGeom prst="rect">
+            <a:avLst/>
+          </a:prstGeom>
+        </p:spPr>
+      </p:pic>
+      <p:sp>
+        <p:nvSpPr>
+          <p:cNvPr id="22" name="Rectangle 21">
+            <a:extLst>
+              <a:ext uri="{FF2B5EF4-FFF2-40B4-BE49-F238E27FC236}">
+                <a16:creationId xmlns:a16="http://schemas.microsoft.com/office/drawing/2014/main" id="{BCC117EA-B7D9-4DEB-B8BA-F792BD5E412D}"/>
+              </a:ext>
+            </a:extLst>
+          </p:cNvPr>
+          <p:cNvSpPr>
+            <a:spLocks noChangeAspect="1"/>
+          </p:cNvSpPr>
+          <p:nvPr/>
+        </p:nvSpPr>
+        <p:spPr>
+          <a:xfrm rot="10800000">
+            <a:off x="7737359" y="6765280"/>
+            <a:ext cx="5108432" cy="2880000"/>
+          </a:xfrm>
+          <a:prstGeom prst="rect">
+            <a:avLst/>
+          </a:prstGeom>
+          <a:blipFill dpi="0" rotWithShape="1">
+            <a:blip r:embed="rId3" cstate="print">
+              <a:extLst>
+                <a:ext uri="{28A0092B-C50C-407E-A947-70E740481C1C}">
+                  <a14:useLocalDpi xmlns:a14="http://schemas.microsoft.com/office/drawing/2010/main" val="0"/>
+                </a:ext>
+              </a:extLst>
+            </a:blip>
+            <a:srcRect/>
+            <a:stretch>
+              <a:fillRect l="-45992" t="-4" r="-27586" b="-130912"/>
+            </a:stretch>
+          </a:blipFill>
+          <a:ln w="12700" cap="flat">
+            <a:noFill/>
+            <a:miter lim="400000"/>
+          </a:ln>
+          <a:effectLst/>
+          <a:sp3d/>
+        </p:spPr>
+        <p:style>
+          <a:lnRef idx="0">
+            <a:scrgbClr r="0" g="0" b="0"/>
+          </a:lnRef>
+          <a:fillRef idx="0">
+            <a:scrgbClr r="0" g="0" b="0"/>
+          </a:fillRef>
+          <a:effectRef idx="0">
+            <a:scrgbClr r="0" g="0" b="0"/>
+          </a:effectRef>
+          <a:fontRef idx="none"/>
+        </p:style>
+        <p:txBody>
+          <a:bodyPr rot="0" spcFirstLastPara="1" vertOverflow="overflow" horzOverflow="overflow" vert="horz" wrap="square" lIns="50800" tIns="50800" rIns="50800" bIns="50800" numCol="1" spcCol="38100" rtlCol="0" anchor="ctr">
+            <a:spAutoFit/>
+          </a:bodyPr>
+          <a:lstStyle/>
+          <a:p>
+            <a:pPr marL="0" marR="0" indent="0" algn="ctr" defTabSz="584200" rtl="0" fontAlgn="auto" latinLnBrk="0" hangingPunct="0">
+              <a:lnSpc>
+                <a:spcPct val="100000"/>
+              </a:lnSpc>
+              <a:spcBef>
+                <a:spcPts val="0"/>
+              </a:spcBef>
+              <a:spcAft>
+                <a:spcPts val="0"/>
+              </a:spcAft>
+              <a:buClrTx/>
+              <a:buSzTx/>
+              <a:buFontTx/>
+              <a:buNone/>
+              <a:tabLst/>
+            </a:pPr>
+            <a:endParaRPr kumimoji="0" lang="zh-CN" altLang="en-US" sz="2200" b="0" i="0" u="none" strike="noStrike" cap="none" spc="0" normalizeH="0" baseline="0" dirty="0">
+              <a:ln>
+                <a:noFill/>
+              </a:ln>
+              <a:solidFill>
+                <a:srgbClr val="FFFFFF"/>
+              </a:solidFill>
+              <a:effectLst/>
+              <a:uFillTx/>
+              <a:latin typeface="+mn-lt"/>
+              <a:ea typeface="+mn-ea"/>
+              <a:cs typeface="+mn-cs"/>
+              <a:sym typeface="Helvetica Neue Medium"/>
+            </a:endParaRPr>
+          </a:p>
+        </p:txBody>
+      </p:sp>
+      <p:grpSp>
+        <p:nvGrpSpPr>
+          <p:cNvPr id="13" name="Group 12">
+            <a:extLst>
+              <a:ext uri="{FF2B5EF4-FFF2-40B4-BE49-F238E27FC236}">
+                <a16:creationId xmlns:a16="http://schemas.microsoft.com/office/drawing/2014/main" id="{43F8E5BF-9A78-4C31-A5F9-BA3CB270EDF3}"/>
+              </a:ext>
+            </a:extLst>
+          </p:cNvPr>
+          <p:cNvGrpSpPr/>
+          <p:nvPr/>
+        </p:nvGrpSpPr>
+        <p:grpSpPr>
+          <a:xfrm>
+            <a:off x="5547692" y="1462864"/>
+            <a:ext cx="5698207" cy="4205670"/>
+            <a:chOff x="2496562" y="3385188"/>
+            <a:chExt cx="5698207" cy="4205670"/>
+          </a:xfrm>
+        </p:grpSpPr>
+        <p:pic>
+          <p:nvPicPr>
+            <p:cNvPr id="17" name="Picture 2">
+              <a:extLst>
+                <a:ext uri="{FF2B5EF4-FFF2-40B4-BE49-F238E27FC236}">
+                  <a16:creationId xmlns:a16="http://schemas.microsoft.com/office/drawing/2014/main" id="{4B76D72B-02A8-4C6A-B28A-31B5F7E40241}"/>
+                </a:ext>
+              </a:extLst>
+            </p:cNvPr>
+            <p:cNvPicPr>
+              <a:picLocks noChangeAspect="1" noChangeArrowheads="1"/>
+            </p:cNvPicPr>
+            <p:nvPr/>
+          </p:nvPicPr>
+          <p:blipFill>
+            <a:blip r:embed="rId4">
+              <a:extLst>
+                <a:ext uri="{28A0092B-C50C-407E-A947-70E740481C1C}">
+                  <a14:useLocalDpi xmlns:a14="http://schemas.microsoft.com/office/drawing/2010/main" val="0"/>
+                </a:ext>
+              </a:extLst>
+            </a:blip>
+            <a:srcRect/>
+            <a:stretch>
+              <a:fillRect/>
+            </a:stretch>
+          </p:blipFill>
+          <p:spPr bwMode="auto">
+            <a:xfrm>
+              <a:off x="2496562" y="3385188"/>
+              <a:ext cx="5698207" cy="4205670"/>
+            </a:xfrm>
+            <a:prstGeom prst="rect">
+              <a:avLst/>
+            </a:prstGeom>
+            <a:noFill/>
+            <a:ln>
+              <a:noFill/>
+            </a:ln>
+            <a:effectLst/>
+            <a:extLst>
+              <a:ext uri="{909E8E84-426E-40DD-AFC4-6F175D3DCCD1}">
+                <a14:hiddenFill xmlns:a14="http://schemas.microsoft.com/office/drawing/2010/main">
+                  <a:solidFill>
+                    <a:schemeClr val="accent1"/>
+                  </a:solidFill>
+                </a14:hiddenFill>
+              </a:ext>
+              <a:ext uri="{91240B29-F687-4F45-9708-019B960494DF}">
+                <a14:hiddenLine xmlns:a14="http://schemas.microsoft.com/office/drawing/2010/main" w="9525">
+                  <a:solidFill>
+                    <a:schemeClr val="tx1"/>
+                  </a:solidFill>
+                  <a:miter lim="800000"/>
+                  <a:headEnd/>
+                  <a:tailEnd/>
+                </a14:hiddenLine>
+              </a:ext>
+              <a:ext uri="{AF507438-7753-43E0-B8FC-AC1667EBCBE1}">
+                <a14:hiddenEffects xmlns:a14="http://schemas.microsoft.com/office/drawing/2010/main">
+                  <a:effectLst>
+                    <a:outerShdw dist="35921" dir="2700000" algn="ctr" rotWithShape="0">
+                      <a:schemeClr val="bg2"/>
+                    </a:outerShdw>
+                  </a:effectLst>
+                </a14:hiddenEffects>
+              </a:ext>
+            </a:extLst>
+          </p:spPr>
+        </p:pic>
+        <p:cxnSp>
+          <p:nvCxnSpPr>
+            <p:cNvPr id="18" name="直接箭头连接符 21">
+              <a:extLst>
+                <a:ext uri="{FF2B5EF4-FFF2-40B4-BE49-F238E27FC236}">
+                  <a16:creationId xmlns:a16="http://schemas.microsoft.com/office/drawing/2014/main" id="{AED0454E-43E1-4A19-83A9-5239670F420B}"/>
+                </a:ext>
+              </a:extLst>
+            </p:cNvPr>
+            <p:cNvCxnSpPr/>
+            <p:nvPr/>
+          </p:nvCxnSpPr>
+          <p:spPr>
+            <a:xfrm flipV="1">
+              <a:off x="3730273" y="6194241"/>
+              <a:ext cx="0" cy="450600"/>
+            </a:xfrm>
+            <a:prstGeom prst="straightConnector1">
+              <a:avLst/>
+            </a:prstGeom>
+            <a:ln w="57150">
+              <a:solidFill>
+                <a:srgbClr val="FF0000"/>
+              </a:solidFill>
+              <a:tailEnd type="arrow"/>
+            </a:ln>
+          </p:spPr>
+          <p:style>
+            <a:lnRef idx="1">
+              <a:schemeClr val="accent1"/>
+            </a:lnRef>
+            <a:fillRef idx="0">
+              <a:schemeClr val="accent1"/>
+            </a:fillRef>
+            <a:effectRef idx="0">
+              <a:schemeClr val="accent1"/>
+            </a:effectRef>
+            <a:fontRef idx="minor">
+              <a:schemeClr val="tx1"/>
+            </a:fontRef>
+          </p:style>
+        </p:cxnSp>
+        <p:cxnSp>
+          <p:nvCxnSpPr>
+            <p:cNvPr id="19" name="直接箭头连接符 22">
+              <a:extLst>
+                <a:ext uri="{FF2B5EF4-FFF2-40B4-BE49-F238E27FC236}">
+                  <a16:creationId xmlns:a16="http://schemas.microsoft.com/office/drawing/2014/main" id="{3D369FD1-6230-422B-B7EE-89A7889AFB11}"/>
+                </a:ext>
+              </a:extLst>
+            </p:cNvPr>
+            <p:cNvCxnSpPr/>
+            <p:nvPr/>
+          </p:nvCxnSpPr>
+          <p:spPr>
+            <a:xfrm flipH="1">
+              <a:off x="3563528" y="4974987"/>
+              <a:ext cx="2245402" cy="2088231"/>
+            </a:xfrm>
+            <a:prstGeom prst="straightConnector1">
+              <a:avLst/>
+            </a:prstGeom>
+            <a:ln w="57150">
+              <a:solidFill>
+                <a:srgbClr val="FF0000"/>
+              </a:solidFill>
+              <a:tailEnd type="arrow"/>
+            </a:ln>
+          </p:spPr>
+          <p:style>
+            <a:lnRef idx="1">
+              <a:schemeClr val="accent1"/>
+            </a:lnRef>
+            <a:fillRef idx="0">
+              <a:schemeClr val="accent1"/>
+            </a:fillRef>
+            <a:effectRef idx="0">
+              <a:schemeClr val="accent1"/>
+            </a:effectRef>
+            <a:fontRef idx="minor">
+              <a:schemeClr val="tx1"/>
+            </a:fontRef>
+          </p:style>
+        </p:cxnSp>
+      </p:grpSp>
+      <p:sp>
+        <p:nvSpPr>
+          <p:cNvPr id="25" name="Optimal Reward Function">
+            <a:extLst>
+              <a:ext uri="{FF2B5EF4-FFF2-40B4-BE49-F238E27FC236}">
+                <a16:creationId xmlns:a16="http://schemas.microsoft.com/office/drawing/2014/main" id="{1C3D0498-02C9-4724-9784-844E6256F378}"/>
+              </a:ext>
+            </a:extLst>
+          </p:cNvPr>
+          <p:cNvSpPr txBox="1"/>
+          <p:nvPr/>
+        </p:nvSpPr>
+        <p:spPr>
+          <a:xfrm>
+            <a:off x="3757238" y="6101375"/>
+            <a:ext cx="5490324" cy="664347"/>
+          </a:xfrm>
+          <a:prstGeom prst="rect">
+            <a:avLst/>
+          </a:prstGeom>
+          <a:solidFill>
+            <a:srgbClr val="FFFFFF"/>
+          </a:solidFill>
+          <a:ln w="12700" cap="flat">
+            <a:noFill/>
+            <a:miter lim="400000"/>
+          </a:ln>
+          <a:effectLst/>
+          <a:extLst>
+            <a:ext uri="{C572A759-6A51-4108-AA02-DFA0A04FC94B}">
+              <ma14:wrappingTextBoxFlag xmlns:ma14="http://schemas.microsoft.com/office/mac/drawingml/2011/main" xmlns:a14="http://schemas.microsoft.com/office/drawing/2010/main" xmlns:m="http://schemas.openxmlformats.org/officeDocument/2006/math" xmlns="" val="1"/>
+            </a:ext>
+          </a:extLst>
+        </p:spPr>
+        <p:txBody>
+          <a:bodyPr wrap="square" lIns="50800" tIns="50800" rIns="50800" bIns="50800" numCol="1" anchor="ctr">
+            <a:noAutofit/>
+          </a:bodyPr>
+          <a:lstStyle/>
+          <a:p>
+            <a:r>
+              <a:rPr lang="en-US" dirty="0"/>
+              <a:t>Numerical Model + Experiment </a:t>
+            </a:r>
+            <a:endParaRPr dirty="0"/>
+          </a:p>
+        </p:txBody>
+      </p:sp>
+      <p:grpSp>
+        <p:nvGrpSpPr>
+          <p:cNvPr id="3" name="Group 2">
+            <a:extLst>
+              <a:ext uri="{FF2B5EF4-FFF2-40B4-BE49-F238E27FC236}">
+                <a16:creationId xmlns:a16="http://schemas.microsoft.com/office/drawing/2014/main" id="{1FE927A9-203C-4FA8-8C8B-009A930EDED0}"/>
+              </a:ext>
+            </a:extLst>
+          </p:cNvPr>
+          <p:cNvGrpSpPr/>
+          <p:nvPr/>
+        </p:nvGrpSpPr>
+        <p:grpSpPr>
+          <a:xfrm>
+            <a:off x="-190464" y="991824"/>
+            <a:ext cx="6334646" cy="5083890"/>
+            <a:chOff x="-47268" y="452485"/>
+            <a:chExt cx="6334646" cy="5083890"/>
+          </a:xfrm>
+        </p:grpSpPr>
+        <p:pic>
+          <p:nvPicPr>
+            <p:cNvPr id="20" name="Picture 3">
+              <a:extLst>
+                <a:ext uri="{FF2B5EF4-FFF2-40B4-BE49-F238E27FC236}">
+                  <a16:creationId xmlns:a16="http://schemas.microsoft.com/office/drawing/2014/main" id="{5CA8AFDF-C34D-4886-A78C-E02C2913E1B6}"/>
+                </a:ext>
+              </a:extLst>
+            </p:cNvPr>
+            <p:cNvPicPr>
+              <a:picLocks noChangeAspect="1" noChangeArrowheads="1"/>
+            </p:cNvPicPr>
+            <p:nvPr/>
+          </p:nvPicPr>
+          <p:blipFill>
+            <a:blip r:embed="rId5">
+              <a:extLst>
+                <a:ext uri="{28A0092B-C50C-407E-A947-70E740481C1C}">
+                  <a14:useLocalDpi xmlns:a14="http://schemas.microsoft.com/office/drawing/2010/main" val="0"/>
+                </a:ext>
+              </a:extLst>
+            </a:blip>
+            <a:srcRect/>
+            <a:stretch>
+              <a:fillRect/>
+            </a:stretch>
+          </p:blipFill>
+          <p:spPr bwMode="auto">
+            <a:xfrm>
+              <a:off x="-47268" y="788224"/>
+              <a:ext cx="6334646" cy="4748151"/>
+            </a:xfrm>
+            <a:prstGeom prst="rect">
+              <a:avLst/>
+            </a:prstGeom>
+            <a:noFill/>
+            <a:ln>
+              <a:noFill/>
+            </a:ln>
+            <a:effectLst/>
+            <a:extLst>
+              <a:ext uri="{909E8E84-426E-40DD-AFC4-6F175D3DCCD1}">
+                <a14:hiddenFill xmlns:a14="http://schemas.microsoft.com/office/drawing/2010/main">
+                  <a:solidFill>
+                    <a:schemeClr val="accent1"/>
+                  </a:solidFill>
+                </a14:hiddenFill>
+              </a:ext>
+              <a:ext uri="{91240B29-F687-4F45-9708-019B960494DF}">
+                <a14:hiddenLine xmlns:a14="http://schemas.microsoft.com/office/drawing/2010/main" w="9525">
+                  <a:solidFill>
+                    <a:schemeClr val="tx1"/>
+                  </a:solidFill>
+                  <a:miter lim="800000"/>
+                  <a:headEnd/>
+                  <a:tailEnd/>
+                </a14:hiddenLine>
+              </a:ext>
+              <a:ext uri="{AF507438-7753-43E0-B8FC-AC1667EBCBE1}">
+                <a14:hiddenEffects xmlns:a14="http://schemas.microsoft.com/office/drawing/2010/main">
+                  <a:effectLst>
+                    <a:outerShdw dist="35921" dir="2700000" algn="ctr" rotWithShape="0">
+                      <a:schemeClr val="bg2"/>
+                    </a:outerShdw>
+                  </a:effectLst>
+                </a14:hiddenEffects>
+              </a:ext>
+            </a:extLst>
+          </p:spPr>
+        </p:pic>
+        <p:sp>
+          <p:nvSpPr>
+            <p:cNvPr id="2" name="Speech Bubble: Rectangle with Corners Rounded 1">
+              <a:extLst>
+                <a:ext uri="{FF2B5EF4-FFF2-40B4-BE49-F238E27FC236}">
+                  <a16:creationId xmlns:a16="http://schemas.microsoft.com/office/drawing/2014/main" id="{1383B77E-05F3-4D4B-BA12-00E7D875D2D5}"/>
+                </a:ext>
+              </a:extLst>
+            </p:cNvPr>
+            <p:cNvSpPr/>
+            <p:nvPr/>
+          </p:nvSpPr>
+          <p:spPr>
+            <a:xfrm rot="16200000">
+              <a:off x="879708" y="231756"/>
+              <a:ext cx="4748151" cy="5546628"/>
+            </a:xfrm>
+            <a:prstGeom prst="wedgeRoundRectCallout">
+              <a:avLst/>
+            </a:prstGeom>
+            <a:noFill/>
+            <a:ln w="57150" cap="flat">
+              <a:solidFill>
+                <a:schemeClr val="tx1"/>
+              </a:solidFill>
+              <a:miter lim="400000"/>
+            </a:ln>
+            <a:effectLst/>
+            <a:sp3d/>
+          </p:spPr>
+          <p:style>
+            <a:lnRef idx="0">
+              <a:scrgbClr r="0" g="0" b="0"/>
+            </a:lnRef>
+            <a:fillRef idx="0">
+              <a:scrgbClr r="0" g="0" b="0"/>
+            </a:fillRef>
+            <a:effectRef idx="0">
+              <a:scrgbClr r="0" g="0" b="0"/>
+            </a:effectRef>
+            <a:fontRef idx="none"/>
+          </p:style>
+          <p:txBody>
+            <a:bodyPr rot="0" spcFirstLastPara="1" vertOverflow="overflow" horzOverflow="overflow" vert="horz" wrap="square" lIns="50800" tIns="50800" rIns="50800" bIns="50800" numCol="1" spcCol="38100" rtlCol="0" anchor="ctr">
+              <a:spAutoFit/>
+            </a:bodyPr>
+            <a:lstStyle/>
+            <a:p>
+              <a:pPr marL="0" marR="0" indent="0" algn="ctr" defTabSz="584200" rtl="0" fontAlgn="auto" latinLnBrk="0" hangingPunct="0">
+                <a:lnSpc>
+                  <a:spcPct val="100000"/>
+                </a:lnSpc>
+                <a:spcBef>
+                  <a:spcPts val="0"/>
+                </a:spcBef>
+                <a:spcAft>
+                  <a:spcPts val="0"/>
+                </a:spcAft>
+                <a:buClrTx/>
+                <a:buSzTx/>
+                <a:buFontTx/>
+                <a:buNone/>
+                <a:tabLst/>
+              </a:pPr>
+              <a:endParaRPr kumimoji="0" lang="zh-CN" altLang="en-US" sz="2200" b="0" i="0" u="none" strike="noStrike" cap="none" spc="0" normalizeH="0" baseline="0">
+                <a:ln>
+                  <a:noFill/>
+                </a:ln>
+                <a:solidFill>
+                  <a:srgbClr val="FFFFFF"/>
+                </a:solidFill>
+                <a:effectLst/>
+                <a:uFillTx/>
+                <a:latin typeface="+mn-lt"/>
+                <a:ea typeface="+mn-ea"/>
+                <a:cs typeface="+mn-cs"/>
+                <a:sym typeface="Helvetica Neue Medium"/>
+              </a:endParaRPr>
+            </a:p>
+          </p:txBody>
+        </p:sp>
+        <p:sp>
+          <p:nvSpPr>
+            <p:cNvPr id="26" name="Optimal Reward Function">
+              <a:extLst>
+                <a:ext uri="{FF2B5EF4-FFF2-40B4-BE49-F238E27FC236}">
+                  <a16:creationId xmlns:a16="http://schemas.microsoft.com/office/drawing/2014/main" id="{90D981AF-E952-457E-9C4B-16118569D1E8}"/>
+                </a:ext>
+              </a:extLst>
+            </p:cNvPr>
+            <p:cNvSpPr txBox="1"/>
+            <p:nvPr/>
+          </p:nvSpPr>
+          <p:spPr>
+            <a:xfrm>
+              <a:off x="1758903" y="452485"/>
+              <a:ext cx="3002289" cy="664347"/>
+            </a:xfrm>
+            <a:prstGeom prst="rect">
+              <a:avLst/>
+            </a:prstGeom>
+            <a:solidFill>
+              <a:srgbClr val="FFFFFF"/>
+            </a:solidFill>
+            <a:ln w="12700" cap="flat">
+              <a:noFill/>
+              <a:miter lim="400000"/>
+            </a:ln>
+            <a:effectLst/>
+            <a:extLst>
+              <a:ext uri="{C572A759-6A51-4108-AA02-DFA0A04FC94B}">
+                <ma14:wrappingTextBoxFlag xmlns:ma14="http://schemas.microsoft.com/office/mac/drawingml/2011/main" xmlns:a14="http://schemas.microsoft.com/office/drawing/2010/main" xmlns:m="http://schemas.openxmlformats.org/officeDocument/2006/math" xmlns="" val="1"/>
+              </a:ext>
+            </a:extLst>
+          </p:spPr>
+          <p:txBody>
+            <a:bodyPr wrap="square" lIns="50800" tIns="50800" rIns="50800" bIns="50800" numCol="1" anchor="ctr">
+              <a:noAutofit/>
+            </a:bodyPr>
+            <a:lstStyle/>
+            <a:p>
+              <a:r>
+                <a:rPr lang="en-US" dirty="0"/>
+                <a:t>Water</a:t>
+              </a:r>
+              <a:r>
+                <a:rPr lang="zh-CN" altLang="en-US" dirty="0"/>
+                <a:t> </a:t>
+              </a:r>
+              <a:r>
+                <a:rPr lang="en-US" altLang="zh-CN" dirty="0"/>
+                <a:t>Distribution</a:t>
+              </a:r>
+              <a:endParaRPr dirty="0"/>
+            </a:p>
+          </p:txBody>
+        </p:sp>
+      </p:grpSp>
+      <p:grpSp>
+        <p:nvGrpSpPr>
+          <p:cNvPr id="4" name="Group 3">
+            <a:extLst>
+              <a:ext uri="{FF2B5EF4-FFF2-40B4-BE49-F238E27FC236}">
+                <a16:creationId xmlns:a16="http://schemas.microsoft.com/office/drawing/2014/main" id="{A97EFDA0-EC2D-4155-8AF5-7F1666BAC71A}"/>
+              </a:ext>
+            </a:extLst>
+          </p:cNvPr>
+          <p:cNvGrpSpPr/>
+          <p:nvPr/>
+        </p:nvGrpSpPr>
+        <p:grpSpPr>
+          <a:xfrm>
+            <a:off x="6860620" y="0"/>
+            <a:ext cx="6421799" cy="2706678"/>
+            <a:chOff x="6637709" y="46116"/>
+            <a:chExt cx="6421799" cy="2706678"/>
+          </a:xfrm>
+        </p:grpSpPr>
+        <p:grpSp>
+          <p:nvGrpSpPr>
+            <p:cNvPr id="21" name="Group 20">
+              <a:extLst>
+                <a:ext uri="{FF2B5EF4-FFF2-40B4-BE49-F238E27FC236}">
+                  <a16:creationId xmlns:a16="http://schemas.microsoft.com/office/drawing/2014/main" id="{DF90825B-0EEF-4D60-8566-B773D273DA22}"/>
+                </a:ext>
+              </a:extLst>
+            </p:cNvPr>
+            <p:cNvGrpSpPr/>
+            <p:nvPr/>
+          </p:nvGrpSpPr>
+          <p:grpSpPr>
+            <a:xfrm>
+              <a:off x="6637709" y="412234"/>
+              <a:ext cx="6421799" cy="2340560"/>
+              <a:chOff x="6256060" y="654737"/>
+              <a:chExt cx="6421799" cy="2340560"/>
+            </a:xfrm>
+          </p:grpSpPr>
+          <p:pic>
+            <p:nvPicPr>
+              <p:cNvPr id="23" name="Picture 3">
+                <a:extLst>
+                  <a:ext uri="{FF2B5EF4-FFF2-40B4-BE49-F238E27FC236}">
+                    <a16:creationId xmlns:a16="http://schemas.microsoft.com/office/drawing/2014/main" id="{36FE4AA9-81CC-405A-BD4A-3877E0BA34C6}"/>
+                  </a:ext>
+                </a:extLst>
+              </p:cNvPr>
+              <p:cNvPicPr>
+                <a:picLocks noChangeAspect="1" noChangeArrowheads="1"/>
+              </p:cNvPicPr>
+              <p:nvPr/>
+            </p:nvPicPr>
+            <p:blipFill rotWithShape="1">
+              <a:blip r:embed="rId6">
+                <a:extLst>
+                  <a:ext uri="{28A0092B-C50C-407E-A947-70E740481C1C}">
+                    <a14:useLocalDpi xmlns:a14="http://schemas.microsoft.com/office/drawing/2010/main" val="0"/>
+                  </a:ext>
+                </a:extLst>
+              </a:blip>
+              <a:srcRect b="54598"/>
+              <a:stretch/>
+            </p:blipFill>
+            <p:spPr bwMode="auto">
+              <a:xfrm>
+                <a:off x="6256060" y="654737"/>
+                <a:ext cx="6421799" cy="2185399"/>
+              </a:xfrm>
+              <a:prstGeom prst="rect">
+                <a:avLst/>
+              </a:prstGeom>
+              <a:noFill/>
+              <a:ln>
+                <a:noFill/>
+              </a:ln>
+              <a:effectLst/>
+              <a:extLst>
+                <a:ext uri="{909E8E84-426E-40DD-AFC4-6F175D3DCCD1}">
+                  <a14:hiddenFill xmlns:a14="http://schemas.microsoft.com/office/drawing/2010/main">
+                    <a:solidFill>
+                      <a:schemeClr val="accent1"/>
+                    </a:solidFill>
+                  </a14:hiddenFill>
+                </a:ext>
+                <a:ext uri="{91240B29-F687-4F45-9708-019B960494DF}">
+                  <a14:hiddenLine xmlns:a14="http://schemas.microsoft.com/office/drawing/2010/main" w="9525">
+                    <a:solidFill>
+                      <a:schemeClr val="tx1"/>
+                    </a:solidFill>
+                    <a:miter lim="800000"/>
+                    <a:headEnd/>
+                    <a:tailEnd/>
+                  </a14:hiddenLine>
+                </a:ext>
+                <a:ext uri="{AF507438-7753-43E0-B8FC-AC1667EBCBE1}">
+                  <a14:hiddenEffects xmlns:a14="http://schemas.microsoft.com/office/drawing/2010/main">
+                    <a:effectLst>
+                      <a:outerShdw dist="35921" dir="2700000" algn="ctr" rotWithShape="0">
+                        <a:schemeClr val="bg2"/>
+                      </a:outerShdw>
+                    </a:effectLst>
+                  </a14:hiddenEffects>
+                </a:ext>
+              </a:extLst>
+            </p:spPr>
+          </p:pic>
+          <p:sp>
+            <p:nvSpPr>
+              <p:cNvPr id="24" name="Speech Bubble: Rectangle with Corners Rounded 23">
+                <a:extLst>
+                  <a:ext uri="{FF2B5EF4-FFF2-40B4-BE49-F238E27FC236}">
+                    <a16:creationId xmlns:a16="http://schemas.microsoft.com/office/drawing/2014/main" id="{C836937A-F764-4220-8170-188A4407DFAE}"/>
+                  </a:ext>
+                </a:extLst>
+              </p:cNvPr>
+              <p:cNvSpPr/>
+              <p:nvPr/>
+            </p:nvSpPr>
+            <p:spPr>
+              <a:xfrm>
+                <a:off x="6721797" y="716929"/>
+                <a:ext cx="5408268" cy="2278368"/>
+              </a:xfrm>
+              <a:prstGeom prst="wedgeRoundRectCallout">
+                <a:avLst/>
+              </a:prstGeom>
+              <a:noFill/>
+              <a:ln w="57150" cap="flat">
+                <a:solidFill>
+                  <a:schemeClr val="tx1"/>
+                </a:solidFill>
+                <a:miter lim="400000"/>
+              </a:ln>
+              <a:effectLst/>
+              <a:sp3d/>
+            </p:spPr>
+            <p:style>
+              <a:lnRef idx="0">
+                <a:scrgbClr r="0" g="0" b="0"/>
+              </a:lnRef>
+              <a:fillRef idx="0">
+                <a:scrgbClr r="0" g="0" b="0"/>
+              </a:fillRef>
+              <a:effectRef idx="0">
+                <a:scrgbClr r="0" g="0" b="0"/>
+              </a:effectRef>
+              <a:fontRef idx="none"/>
+            </p:style>
+            <p:txBody>
+              <a:bodyPr rot="0" spcFirstLastPara="1" vertOverflow="overflow" horzOverflow="overflow" vert="horz" wrap="square" lIns="50800" tIns="50800" rIns="50800" bIns="50800" numCol="1" spcCol="38100" rtlCol="0" anchor="ctr">
+                <a:spAutoFit/>
+              </a:bodyPr>
+              <a:lstStyle/>
+              <a:p>
+                <a:pPr marL="0" marR="0" indent="0" algn="ctr" defTabSz="584200" rtl="0" fontAlgn="auto" latinLnBrk="0" hangingPunct="0">
+                  <a:lnSpc>
+                    <a:spcPct val="100000"/>
+                  </a:lnSpc>
+                  <a:spcBef>
+                    <a:spcPts val="0"/>
+                  </a:spcBef>
+                  <a:spcAft>
+                    <a:spcPts val="0"/>
+                  </a:spcAft>
+                  <a:buClrTx/>
+                  <a:buSzTx/>
+                  <a:buFontTx/>
+                  <a:buNone/>
+                  <a:tabLst/>
+                </a:pPr>
+                <a:endParaRPr kumimoji="0" lang="zh-CN" altLang="en-US" sz="2200" b="0" i="0" u="none" strike="noStrike" cap="none" spc="0" normalizeH="0" baseline="0">
+                  <a:ln>
+                    <a:noFill/>
+                  </a:ln>
+                  <a:solidFill>
+                    <a:srgbClr val="FFFFFF"/>
+                  </a:solidFill>
+                  <a:effectLst/>
+                  <a:uFillTx/>
+                  <a:latin typeface="+mn-lt"/>
+                  <a:ea typeface="+mn-ea"/>
+                  <a:cs typeface="+mn-cs"/>
+                  <a:sym typeface="Helvetica Neue Medium"/>
+                </a:endParaRPr>
+              </a:p>
+            </p:txBody>
+          </p:sp>
+        </p:grpSp>
+        <p:sp>
+          <p:nvSpPr>
+            <p:cNvPr id="27" name="Optimal Reward Function">
+              <a:extLst>
+                <a:ext uri="{FF2B5EF4-FFF2-40B4-BE49-F238E27FC236}">
+                  <a16:creationId xmlns:a16="http://schemas.microsoft.com/office/drawing/2014/main" id="{0CC96DE1-3530-48FB-93E9-CD7A68BE139E}"/>
+                </a:ext>
+              </a:extLst>
+            </p:cNvPr>
+            <p:cNvSpPr txBox="1"/>
+            <p:nvPr/>
+          </p:nvSpPr>
+          <p:spPr>
+            <a:xfrm>
+              <a:off x="8327270" y="46116"/>
+              <a:ext cx="3002289" cy="664347"/>
+            </a:xfrm>
+            <a:prstGeom prst="rect">
+              <a:avLst/>
+            </a:prstGeom>
+            <a:solidFill>
+              <a:srgbClr val="FFFFFF"/>
+            </a:solidFill>
+            <a:ln w="12700" cap="flat">
+              <a:noFill/>
+              <a:miter lim="400000"/>
+            </a:ln>
+            <a:effectLst/>
+            <a:extLst>
+              <a:ext uri="{C572A759-6A51-4108-AA02-DFA0A04FC94B}">
+                <ma14:wrappingTextBoxFlag xmlns:ma14="http://schemas.microsoft.com/office/mac/drawingml/2011/main" xmlns:a14="http://schemas.microsoft.com/office/drawing/2010/main" xmlns:m="http://schemas.openxmlformats.org/officeDocument/2006/math" xmlns="" val="1"/>
+              </a:ext>
+            </a:extLst>
+          </p:spPr>
+          <p:txBody>
+            <a:bodyPr wrap="square" lIns="50800" tIns="50800" rIns="50800" bIns="50800" numCol="1" anchor="ctr">
+              <a:noAutofit/>
+            </a:bodyPr>
+            <a:lstStyle/>
+            <a:p>
+              <a:r>
+                <a:rPr lang="en-US" dirty="0"/>
+                <a:t>Gas</a:t>
+              </a:r>
+              <a:r>
+                <a:rPr lang="zh-CN" altLang="en-US" dirty="0"/>
+                <a:t> </a:t>
+              </a:r>
+              <a:r>
+                <a:rPr lang="en-US" altLang="zh-CN" dirty="0"/>
+                <a:t>Distribution</a:t>
+              </a:r>
+              <a:endParaRPr dirty="0"/>
+            </a:p>
+          </p:txBody>
+        </p:sp>
+      </p:grpSp>
+      <p:pic>
+        <p:nvPicPr>
+          <p:cNvPr id="30" name="图片 11">
+            <a:extLst>
+              <a:ext uri="{FF2B5EF4-FFF2-40B4-BE49-F238E27FC236}">
+                <a16:creationId xmlns:a16="http://schemas.microsoft.com/office/drawing/2014/main" id="{2487668E-6037-43E6-B8FC-1D41E2EDF449}"/>
+              </a:ext>
+            </a:extLst>
+          </p:cNvPr>
+          <p:cNvPicPr>
+            <a:picLocks noChangeAspect="1"/>
+          </p:cNvPicPr>
+          <p:nvPr/>
+        </p:nvPicPr>
+        <p:blipFill>
+          <a:blip r:embed="rId7">
+            <a:extLst>
+              <a:ext uri="{28A0092B-C50C-407E-A947-70E740481C1C}">
+                <a14:useLocalDpi xmlns:a14="http://schemas.microsoft.com/office/drawing/2010/main" val="0"/>
+              </a:ext>
+            </a:extLst>
+          </a:blip>
+          <a:stretch>
+            <a:fillRect/>
+          </a:stretch>
+        </p:blipFill>
+        <p:spPr>
+          <a:xfrm>
+            <a:off x="115058" y="6703088"/>
+            <a:ext cx="3840484" cy="2880000"/>
+          </a:xfrm>
+          <a:prstGeom prst="rect">
+            <a:avLst/>
+          </a:prstGeom>
+        </p:spPr>
+      </p:pic>
+    </p:spTree>
+    <p:extLst>
+      <p:ext uri="{BB962C8B-B14F-4D97-AF65-F5344CB8AC3E}">
+        <p14:creationId xmlns:p14="http://schemas.microsoft.com/office/powerpoint/2010/main" val="606546683"/>
+      </p:ext>
+    </p:extLst>
+  </p:cSld>
+  <p:clrMapOvr>
+    <a:masterClrMapping/>
+  </p:clrMapOvr>
+  <p:transition spd="med"/>
+  <p:timing>
+    <p:tnLst>
+      <p:par>
+        <p:cTn id="1" dur="indefinite" restart="never" nodeType="tmRoot">
+          <p:childTnLst>
+            <p:seq concurrent="1" nextAc="seek">
+              <p:cTn id="2" dur="indefinite" nodeType="mainSeq">
+                <p:childTnLst>
+                  <p:par>
+                    <p:cTn id="3" fill="hold">
+                      <p:stCondLst>
+                        <p:cond delay="indefinite"/>
+                      </p:stCondLst>
+                      <p:childTnLst>
+                        <p:par>
+                          <p:cTn id="4" fill="hold">
+                            <p:stCondLst>
+                              <p:cond delay="0"/>
+                            </p:stCondLst>
+                            <p:childTnLst>
+                              <p:par>
+                                <p:cTn id="5" presetID="10" presetClass="entr" presetSubtype="0" fill="hold" nodeType="clickEffect">
+                                  <p:stCondLst>
+                                    <p:cond delay="0"/>
+                                  </p:stCondLst>
+                                  <p:childTnLst>
+                                    <p:set>
+                                      <p:cBhvr>
+                                        <p:cTn id="6" dur="1" fill="hold">
+                                          <p:stCondLst>
+                                            <p:cond delay="0"/>
+                                          </p:stCondLst>
+                                        </p:cTn>
+                                        <p:tgtEl>
+                                          <p:spTgt spid="28"/>
+                                        </p:tgtEl>
+                                        <p:attrNameLst>
+                                          <p:attrName>style.visibility</p:attrName>
+                                        </p:attrNameLst>
+                                      </p:cBhvr>
+                                      <p:to>
+                                        <p:strVal val="visible"/>
+                                      </p:to>
+                                    </p:set>
+                                    <p:animEffect transition="in" filter="fade">
+                                      <p:cBhvr>
+                                        <p:cTn id="7" dur="500"/>
+                                        <p:tgtEl>
+                                          <p:spTgt spid="28"/>
+                                        </p:tgtEl>
+                                      </p:cBhvr>
+                                    </p:animEffect>
+                                  </p:childTnLst>
+                                </p:cTn>
+                              </p:par>
+                            </p:childTnLst>
+                          </p:cTn>
+                        </p:par>
+                      </p:childTnLst>
+                    </p:cTn>
+                  </p:par>
+                </p:childTnLst>
+              </p:cTn>
+              <p:prevCondLst>
+                <p:cond evt="onPrev" delay="0">
+                  <p:tgtEl>
+                    <p:sldTgt/>
+                  </p:tgtEl>
+                </p:cond>
+              </p:prevCondLst>
+              <p:nextCondLst>
+                <p:cond evt="onNext" delay="0">
+                  <p:tgtEl>
+                    <p:sldTgt/>
+                  </p:tgtEl>
+                </p:cond>
+              </p:nextCondLst>
+            </p:seq>
+          </p:childTnLst>
+        </p:cTn>
+      </p:par>
+    </p:tnLst>
+  </p:timing>
 </p:sld>
 </file>
 
 <file path=ppt/theme/theme1.xml><?xml version="1.0" encoding="utf-8"?>
-<a:theme xmlns:a="http://schemas.openxmlformats.org/drawingml/2006/main" xmlns:r="http://schemas.openxmlformats.org/officeDocument/2006/relationships" name="White">
+<a:theme xmlns:a="http://schemas.openxmlformats.org/drawingml/2006/main" name="White">
   <a:themeElements>
     <a:clrScheme name="White">
       <a:dk1>
@@ -3948,7 +6052,7 @@
         <a:effectLst/>
         <a:sp3d/>
       </a:spPr>
-      <a:bodyPr rot="0" spcFirstLastPara="1" vertOverflow="overflow" horzOverflow="overflow" vert="horz" wrap="square" lIns="50800" tIns="50800" rIns="50800" bIns="50800" numCol="1" spcCol="38100" rtlCol="0" anchor="ctr" upright="0">
+      <a:bodyPr rot="0" spcFirstLastPara="1" vertOverflow="overflow" horzOverflow="overflow" vert="horz" wrap="square" lIns="50800" tIns="50800" rIns="50800" bIns="50800" numCol="1" spcCol="38100" rtlCol="0" anchor="ctr">
         <a:spAutoFit/>
       </a:bodyPr>
       <a:lstStyle>
@@ -3967,7 +6071,7 @@
           <a:buFontTx/>
           <a:buNone/>
           <a:tabLst/>
-          <a:defRPr b="0" baseline="0" cap="none" i="0" spc="0" strike="noStrike" sz="2200" u="none" kumimoji="0" normalizeH="0">
+          <a:defRPr kumimoji="0" sz="2200" b="0" i="0" u="none" strike="noStrike" cap="none" spc="0" normalizeH="0" baseline="0">
             <a:ln>
               <a:noFill/>
             </a:ln>
@@ -3997,7 +6101,7 @@
           <a:buFontTx/>
           <a:buNone/>
           <a:tabLst/>
-          <a:defRPr b="0" baseline="0" cap="none" i="0" spc="0" strike="noStrike" sz="1800" u="none" kumimoji="0" normalizeH="0">
+          <a:defRPr kumimoji="0" sz="1800" b="0" i="0" u="none" strike="noStrike" cap="none" spc="0" normalizeH="0" baseline="0">
             <a:ln>
               <a:noFill/>
             </a:ln>
@@ -4023,7 +6127,7 @@
           <a:buFontTx/>
           <a:buNone/>
           <a:tabLst/>
-          <a:defRPr b="0" baseline="0" cap="none" i="0" spc="0" strike="noStrike" sz="1800" u="none" kumimoji="0" normalizeH="0">
+          <a:defRPr kumimoji="0" sz="1800" b="0" i="0" u="none" strike="noStrike" cap="none" spc="0" normalizeH="0" baseline="0">
             <a:ln>
               <a:noFill/>
             </a:ln>
@@ -4049,7 +6153,7 @@
           <a:buFontTx/>
           <a:buNone/>
           <a:tabLst/>
-          <a:defRPr b="0" baseline="0" cap="none" i="0" spc="0" strike="noStrike" sz="1800" u="none" kumimoji="0" normalizeH="0">
+          <a:defRPr kumimoji="0" sz="1800" b="0" i="0" u="none" strike="noStrike" cap="none" spc="0" normalizeH="0" baseline="0">
             <a:ln>
               <a:noFill/>
             </a:ln>
@@ -4075,7 +6179,7 @@
           <a:buFontTx/>
           <a:buNone/>
           <a:tabLst/>
-          <a:defRPr b="0" baseline="0" cap="none" i="0" spc="0" strike="noStrike" sz="1800" u="none" kumimoji="0" normalizeH="0">
+          <a:defRPr kumimoji="0" sz="1800" b="0" i="0" u="none" strike="noStrike" cap="none" spc="0" normalizeH="0" baseline="0">
             <a:ln>
               <a:noFill/>
             </a:ln>
@@ -4101,7 +6205,7 @@
           <a:buFontTx/>
           <a:buNone/>
           <a:tabLst/>
-          <a:defRPr b="0" baseline="0" cap="none" i="0" spc="0" strike="noStrike" sz="1800" u="none" kumimoji="0" normalizeH="0">
+          <a:defRPr kumimoji="0" sz="1800" b="0" i="0" u="none" strike="noStrike" cap="none" spc="0" normalizeH="0" baseline="0">
             <a:ln>
               <a:noFill/>
             </a:ln>
@@ -4127,7 +6231,7 @@
           <a:buFontTx/>
           <a:buNone/>
           <a:tabLst/>
-          <a:defRPr b="0" baseline="0" cap="none" i="0" spc="0" strike="noStrike" sz="1800" u="none" kumimoji="0" normalizeH="0">
+          <a:defRPr kumimoji="0" sz="1800" b="0" i="0" u="none" strike="noStrike" cap="none" spc="0" normalizeH="0" baseline="0">
             <a:ln>
               <a:noFill/>
             </a:ln>
@@ -4153,7 +6257,7 @@
           <a:buFontTx/>
           <a:buNone/>
           <a:tabLst/>
-          <a:defRPr b="0" baseline="0" cap="none" i="0" spc="0" strike="noStrike" sz="1800" u="none" kumimoji="0" normalizeH="0">
+          <a:defRPr kumimoji="0" sz="1800" b="0" i="0" u="none" strike="noStrike" cap="none" spc="0" normalizeH="0" baseline="0">
             <a:ln>
               <a:noFill/>
             </a:ln>
@@ -4179,7 +6283,7 @@
           <a:buFontTx/>
           <a:buNone/>
           <a:tabLst/>
-          <a:defRPr b="0" baseline="0" cap="none" i="0" spc="0" strike="noStrike" sz="1800" u="none" kumimoji="0" normalizeH="0">
+          <a:defRPr kumimoji="0" sz="1800" b="0" i="0" u="none" strike="noStrike" cap="none" spc="0" normalizeH="0" baseline="0">
             <a:ln>
               <a:noFill/>
             </a:ln>
@@ -4205,7 +6309,7 @@
           <a:buFontTx/>
           <a:buNone/>
           <a:tabLst/>
-          <a:defRPr b="0" baseline="0" cap="none" i="0" spc="0" strike="noStrike" sz="1800" u="none" kumimoji="0" normalizeH="0">
+          <a:defRPr kumimoji="0" sz="1800" b="0" i="0" u="none" strike="noStrike" cap="none" spc="0" normalizeH="0" baseline="0">
             <a:ln>
               <a:noFill/>
             </a:ln>
@@ -4218,9 +6322,15 @@
         </a:lvl9pPr>
       </a:lstStyle>
       <a:style>
-        <a:lnRef idx="0"/>
-        <a:fillRef idx="0"/>
-        <a:effectRef idx="0"/>
+        <a:lnRef idx="0">
+          <a:scrgbClr r="0" g="0" b="0"/>
+        </a:lnRef>
+        <a:fillRef idx="0">
+          <a:scrgbClr r="0" g="0" b="0"/>
+        </a:fillRef>
+        <a:effectRef idx="0">
+          <a:scrgbClr r="0" g="0" b="0"/>
+        </a:effectRef>
         <a:fontRef idx="none"/>
       </a:style>
     </a:spDef>
@@ -4237,7 +6347,7 @@
         <a:effectLst/>
         <a:sp3d/>
       </a:spPr>
-      <a:bodyPr rot="0" spcFirstLastPara="1" vertOverflow="overflow" horzOverflow="overflow" vert="horz" wrap="square" lIns="91439" tIns="45719" rIns="91439" bIns="45719" numCol="1" spcCol="38100" rtlCol="0" anchor="t" upright="0">
+      <a:bodyPr rot="0" spcFirstLastPara="1" vertOverflow="overflow" horzOverflow="overflow" vert="horz" wrap="square" lIns="91439" tIns="45719" rIns="91439" bIns="45719" numCol="1" spcCol="38100" rtlCol="0" anchor="t">
         <a:noAutofit/>
       </a:bodyPr>
       <a:lstStyle>
@@ -4256,7 +6366,7 @@
           <a:buFontTx/>
           <a:buNone/>
           <a:tabLst/>
-          <a:defRPr b="0" baseline="0" cap="none" i="0" spc="0" strike="noStrike" sz="1800" u="none" kumimoji="0" normalizeH="0">
+          <a:defRPr kumimoji="0" sz="1800" b="0" i="0" u="none" strike="noStrike" cap="none" spc="0" normalizeH="0" baseline="0">
             <a:ln>
               <a:noFill/>
             </a:ln>
@@ -4282,7 +6392,7 @@
           <a:buFontTx/>
           <a:buNone/>
           <a:tabLst/>
-          <a:defRPr b="0" baseline="0" cap="none" i="0" spc="0" strike="noStrike" sz="1800" u="none" kumimoji="0" normalizeH="0">
+          <a:defRPr kumimoji="0" sz="1800" b="0" i="0" u="none" strike="noStrike" cap="none" spc="0" normalizeH="0" baseline="0">
             <a:ln>
               <a:noFill/>
             </a:ln>
@@ -4308,7 +6418,7 @@
           <a:buFontTx/>
           <a:buNone/>
           <a:tabLst/>
-          <a:defRPr b="0" baseline="0" cap="none" i="0" spc="0" strike="noStrike" sz="1800" u="none" kumimoji="0" normalizeH="0">
+          <a:defRPr kumimoji="0" sz="1800" b="0" i="0" u="none" strike="noStrike" cap="none" spc="0" normalizeH="0" baseline="0">
             <a:ln>
               <a:noFill/>
             </a:ln>
@@ -4334,7 +6444,7 @@
           <a:buFontTx/>
           <a:buNone/>
           <a:tabLst/>
-          <a:defRPr b="0" baseline="0" cap="none" i="0" spc="0" strike="noStrike" sz="1800" u="none" kumimoji="0" normalizeH="0">
+          <a:defRPr kumimoji="0" sz="1800" b="0" i="0" u="none" strike="noStrike" cap="none" spc="0" normalizeH="0" baseline="0">
             <a:ln>
               <a:noFill/>
             </a:ln>
@@ -4360,7 +6470,7 @@
           <a:buFontTx/>
           <a:buNone/>
           <a:tabLst/>
-          <a:defRPr b="0" baseline="0" cap="none" i="0" spc="0" strike="noStrike" sz="1800" u="none" kumimoji="0" normalizeH="0">
+          <a:defRPr kumimoji="0" sz="1800" b="0" i="0" u="none" strike="noStrike" cap="none" spc="0" normalizeH="0" baseline="0">
             <a:ln>
               <a:noFill/>
             </a:ln>
@@ -4386,7 +6496,7 @@
           <a:buFontTx/>
           <a:buNone/>
           <a:tabLst/>
-          <a:defRPr b="0" baseline="0" cap="none" i="0" spc="0" strike="noStrike" sz="1800" u="none" kumimoji="0" normalizeH="0">
+          <a:defRPr kumimoji="0" sz="1800" b="0" i="0" u="none" strike="noStrike" cap="none" spc="0" normalizeH="0" baseline="0">
             <a:ln>
               <a:noFill/>
             </a:ln>
@@ -4412,7 +6522,7 @@
           <a:buFontTx/>
           <a:buNone/>
           <a:tabLst/>
-          <a:defRPr b="0" baseline="0" cap="none" i="0" spc="0" strike="noStrike" sz="1800" u="none" kumimoji="0" normalizeH="0">
+          <a:defRPr kumimoji="0" sz="1800" b="0" i="0" u="none" strike="noStrike" cap="none" spc="0" normalizeH="0" baseline="0">
             <a:ln>
               <a:noFill/>
             </a:ln>
@@ -4438,7 +6548,7 @@
           <a:buFontTx/>
           <a:buNone/>
           <a:tabLst/>
-          <a:defRPr b="0" baseline="0" cap="none" i="0" spc="0" strike="noStrike" sz="1800" u="none" kumimoji="0" normalizeH="0">
+          <a:defRPr kumimoji="0" sz="1800" b="0" i="0" u="none" strike="noStrike" cap="none" spc="0" normalizeH="0" baseline="0">
             <a:ln>
               <a:noFill/>
             </a:ln>
@@ -4464,7 +6574,7 @@
           <a:buFontTx/>
           <a:buNone/>
           <a:tabLst/>
-          <a:defRPr b="0" baseline="0" cap="none" i="0" spc="0" strike="noStrike" sz="1800" u="none" kumimoji="0" normalizeH="0">
+          <a:defRPr kumimoji="0" sz="1800" b="0" i="0" u="none" strike="noStrike" cap="none" spc="0" normalizeH="0" baseline="0">
             <a:ln>
               <a:noFill/>
             </a:ln>
@@ -4490,7 +6600,7 @@
           <a:buFontTx/>
           <a:buNone/>
           <a:tabLst/>
-          <a:defRPr b="0" baseline="0" cap="none" i="0" spc="0" strike="noStrike" sz="1800" u="none" kumimoji="0" normalizeH="0">
+          <a:defRPr kumimoji="0" sz="1800" b="0" i="0" u="none" strike="noStrike" cap="none" spc="0" normalizeH="0" baseline="0">
             <a:ln>
               <a:noFill/>
             </a:ln>
@@ -4503,9 +6613,15 @@
         </a:lvl9pPr>
       </a:lstStyle>
       <a:style>
-        <a:lnRef idx="0"/>
-        <a:fillRef idx="0"/>
-        <a:effectRef idx="0"/>
+        <a:lnRef idx="0">
+          <a:scrgbClr r="0" g="0" b="0"/>
+        </a:lnRef>
+        <a:fillRef idx="0">
+          <a:scrgbClr r="0" g="0" b="0"/>
+        </a:fillRef>
+        <a:effectRef idx="0">
+          <a:scrgbClr r="0" g="0" b="0"/>
+        </a:effectRef>
         <a:fontRef idx="none"/>
       </a:style>
     </a:lnDef>
@@ -4519,7 +6635,7 @@
         <a:effectLst/>
         <a:sp3d/>
       </a:spPr>
-      <a:bodyPr rot="0" spcFirstLastPara="1" vertOverflow="overflow" horzOverflow="overflow" vert="horz" wrap="square" lIns="50800" tIns="50800" rIns="50800" bIns="50800" numCol="1" spcCol="38100" rtlCol="0" anchor="ctr" upright="0">
+      <a:bodyPr rot="0" spcFirstLastPara="1" vertOverflow="overflow" horzOverflow="overflow" vert="horz" wrap="square" lIns="50800" tIns="50800" rIns="50800" bIns="50800" numCol="1" spcCol="38100" rtlCol="0" anchor="ctr">
         <a:spAutoFit/>
       </a:bodyPr>
       <a:lstStyle>
@@ -4538,7 +6654,7 @@
           <a:buFontTx/>
           <a:buNone/>
           <a:tabLst/>
-          <a:defRPr b="1" baseline="0" cap="none" i="0" spc="0" strike="noStrike" sz="2400" u="none" kumimoji="0" normalizeH="0">
+          <a:defRPr kumimoji="0" sz="2400" b="1" i="0" u="none" strike="noStrike" cap="none" spc="0" normalizeH="0" baseline="0">
             <a:ln>
               <a:noFill/>
             </a:ln>
@@ -4568,7 +6684,7 @@
           <a:buFontTx/>
           <a:buNone/>
           <a:tabLst/>
-          <a:defRPr b="0" baseline="0" cap="none" i="0" spc="0" strike="noStrike" sz="1800" u="none" kumimoji="0" normalizeH="0">
+          <a:defRPr kumimoji="0" sz="1800" b="0" i="0" u="none" strike="noStrike" cap="none" spc="0" normalizeH="0" baseline="0">
             <a:ln>
               <a:noFill/>
             </a:ln>
@@ -4594,7 +6710,7 @@
           <a:buFontTx/>
           <a:buNone/>
           <a:tabLst/>
-          <a:defRPr b="0" baseline="0" cap="none" i="0" spc="0" strike="noStrike" sz="1800" u="none" kumimoji="0" normalizeH="0">
+          <a:defRPr kumimoji="0" sz="1800" b="0" i="0" u="none" strike="noStrike" cap="none" spc="0" normalizeH="0" baseline="0">
             <a:ln>
               <a:noFill/>
             </a:ln>
@@ -4620,7 +6736,7 @@
           <a:buFontTx/>
           <a:buNone/>
           <a:tabLst/>
-          <a:defRPr b="0" baseline="0" cap="none" i="0" spc="0" strike="noStrike" sz="1800" u="none" kumimoji="0" normalizeH="0">
+          <a:defRPr kumimoji="0" sz="1800" b="0" i="0" u="none" strike="noStrike" cap="none" spc="0" normalizeH="0" baseline="0">
             <a:ln>
               <a:noFill/>
             </a:ln>
@@ -4646,7 +6762,7 @@
           <a:buFontTx/>
           <a:buNone/>
           <a:tabLst/>
-          <a:defRPr b="0" baseline="0" cap="none" i="0" spc="0" strike="noStrike" sz="1800" u="none" kumimoji="0" normalizeH="0">
+          <a:defRPr kumimoji="0" sz="1800" b="0" i="0" u="none" strike="noStrike" cap="none" spc="0" normalizeH="0" baseline="0">
             <a:ln>
               <a:noFill/>
             </a:ln>
@@ -4672,7 +6788,7 @@
           <a:buFontTx/>
           <a:buNone/>
           <a:tabLst/>
-          <a:defRPr b="0" baseline="0" cap="none" i="0" spc="0" strike="noStrike" sz="1800" u="none" kumimoji="0" normalizeH="0">
+          <a:defRPr kumimoji="0" sz="1800" b="0" i="0" u="none" strike="noStrike" cap="none" spc="0" normalizeH="0" baseline="0">
             <a:ln>
               <a:noFill/>
             </a:ln>
@@ -4698,7 +6814,7 @@
           <a:buFontTx/>
           <a:buNone/>
           <a:tabLst/>
-          <a:defRPr b="0" baseline="0" cap="none" i="0" spc="0" strike="noStrike" sz="1800" u="none" kumimoji="0" normalizeH="0">
+          <a:defRPr kumimoji="0" sz="1800" b="0" i="0" u="none" strike="noStrike" cap="none" spc="0" normalizeH="0" baseline="0">
             <a:ln>
               <a:noFill/>
             </a:ln>
@@ -4724,7 +6840,7 @@
           <a:buFontTx/>
           <a:buNone/>
           <a:tabLst/>
-          <a:defRPr b="0" baseline="0" cap="none" i="0" spc="0" strike="noStrike" sz="1800" u="none" kumimoji="0" normalizeH="0">
+          <a:defRPr kumimoji="0" sz="1800" b="0" i="0" u="none" strike="noStrike" cap="none" spc="0" normalizeH="0" baseline="0">
             <a:ln>
               <a:noFill/>
             </a:ln>
@@ -4750,7 +6866,7 @@
           <a:buFontTx/>
           <a:buNone/>
           <a:tabLst/>
-          <a:defRPr b="0" baseline="0" cap="none" i="0" spc="0" strike="noStrike" sz="1800" u="none" kumimoji="0" normalizeH="0">
+          <a:defRPr kumimoji="0" sz="1800" b="0" i="0" u="none" strike="noStrike" cap="none" spc="0" normalizeH="0" baseline="0">
             <a:ln>
               <a:noFill/>
             </a:ln>
@@ -4776,7 +6892,7 @@
           <a:buFontTx/>
           <a:buNone/>
           <a:tabLst/>
-          <a:defRPr b="0" baseline="0" cap="none" i="0" spc="0" strike="noStrike" sz="1800" u="none" kumimoji="0" normalizeH="0">
+          <a:defRPr kumimoji="0" sz="1800" b="0" i="0" u="none" strike="noStrike" cap="none" spc="0" normalizeH="0" baseline="0">
             <a:ln>
               <a:noFill/>
             </a:ln>
@@ -4789,18 +6905,25 @@
         </a:lvl9pPr>
       </a:lstStyle>
       <a:style>
-        <a:lnRef idx="0"/>
-        <a:fillRef idx="0"/>
-        <a:effectRef idx="0"/>
+        <a:lnRef idx="0">
+          <a:scrgbClr r="0" g="0" b="0"/>
+        </a:lnRef>
+        <a:fillRef idx="0">
+          <a:scrgbClr r="0" g="0" b="0"/>
+        </a:fillRef>
+        <a:effectRef idx="0">
+          <a:scrgbClr r="0" g="0" b="0"/>
+        </a:effectRef>
         <a:fontRef idx="none"/>
       </a:style>
     </a:txDef>
   </a:objectDefaults>
+  <a:extraClrSchemeLst/>
 </a:theme>
 </file>
 
 <file path=ppt/theme/theme2.xml><?xml version="1.0" encoding="utf-8"?>
-<a:theme xmlns:a="http://schemas.openxmlformats.org/drawingml/2006/main" xmlns:r="http://schemas.openxmlformats.org/officeDocument/2006/relationships" name="White">
+<a:theme xmlns:a="http://schemas.openxmlformats.org/drawingml/2006/main" name="White">
   <a:themeElements>
     <a:clrScheme name="White">
       <a:dk1>
@@ -4999,7 +7122,7 @@
         <a:effectLst/>
         <a:sp3d/>
       </a:spPr>
-      <a:bodyPr rot="0" spcFirstLastPara="1" vertOverflow="overflow" horzOverflow="overflow" vert="horz" wrap="square" lIns="50800" tIns="50800" rIns="50800" bIns="50800" numCol="1" spcCol="38100" rtlCol="0" anchor="ctr" upright="0">
+      <a:bodyPr rot="0" spcFirstLastPara="1" vertOverflow="overflow" horzOverflow="overflow" vert="horz" wrap="square" lIns="50800" tIns="50800" rIns="50800" bIns="50800" numCol="1" spcCol="38100" rtlCol="0" anchor="ctr">
         <a:spAutoFit/>
       </a:bodyPr>
       <a:lstStyle>
@@ -5018,7 +7141,7 @@
           <a:buFontTx/>
           <a:buNone/>
           <a:tabLst/>
-          <a:defRPr b="0" baseline="0" cap="none" i="0" spc="0" strike="noStrike" sz="2200" u="none" kumimoji="0" normalizeH="0">
+          <a:defRPr kumimoji="0" sz="2200" b="0" i="0" u="none" strike="noStrike" cap="none" spc="0" normalizeH="0" baseline="0">
             <a:ln>
               <a:noFill/>
             </a:ln>
@@ -5048,7 +7171,7 @@
           <a:buFontTx/>
           <a:buNone/>
           <a:tabLst/>
-          <a:defRPr b="0" baseline="0" cap="none" i="0" spc="0" strike="noStrike" sz="1800" u="none" kumimoji="0" normalizeH="0">
+          <a:defRPr kumimoji="0" sz="1800" b="0" i="0" u="none" strike="noStrike" cap="none" spc="0" normalizeH="0" baseline="0">
             <a:ln>
               <a:noFill/>
             </a:ln>
@@ -5074,7 +7197,7 @@
           <a:buFontTx/>
           <a:buNone/>
           <a:tabLst/>
-          <a:defRPr b="0" baseline="0" cap="none" i="0" spc="0" strike="noStrike" sz="1800" u="none" kumimoji="0" normalizeH="0">
+          <a:defRPr kumimoji="0" sz="1800" b="0" i="0" u="none" strike="noStrike" cap="none" spc="0" normalizeH="0" baseline="0">
             <a:ln>
               <a:noFill/>
             </a:ln>
@@ -5100,7 +7223,7 @@
           <a:buFontTx/>
           <a:buNone/>
           <a:tabLst/>
-          <a:defRPr b="0" baseline="0" cap="none" i="0" spc="0" strike="noStrike" sz="1800" u="none" kumimoji="0" normalizeH="0">
+          <a:defRPr kumimoji="0" sz="1800" b="0" i="0" u="none" strike="noStrike" cap="none" spc="0" normalizeH="0" baseline="0">
             <a:ln>
               <a:noFill/>
             </a:ln>
@@ -5126,7 +7249,7 @@
           <a:buFontTx/>
           <a:buNone/>
           <a:tabLst/>
-          <a:defRPr b="0" baseline="0" cap="none" i="0" spc="0" strike="noStrike" sz="1800" u="none" kumimoji="0" normalizeH="0">
+          <a:defRPr kumimoji="0" sz="1800" b="0" i="0" u="none" strike="noStrike" cap="none" spc="0" normalizeH="0" baseline="0">
             <a:ln>
               <a:noFill/>
             </a:ln>
@@ -5152,7 +7275,7 @@
           <a:buFontTx/>
           <a:buNone/>
           <a:tabLst/>
-          <a:defRPr b="0" baseline="0" cap="none" i="0" spc="0" strike="noStrike" sz="1800" u="none" kumimoji="0" normalizeH="0">
+          <a:defRPr kumimoji="0" sz="1800" b="0" i="0" u="none" strike="noStrike" cap="none" spc="0" normalizeH="0" baseline="0">
             <a:ln>
               <a:noFill/>
             </a:ln>
@@ -5178,7 +7301,7 @@
           <a:buFontTx/>
           <a:buNone/>
           <a:tabLst/>
-          <a:defRPr b="0" baseline="0" cap="none" i="0" spc="0" strike="noStrike" sz="1800" u="none" kumimoji="0" normalizeH="0">
+          <a:defRPr kumimoji="0" sz="1800" b="0" i="0" u="none" strike="noStrike" cap="none" spc="0" normalizeH="0" baseline="0">
             <a:ln>
               <a:noFill/>
             </a:ln>
@@ -5204,7 +7327,7 @@
           <a:buFontTx/>
           <a:buNone/>
           <a:tabLst/>
-          <a:defRPr b="0" baseline="0" cap="none" i="0" spc="0" strike="noStrike" sz="1800" u="none" kumimoji="0" normalizeH="0">
+          <a:defRPr kumimoji="0" sz="1800" b="0" i="0" u="none" strike="noStrike" cap="none" spc="0" normalizeH="0" baseline="0">
             <a:ln>
               <a:noFill/>
             </a:ln>
@@ -5230,7 +7353,7 @@
           <a:buFontTx/>
           <a:buNone/>
           <a:tabLst/>
-          <a:defRPr b="0" baseline="0" cap="none" i="0" spc="0" strike="noStrike" sz="1800" u="none" kumimoji="0" normalizeH="0">
+          <a:defRPr kumimoji="0" sz="1800" b="0" i="0" u="none" strike="noStrike" cap="none" spc="0" normalizeH="0" baseline="0">
             <a:ln>
               <a:noFill/>
             </a:ln>
@@ -5256,7 +7379,7 @@
           <a:buFontTx/>
           <a:buNone/>
           <a:tabLst/>
-          <a:defRPr b="0" baseline="0" cap="none" i="0" spc="0" strike="noStrike" sz="1800" u="none" kumimoji="0" normalizeH="0">
+          <a:defRPr kumimoji="0" sz="1800" b="0" i="0" u="none" strike="noStrike" cap="none" spc="0" normalizeH="0" baseline="0">
             <a:ln>
               <a:noFill/>
             </a:ln>
@@ -5269,9 +7392,15 @@
         </a:lvl9pPr>
       </a:lstStyle>
       <a:style>
-        <a:lnRef idx="0"/>
-        <a:fillRef idx="0"/>
-        <a:effectRef idx="0"/>
+        <a:lnRef idx="0">
+          <a:scrgbClr r="0" g="0" b="0"/>
+        </a:lnRef>
+        <a:fillRef idx="0">
+          <a:scrgbClr r="0" g="0" b="0"/>
+        </a:fillRef>
+        <a:effectRef idx="0">
+          <a:scrgbClr r="0" g="0" b="0"/>
+        </a:effectRef>
         <a:fontRef idx="none"/>
       </a:style>
     </a:spDef>
@@ -5288,7 +7417,7 @@
         <a:effectLst/>
         <a:sp3d/>
       </a:spPr>
-      <a:bodyPr rot="0" spcFirstLastPara="1" vertOverflow="overflow" horzOverflow="overflow" vert="horz" wrap="square" lIns="91439" tIns="45719" rIns="91439" bIns="45719" numCol="1" spcCol="38100" rtlCol="0" anchor="t" upright="0">
+      <a:bodyPr rot="0" spcFirstLastPara="1" vertOverflow="overflow" horzOverflow="overflow" vert="horz" wrap="square" lIns="91439" tIns="45719" rIns="91439" bIns="45719" numCol="1" spcCol="38100" rtlCol="0" anchor="t">
         <a:noAutofit/>
       </a:bodyPr>
       <a:lstStyle>
@@ -5307,7 +7436,7 @@
           <a:buFontTx/>
           <a:buNone/>
           <a:tabLst/>
-          <a:defRPr b="0" baseline="0" cap="none" i="0" spc="0" strike="noStrike" sz="1800" u="none" kumimoji="0" normalizeH="0">
+          <a:defRPr kumimoji="0" sz="1800" b="0" i="0" u="none" strike="noStrike" cap="none" spc="0" normalizeH="0" baseline="0">
             <a:ln>
               <a:noFill/>
             </a:ln>
@@ -5333,7 +7462,7 @@
           <a:buFontTx/>
           <a:buNone/>
           <a:tabLst/>
-          <a:defRPr b="0" baseline="0" cap="none" i="0" spc="0" strike="noStrike" sz="1800" u="none" kumimoji="0" normalizeH="0">
+          <a:defRPr kumimoji="0" sz="1800" b="0" i="0" u="none" strike="noStrike" cap="none" spc="0" normalizeH="0" baseline="0">
             <a:ln>
               <a:noFill/>
             </a:ln>
@@ -5359,7 +7488,7 @@
           <a:buFontTx/>
           <a:buNone/>
           <a:tabLst/>
-          <a:defRPr b="0" baseline="0" cap="none" i="0" spc="0" strike="noStrike" sz="1800" u="none" kumimoji="0" normalizeH="0">
+          <a:defRPr kumimoji="0" sz="1800" b="0" i="0" u="none" strike="noStrike" cap="none" spc="0" normalizeH="0" baseline="0">
             <a:ln>
               <a:noFill/>
             </a:ln>
@@ -5385,7 +7514,7 @@
           <a:buFontTx/>
           <a:buNone/>
           <a:tabLst/>
-          <a:defRPr b="0" baseline="0" cap="none" i="0" spc="0" strike="noStrike" sz="1800" u="none" kumimoji="0" normalizeH="0">
+          <a:defRPr kumimoji="0" sz="1800" b="0" i="0" u="none" strike="noStrike" cap="none" spc="0" normalizeH="0" baseline="0">
             <a:ln>
               <a:noFill/>
             </a:ln>
@@ -5411,7 +7540,7 @@
           <a:buFontTx/>
           <a:buNone/>
           <a:tabLst/>
-          <a:defRPr b="0" baseline="0" cap="none" i="0" spc="0" strike="noStrike" sz="1800" u="none" kumimoji="0" normalizeH="0">
+          <a:defRPr kumimoji="0" sz="1800" b="0" i="0" u="none" strike="noStrike" cap="none" spc="0" normalizeH="0" baseline="0">
             <a:ln>
               <a:noFill/>
             </a:ln>
@@ -5437,7 +7566,7 @@
           <a:buFontTx/>
           <a:buNone/>
           <a:tabLst/>
-          <a:defRPr b="0" baseline="0" cap="none" i="0" spc="0" strike="noStrike" sz="1800" u="none" kumimoji="0" normalizeH="0">
+          <a:defRPr kumimoji="0" sz="1800" b="0" i="0" u="none" strike="noStrike" cap="none" spc="0" normalizeH="0" baseline="0">
             <a:ln>
               <a:noFill/>
             </a:ln>
@@ -5463,7 +7592,7 @@
           <a:buFontTx/>
           <a:buNone/>
           <a:tabLst/>
-          <a:defRPr b="0" baseline="0" cap="none" i="0" spc="0" strike="noStrike" sz="1800" u="none" kumimoji="0" normalizeH="0">
+          <a:defRPr kumimoji="0" sz="1800" b="0" i="0" u="none" strike="noStrike" cap="none" spc="0" normalizeH="0" baseline="0">
             <a:ln>
               <a:noFill/>
             </a:ln>
@@ -5489,7 +7618,7 @@
           <a:buFontTx/>
           <a:buNone/>
           <a:tabLst/>
-          <a:defRPr b="0" baseline="0" cap="none" i="0" spc="0" strike="noStrike" sz="1800" u="none" kumimoji="0" normalizeH="0">
+          <a:defRPr kumimoji="0" sz="1800" b="0" i="0" u="none" strike="noStrike" cap="none" spc="0" normalizeH="0" baseline="0">
             <a:ln>
               <a:noFill/>
             </a:ln>
@@ -5515,7 +7644,7 @@
           <a:buFontTx/>
           <a:buNone/>
           <a:tabLst/>
-          <a:defRPr b="0" baseline="0" cap="none" i="0" spc="0" strike="noStrike" sz="1800" u="none" kumimoji="0" normalizeH="0">
+          <a:defRPr kumimoji="0" sz="1800" b="0" i="0" u="none" strike="noStrike" cap="none" spc="0" normalizeH="0" baseline="0">
             <a:ln>
               <a:noFill/>
             </a:ln>
@@ -5541,7 +7670,7 @@
           <a:buFontTx/>
           <a:buNone/>
           <a:tabLst/>
-          <a:defRPr b="0" baseline="0" cap="none" i="0" spc="0" strike="noStrike" sz="1800" u="none" kumimoji="0" normalizeH="0">
+          <a:defRPr kumimoji="0" sz="1800" b="0" i="0" u="none" strike="noStrike" cap="none" spc="0" normalizeH="0" baseline="0">
             <a:ln>
               <a:noFill/>
             </a:ln>
@@ -5554,9 +7683,15 @@
         </a:lvl9pPr>
       </a:lstStyle>
       <a:style>
-        <a:lnRef idx="0"/>
-        <a:fillRef idx="0"/>
-        <a:effectRef idx="0"/>
+        <a:lnRef idx="0">
+          <a:scrgbClr r="0" g="0" b="0"/>
+        </a:lnRef>
+        <a:fillRef idx="0">
+          <a:scrgbClr r="0" g="0" b="0"/>
+        </a:fillRef>
+        <a:effectRef idx="0">
+          <a:scrgbClr r="0" g="0" b="0"/>
+        </a:effectRef>
         <a:fontRef idx="none"/>
       </a:style>
     </a:lnDef>
@@ -5570,7 +7705,7 @@
         <a:effectLst/>
         <a:sp3d/>
       </a:spPr>
-      <a:bodyPr rot="0" spcFirstLastPara="1" vertOverflow="overflow" horzOverflow="overflow" vert="horz" wrap="square" lIns="50800" tIns="50800" rIns="50800" bIns="50800" numCol="1" spcCol="38100" rtlCol="0" anchor="ctr" upright="0">
+      <a:bodyPr rot="0" spcFirstLastPara="1" vertOverflow="overflow" horzOverflow="overflow" vert="horz" wrap="square" lIns="50800" tIns="50800" rIns="50800" bIns="50800" numCol="1" spcCol="38100" rtlCol="0" anchor="ctr">
         <a:spAutoFit/>
       </a:bodyPr>
       <a:lstStyle>
@@ -5589,7 +7724,7 @@
           <a:buFontTx/>
           <a:buNone/>
           <a:tabLst/>
-          <a:defRPr b="1" baseline="0" cap="none" i="0" spc="0" strike="noStrike" sz="2400" u="none" kumimoji="0" normalizeH="0">
+          <a:defRPr kumimoji="0" sz="2400" b="1" i="0" u="none" strike="noStrike" cap="none" spc="0" normalizeH="0" baseline="0">
             <a:ln>
               <a:noFill/>
             </a:ln>
@@ -5619,7 +7754,7 @@
           <a:buFontTx/>
           <a:buNone/>
           <a:tabLst/>
-          <a:defRPr b="0" baseline="0" cap="none" i="0" spc="0" strike="noStrike" sz="1800" u="none" kumimoji="0" normalizeH="0">
+          <a:defRPr kumimoji="0" sz="1800" b="0" i="0" u="none" strike="noStrike" cap="none" spc="0" normalizeH="0" baseline="0">
             <a:ln>
               <a:noFill/>
             </a:ln>
@@ -5645,7 +7780,7 @@
           <a:buFontTx/>
           <a:buNone/>
           <a:tabLst/>
-          <a:defRPr b="0" baseline="0" cap="none" i="0" spc="0" strike="noStrike" sz="1800" u="none" kumimoji="0" normalizeH="0">
+          <a:defRPr kumimoji="0" sz="1800" b="0" i="0" u="none" strike="noStrike" cap="none" spc="0" normalizeH="0" baseline="0">
             <a:ln>
               <a:noFill/>
             </a:ln>
@@ -5671,7 +7806,7 @@
           <a:buFontTx/>
           <a:buNone/>
           <a:tabLst/>
-          <a:defRPr b="0" baseline="0" cap="none" i="0" spc="0" strike="noStrike" sz="1800" u="none" kumimoji="0" normalizeH="0">
+          <a:defRPr kumimoji="0" sz="1800" b="0" i="0" u="none" strike="noStrike" cap="none" spc="0" normalizeH="0" baseline="0">
             <a:ln>
               <a:noFill/>
             </a:ln>
@@ -5697,7 +7832,7 @@
           <a:buFontTx/>
           <a:buNone/>
           <a:tabLst/>
-          <a:defRPr b="0" baseline="0" cap="none" i="0" spc="0" strike="noStrike" sz="1800" u="none" kumimoji="0" normalizeH="0">
+          <a:defRPr kumimoji="0" sz="1800" b="0" i="0" u="none" strike="noStrike" cap="none" spc="0" normalizeH="0" baseline="0">
             <a:ln>
               <a:noFill/>
             </a:ln>
@@ -5723,7 +7858,7 @@
           <a:buFontTx/>
           <a:buNone/>
           <a:tabLst/>
-          <a:defRPr b="0" baseline="0" cap="none" i="0" spc="0" strike="noStrike" sz="1800" u="none" kumimoji="0" normalizeH="0">
+          <a:defRPr kumimoji="0" sz="1800" b="0" i="0" u="none" strike="noStrike" cap="none" spc="0" normalizeH="0" baseline="0">
             <a:ln>
               <a:noFill/>
             </a:ln>
@@ -5749,7 +7884,7 @@
           <a:buFontTx/>
           <a:buNone/>
           <a:tabLst/>
-          <a:defRPr b="0" baseline="0" cap="none" i="0" spc="0" strike="noStrike" sz="1800" u="none" kumimoji="0" normalizeH="0">
+          <a:defRPr kumimoji="0" sz="1800" b="0" i="0" u="none" strike="noStrike" cap="none" spc="0" normalizeH="0" baseline="0">
             <a:ln>
               <a:noFill/>
             </a:ln>
@@ -5775,7 +7910,7 @@
           <a:buFontTx/>
           <a:buNone/>
           <a:tabLst/>
-          <a:defRPr b="0" baseline="0" cap="none" i="0" spc="0" strike="noStrike" sz="1800" u="none" kumimoji="0" normalizeH="0">
+          <a:defRPr kumimoji="0" sz="1800" b="0" i="0" u="none" strike="noStrike" cap="none" spc="0" normalizeH="0" baseline="0">
             <a:ln>
               <a:noFill/>
             </a:ln>
@@ -5801,7 +7936,7 @@
           <a:buFontTx/>
           <a:buNone/>
           <a:tabLst/>
-          <a:defRPr b="0" baseline="0" cap="none" i="0" spc="0" strike="noStrike" sz="1800" u="none" kumimoji="0" normalizeH="0">
+          <a:defRPr kumimoji="0" sz="1800" b="0" i="0" u="none" strike="noStrike" cap="none" spc="0" normalizeH="0" baseline="0">
             <a:ln>
               <a:noFill/>
             </a:ln>
@@ -5827,7 +7962,7 @@
           <a:buFontTx/>
           <a:buNone/>
           <a:tabLst/>
-          <a:defRPr b="0" baseline="0" cap="none" i="0" spc="0" strike="noStrike" sz="1800" u="none" kumimoji="0" normalizeH="0">
+          <a:defRPr kumimoji="0" sz="1800" b="0" i="0" u="none" strike="noStrike" cap="none" spc="0" normalizeH="0" baseline="0">
             <a:ln>
               <a:noFill/>
             </a:ln>
@@ -5840,12 +7975,19 @@
         </a:lvl9pPr>
       </a:lstStyle>
       <a:style>
-        <a:lnRef idx="0"/>
-        <a:fillRef idx="0"/>
-        <a:effectRef idx="0"/>
+        <a:lnRef idx="0">
+          <a:scrgbClr r="0" g="0" b="0"/>
+        </a:lnRef>
+        <a:fillRef idx="0">
+          <a:scrgbClr r="0" g="0" b="0"/>
+        </a:fillRef>
+        <a:effectRef idx="0">
+          <a:scrgbClr r="0" g="0" b="0"/>
+        </a:effectRef>
         <a:fontRef idx="none"/>
       </a:style>
     </a:txDef>
   </a:objectDefaults>
+  <a:extraClrSchemeLst/>
 </a:theme>
 </file>